--- a/test og kvalitetssikring/TestOgKvalitetssikringEksamen.pptx
+++ b/test og kvalitetssikring/TestOgKvalitetssikringEksamen.pptx
@@ -10,7 +10,12 @@
     <p:sldId id="260" r:id="rId4"/>
     <p:sldId id="261" r:id="rId5"/>
     <p:sldId id="259" r:id="rId6"/>
-    <p:sldId id="258" r:id="rId7"/>
+    <p:sldId id="263" r:id="rId7"/>
+    <p:sldId id="264" r:id="rId8"/>
+    <p:sldId id="265" r:id="rId9"/>
+    <p:sldId id="266" r:id="rId10"/>
+    <p:sldId id="262" r:id="rId11"/>
+    <p:sldId id="258" r:id="rId12"/>
   </p:sldIdLst>
   <p:sldSz cx="12192000" cy="6858000"/>
   <p:notesSz cx="6858000" cy="9144000"/>
@@ -109,6 +114,11 @@
       </a:defRPr>
     </a:lvl9pPr>
   </p:defaultTextStyle>
+  <p:extLst>
+    <p:ext uri="{EFAFB233-063F-42B5-8137-9DF3F51BA10A}">
+      <p15:sldGuideLst xmlns:p15="http://schemas.microsoft.com/office/powerpoint/2012/main"/>
+    </p:ext>
+  </p:extLst>
 </p:presentation>
 </file>
 
@@ -141,10 +151,10 @@
 <file path=ppt/comments/comment2.xml><?xml version="1.0" encoding="utf-8"?>
 <p:cmLst xmlns:a="http://schemas.openxmlformats.org/drawingml/2006/main" xmlns:r="http://schemas.openxmlformats.org/officeDocument/2006/relationships" xmlns:p="http://schemas.openxmlformats.org/presentationml/2006/main">
   <p:cm authorId="1" dt="2018-12-16T18:02:51.388" idx="1">
-    <p:pos x="10" y="10"/>
+    <p:pos x="6613" y="471"/>
     <p:text>Billede:
 Man skriver først sine tests, implementere man koden, og tester om alt virker. Hvis der er behov for at slette redundant kode eller omskreve noget, gør man det her</p:text>
-    <p:extLst>
+    <p:extLst mod="1">
       <p:ext uri="{C676402C-5697-4E1C-873F-D02D1690AC5C}">
         <p15:threadingInfo xmlns:p15="http://schemas.microsoft.com/office/powerpoint/2012/main" timeZoneBias="-60"/>
       </p:ext>
@@ -341,7 +351,7 @@
           <a:p>
             <a:fld id="{EA5EB97E-391D-4361-820D-1E7263F097D4}" type="datetimeFigureOut">
               <a:rPr lang="en-US" smtClean="0"/>
-              <a:t>12/16/2018</a:t>
+              <a:t>12/17/2018</a:t>
             </a:fld>
             <a:endParaRPr lang="en-US"/>
           </a:p>
@@ -679,7 +689,7 @@
           <a:p>
             <a:fld id="{EA5EB97E-391D-4361-820D-1E7263F097D4}" type="datetimeFigureOut">
               <a:rPr lang="en-US" smtClean="0"/>
-              <a:t>12/16/2018</a:t>
+              <a:t>12/17/2018</a:t>
             </a:fld>
             <a:endParaRPr lang="en-US"/>
           </a:p>
@@ -1080,7 +1090,7 @@
           <a:p>
             <a:fld id="{EA5EB97E-391D-4361-820D-1E7263F097D4}" type="datetimeFigureOut">
               <a:rPr lang="en-US" smtClean="0"/>
-              <a:t>12/16/2018</a:t>
+              <a:t>12/17/2018</a:t>
             </a:fld>
             <a:endParaRPr lang="en-US"/>
           </a:p>
@@ -1416,7 +1426,7 @@
           <a:p>
             <a:fld id="{EA5EB97E-391D-4361-820D-1E7263F097D4}" type="datetimeFigureOut">
               <a:rPr lang="en-US" smtClean="0"/>
-              <a:t>12/16/2018</a:t>
+              <a:t>12/17/2018</a:t>
             </a:fld>
             <a:endParaRPr lang="en-US"/>
           </a:p>
@@ -1736,7 +1746,7 @@
           <a:p>
             <a:fld id="{EA5EB97E-391D-4361-820D-1E7263F097D4}" type="datetimeFigureOut">
               <a:rPr lang="en-US" smtClean="0"/>
-              <a:t>12/16/2018</a:t>
+              <a:t>12/17/2018</a:t>
             </a:fld>
             <a:endParaRPr lang="en-US"/>
           </a:p>
@@ -2132,7 +2142,7 @@
           <a:p>
             <a:fld id="{EA5EB97E-391D-4361-820D-1E7263F097D4}" type="datetimeFigureOut">
               <a:rPr lang="en-US" smtClean="0"/>
-              <a:t>12/16/2018</a:t>
+              <a:t>12/17/2018</a:t>
             </a:fld>
             <a:endParaRPr lang="en-US"/>
           </a:p>
@@ -2389,7 +2399,7 @@
           <a:p>
             <a:fld id="{EA5EB97E-391D-4361-820D-1E7263F097D4}" type="datetimeFigureOut">
               <a:rPr lang="en-US" smtClean="0"/>
-              <a:t>12/16/2018</a:t>
+              <a:t>12/17/2018</a:t>
             </a:fld>
             <a:endParaRPr lang="en-US"/>
           </a:p>
@@ -2651,7 +2661,7 @@
           <a:p>
             <a:fld id="{EA5EB97E-391D-4361-820D-1E7263F097D4}" type="datetimeFigureOut">
               <a:rPr lang="en-US" smtClean="0"/>
-              <a:t>12/16/2018</a:t>
+              <a:t>12/17/2018</a:t>
             </a:fld>
             <a:endParaRPr lang="en-US"/>
           </a:p>
@@ -2913,7 +2923,7 @@
           <a:p>
             <a:fld id="{EA5EB97E-391D-4361-820D-1E7263F097D4}" type="datetimeFigureOut">
               <a:rPr lang="en-US" smtClean="0"/>
-              <a:t>12/16/2018</a:t>
+              <a:t>12/17/2018</a:t>
             </a:fld>
             <a:endParaRPr lang="en-US"/>
           </a:p>
@@ -3242,7 +3252,7 @@
           <a:p>
             <a:fld id="{EA5EB97E-391D-4361-820D-1E7263F097D4}" type="datetimeFigureOut">
               <a:rPr lang="en-US" smtClean="0"/>
-              <a:t>12/16/2018</a:t>
+              <a:t>12/17/2018</a:t>
             </a:fld>
             <a:endParaRPr lang="en-US"/>
           </a:p>
@@ -3565,7 +3575,7 @@
           <a:p>
             <a:fld id="{EA5EB97E-391D-4361-820D-1E7263F097D4}" type="datetimeFigureOut">
               <a:rPr lang="en-US" smtClean="0"/>
-              <a:t>12/16/2018</a:t>
+              <a:t>12/17/2018</a:t>
             </a:fld>
             <a:endParaRPr lang="en-US"/>
           </a:p>
@@ -4022,7 +4032,7 @@
           <a:p>
             <a:fld id="{EA5EB97E-391D-4361-820D-1E7263F097D4}" type="datetimeFigureOut">
               <a:rPr lang="en-US" smtClean="0"/>
-              <a:t>12/16/2018</a:t>
+              <a:t>12/17/2018</a:t>
             </a:fld>
             <a:endParaRPr lang="en-US"/>
           </a:p>
@@ -4227,7 +4237,7 @@
           <a:p>
             <a:fld id="{EA5EB97E-391D-4361-820D-1E7263F097D4}" type="datetimeFigureOut">
               <a:rPr lang="en-US" smtClean="0"/>
-              <a:t>12/16/2018</a:t>
+              <a:t>12/17/2018</a:t>
             </a:fld>
             <a:endParaRPr lang="en-US"/>
           </a:p>
@@ -4404,7 +4414,7 @@
           <a:p>
             <a:fld id="{EA5EB97E-391D-4361-820D-1E7263F097D4}" type="datetimeFigureOut">
               <a:rPr lang="en-US" smtClean="0"/>
-              <a:t>12/16/2018</a:t>
+              <a:t>12/17/2018</a:t>
             </a:fld>
             <a:endParaRPr lang="en-US"/>
           </a:p>
@@ -4737,7 +4747,7 @@
           <a:p>
             <a:fld id="{EA5EB97E-391D-4361-820D-1E7263F097D4}" type="datetimeFigureOut">
               <a:rPr lang="en-US" smtClean="0"/>
-              <a:t>12/16/2018</a:t>
+              <a:t>12/17/2018</a:t>
             </a:fld>
             <a:endParaRPr lang="en-US"/>
           </a:p>
@@ -5082,7 +5092,7 @@
           <a:p>
             <a:fld id="{EA5EB97E-391D-4361-820D-1E7263F097D4}" type="datetimeFigureOut">
               <a:rPr lang="en-US" smtClean="0"/>
-              <a:t>12/16/2018</a:t>
+              <a:t>12/17/2018</a:t>
             </a:fld>
             <a:endParaRPr lang="en-US"/>
           </a:p>
@@ -7199,7 +7209,7 @@
           <a:p>
             <a:fld id="{EA5EB97E-391D-4361-820D-1E7263F097D4}" type="datetimeFigureOut">
               <a:rPr lang="en-US" smtClean="0"/>
-              <a:t>12/16/2018</a:t>
+              <a:t>12/17/2018</a:t>
             </a:fld>
             <a:endParaRPr lang="en-US"/>
           </a:p>
@@ -7828,204 +7838,7 @@
 </p:sld>
 </file>
 
-<file path=ppt/slides/slide2.xml><?xml version="1.0" encoding="utf-8"?>
-<p:sld xmlns:a="http://schemas.openxmlformats.org/drawingml/2006/main" xmlns:r="http://schemas.openxmlformats.org/officeDocument/2006/relationships" xmlns:p="http://schemas.openxmlformats.org/presentationml/2006/main">
-  <p:cSld>
-    <p:spTree>
-      <p:nvGrpSpPr>
-        <p:cNvPr id="1" name=""/>
-        <p:cNvGrpSpPr/>
-        <p:nvPr/>
-      </p:nvGrpSpPr>
-      <p:grpSpPr>
-        <a:xfrm>
-          <a:off x="0" y="0"/>
-          <a:ext cx="0" cy="0"/>
-          <a:chOff x="0" y="0"/>
-          <a:chExt cx="0" cy="0"/>
-        </a:xfrm>
-      </p:grpSpPr>
-      <p:sp>
-        <p:nvSpPr>
-          <p:cNvPr id="2" name="Titel 1">
-            <a:extLst>
-              <a:ext uri="{FF2B5EF4-FFF2-40B4-BE49-F238E27FC236}">
-                <a16:creationId xmlns:a16="http://schemas.microsoft.com/office/drawing/2014/main" id="{38F862FD-F61E-4330-95F7-BCD8ED1897E6}"/>
-              </a:ext>
-            </a:extLst>
-          </p:cNvPr>
-          <p:cNvSpPr>
-            <a:spLocks noGrp="1"/>
-          </p:cNvSpPr>
-          <p:nvPr>
-            <p:ph type="title"/>
-          </p:nvPr>
-        </p:nvSpPr>
-        <p:spPr/>
-        <p:txBody>
-          <a:bodyPr/>
-          <a:lstStyle/>
-          <a:p>
-            <a:r>
-              <a:rPr lang="da-DK" dirty="0"/>
-              <a:t>Hvorfor?</a:t>
-            </a:r>
-            <a:endParaRPr lang="en-US" dirty="0"/>
-          </a:p>
-        </p:txBody>
-      </p:sp>
-      <p:sp>
-        <p:nvSpPr>
-          <p:cNvPr id="5" name="Pladsholder til indhold 4">
-            <a:extLst>
-              <a:ext uri="{FF2B5EF4-FFF2-40B4-BE49-F238E27FC236}">
-                <a16:creationId xmlns:a16="http://schemas.microsoft.com/office/drawing/2014/main" id="{3C52E225-6817-425D-AC1C-104C0022E0A4}"/>
-              </a:ext>
-            </a:extLst>
-          </p:cNvPr>
-          <p:cNvSpPr>
-            <a:spLocks noGrp="1"/>
-          </p:cNvSpPr>
-          <p:nvPr>
-            <p:ph idx="1"/>
-          </p:nvPr>
-        </p:nvSpPr>
-        <p:spPr>
-          <a:xfrm>
-            <a:off x="668048" y="2097966"/>
-            <a:ext cx="8915400" cy="3777622"/>
-          </a:xfrm>
-        </p:spPr>
-        <p:txBody>
-          <a:bodyPr/>
-          <a:lstStyle/>
-          <a:p>
-            <a:r>
-              <a:rPr lang="da-DK" dirty="0"/>
-              <a:t>Kvalitetssikring</a:t>
-            </a:r>
-          </a:p>
-          <a:p>
-            <a:pPr lvl="1"/>
-            <a:r>
-              <a:rPr lang="da-DK" dirty="0"/>
-              <a:t>Lever op til kundens forventninger</a:t>
-            </a:r>
-          </a:p>
-          <a:p>
-            <a:r>
-              <a:rPr lang="da-DK" dirty="0"/>
-              <a:t>Sikre at produktet virker som ønsket</a:t>
-            </a:r>
-          </a:p>
-          <a:p>
-            <a:r>
-              <a:rPr lang="da-DK" dirty="0"/>
-              <a:t>Sikre applikationens stabilitet </a:t>
-            </a:r>
-          </a:p>
-          <a:p>
-            <a:pPr lvl="1"/>
-            <a:r>
-              <a:rPr lang="da-DK" b="1" dirty="0"/>
-              <a:t>x / 0 =&gt; </a:t>
-            </a:r>
-            <a:r>
-              <a:rPr lang="da-DK" dirty="0"/>
-              <a:t>Fejlhåndtering</a:t>
-            </a:r>
-            <a:endParaRPr lang="en-US" dirty="0"/>
-          </a:p>
-          <a:p>
-            <a:endParaRPr lang="da-DK" dirty="0"/>
-          </a:p>
-          <a:p>
-            <a:endParaRPr lang="da-DK" dirty="0"/>
-          </a:p>
-          <a:p>
-            <a:endParaRPr lang="da-DK" dirty="0"/>
-          </a:p>
-          <a:p>
-            <a:r>
-              <a:rPr lang="da-DK" dirty="0"/>
-              <a:t>M</a:t>
-            </a:r>
-            <a:r>
-              <a:rPr lang="en-US" dirty="0" err="1"/>
-              <a:t>inimerer</a:t>
-            </a:r>
-            <a:r>
-              <a:rPr lang="en-US" dirty="0"/>
-              <a:t> </a:t>
-            </a:r>
-            <a:r>
-              <a:rPr lang="en-US" dirty="0" err="1"/>
-              <a:t>fejl</a:t>
-            </a:r>
-            <a:r>
-              <a:rPr lang="en-US" dirty="0"/>
-              <a:t> </a:t>
-            </a:r>
-            <a:r>
-              <a:rPr lang="en-US" dirty="0" err="1"/>
-              <a:t>og</a:t>
-            </a:r>
-            <a:r>
-              <a:rPr lang="en-US" dirty="0"/>
-              <a:t> </a:t>
-            </a:r>
-            <a:r>
-              <a:rPr lang="en-US" dirty="0" err="1"/>
-              <a:t>overseelser</a:t>
-            </a:r>
-            <a:endParaRPr lang="da-DK" dirty="0"/>
-          </a:p>
-        </p:txBody>
-      </p:sp>
-      <p:pic>
-        <p:nvPicPr>
-          <p:cNvPr id="6" name="Pladsholder til indhold 3">
-            <a:extLst>
-              <a:ext uri="{FF2B5EF4-FFF2-40B4-BE49-F238E27FC236}">
-                <a16:creationId xmlns:a16="http://schemas.microsoft.com/office/drawing/2014/main" id="{8CE6DFA1-1F77-4607-9529-794B36527BC6}"/>
-              </a:ext>
-            </a:extLst>
-          </p:cNvPr>
-          <p:cNvPicPr>
-            <a:picLocks noChangeAspect="1"/>
-          </p:cNvPicPr>
-          <p:nvPr/>
-        </p:nvPicPr>
-        <p:blipFill>
-          <a:blip r:embed="rId2"/>
-          <a:stretch>
-            <a:fillRect/>
-          </a:stretch>
-        </p:blipFill>
-        <p:spPr>
-          <a:xfrm>
-            <a:off x="6868970" y="413327"/>
-            <a:ext cx="5247912" cy="6031345"/>
-          </a:xfrm>
-          <a:prstGeom prst="rect">
-            <a:avLst/>
-          </a:prstGeom>
-        </p:spPr>
-      </p:pic>
-    </p:spTree>
-    <p:extLst>
-      <p:ext uri="{BB962C8B-B14F-4D97-AF65-F5344CB8AC3E}">
-        <p14:creationId xmlns:p14="http://schemas.microsoft.com/office/powerpoint/2010/main" val="1420638495"/>
-      </p:ext>
-    </p:extLst>
-  </p:cSld>
-  <p:clrMapOvr>
-    <a:masterClrMapping/>
-  </p:clrMapOvr>
-</p:sld>
-</file>
-
-<file path=ppt/slides/slide3.xml><?xml version="1.0" encoding="utf-8"?>
+<file path=ppt/slides/slide10.xml><?xml version="1.0" encoding="utf-8"?>
 <p:sld xmlns:a="http://schemas.openxmlformats.org/drawingml/2006/main" xmlns:r="http://schemas.openxmlformats.org/officeDocument/2006/relationships" xmlns:p="http://schemas.openxmlformats.org/presentationml/2006/main">
   <p:cSld>
     <p:bg>
@@ -8070,7 +7883,7 @@
       </p:grpSpPr>
       <p:sp useBgFill="1">
         <p:nvSpPr>
-          <p:cNvPr id="1037" name="Rectangle 74">
+          <p:cNvPr id="10" name="Rectangle 9">
             <a:extLst>
               <a:ext uri="{FF2B5EF4-FFF2-40B4-BE49-F238E27FC236}">
                 <a16:creationId xmlns:a16="http://schemas.microsoft.com/office/drawing/2014/main" id="{B5898079-081F-4617-AC6B-4290266737B3}"/>
@@ -8133,7 +7946,7 @@
           <p:cNvPr id="2" name="Titel 1">
             <a:extLst>
               <a:ext uri="{FF2B5EF4-FFF2-40B4-BE49-F238E27FC236}">
-                <a16:creationId xmlns:a16="http://schemas.microsoft.com/office/drawing/2014/main" id="{4CF882DD-C55E-49BB-9C11-3FD4529DB36B}"/>
+                <a16:creationId xmlns:a16="http://schemas.microsoft.com/office/drawing/2014/main" id="{2DE562BD-D826-47A0-BF62-1A9D2BCA14A3}"/>
               </a:ext>
             </a:extLst>
           </p:cNvPr>
@@ -8157,8 +7970,16 @@
           <a:lstStyle/>
           <a:p>
             <a:r>
-              <a:rPr lang="da-DK"/>
-              <a:t>Hvordan?</a:t>
+              <a:rPr lang="en-US" dirty="0" err="1"/>
+              <a:t>Ækvivalensklasser</a:t>
+            </a:r>
+            <a:r>
+              <a:rPr lang="en-US" dirty="0"/>
+              <a:t> &amp; </a:t>
+            </a:r>
+            <a:r>
+              <a:rPr lang="en-US" dirty="0" err="1"/>
+              <a:t>grænseværdier</a:t>
             </a:r>
             <a:endParaRPr lang="en-US" dirty="0"/>
           </a:p>
@@ -8166,7 +7987,7 @@
       </p:sp>
       <p:sp>
         <p:nvSpPr>
-          <p:cNvPr id="1038" name="Rectangle 76">
+          <p:cNvPr id="12" name="Rectangle 11">
             <a:extLst>
               <a:ext uri="{FF2B5EF4-FFF2-40B4-BE49-F238E27FC236}">
                 <a16:creationId xmlns:a16="http://schemas.microsoft.com/office/drawing/2014/main" id="{BB829EC8-5B3D-469E-942E-5E6E569E5C9B}"/>
@@ -8223,7 +8044,7 @@
           <p:cNvPr id="3" name="Pladsholder til indhold 2">
             <a:extLst>
               <a:ext uri="{FF2B5EF4-FFF2-40B4-BE49-F238E27FC236}">
-                <a16:creationId xmlns:a16="http://schemas.microsoft.com/office/drawing/2014/main" id="{C90E13ED-0A93-401B-8A33-9FA4D05AA79F}"/>
+                <a16:creationId xmlns:a16="http://schemas.microsoft.com/office/drawing/2014/main" id="{7222B5D7-1D32-4426-B54F-59012C27A7C8}"/>
               </a:ext>
             </a:extLst>
           </p:cNvPr>
@@ -8236,8 +8057,8 @@
         </p:nvSpPr>
         <p:spPr>
           <a:xfrm>
-            <a:off x="649223" y="1546606"/>
-            <a:ext cx="6629709" cy="3759253"/>
+            <a:off x="649225" y="2133600"/>
+            <a:ext cx="5122652" cy="3759253"/>
           </a:xfrm>
         </p:spPr>
         <p:txBody>
@@ -8247,110 +8068,128 @@
           <a:lstStyle/>
           <a:p>
             <a:r>
+              <a:rPr lang="en-US" dirty="0" err="1"/>
+              <a:t>Ækvivalensklasser</a:t>
+            </a:r>
+            <a:r>
+              <a:rPr lang="en-US" dirty="0"/>
+              <a:t> </a:t>
+            </a:r>
+            <a:r>
+              <a:rPr lang="en-US" dirty="0" err="1"/>
+              <a:t>opdeler</a:t>
+            </a:r>
+            <a:r>
+              <a:rPr lang="en-US" dirty="0"/>
+              <a:t> </a:t>
+            </a:r>
+            <a:r>
+              <a:rPr lang="en-US" dirty="0" err="1"/>
+              <a:t>inputværdier</a:t>
+            </a:r>
+            <a:endParaRPr lang="en-US" dirty="0"/>
+          </a:p>
+          <a:p>
+            <a:pPr lvl="1"/>
+            <a:r>
               <a:rPr lang="da-DK" dirty="0"/>
-              <a:t>Forskellige typer af tests</a:t>
-            </a:r>
+              <a:t>Identificer </a:t>
+            </a:r>
+            <a:r>
+              <a:rPr lang="da-DK" dirty="0" err="1"/>
+              <a:t>inpuværdier</a:t>
+            </a:r>
+            <a:r>
+              <a:rPr lang="da-DK" dirty="0"/>
+              <a:t> med risiko</a:t>
+            </a:r>
+          </a:p>
+          <a:p>
+            <a:pPr lvl="1"/>
+            <a:endParaRPr lang="da-DK" dirty="0"/>
+          </a:p>
+          <a:p>
+            <a:r>
+              <a:rPr lang="da-DK" dirty="0"/>
+              <a:t>Reducere mængden af tests</a:t>
+            </a:r>
+          </a:p>
+          <a:p>
+            <a:pPr lvl="1"/>
+            <a:r>
+              <a:rPr lang="da-DK" dirty="0"/>
+              <a:t>258 =&gt; 5 </a:t>
+            </a:r>
+            <a:endParaRPr lang="en-US" dirty="0"/>
+          </a:p>
+          <a:p>
             <a:endParaRPr lang="en-US" dirty="0"/>
           </a:p>
         </p:txBody>
       </p:sp>
       <p:pic>
         <p:nvPicPr>
-          <p:cNvPr id="1030" name="Picture 6" descr="Billedresultat for monkey playing video game">
+          <p:cNvPr id="4" name="Billede 3">
             <a:extLst>
               <a:ext uri="{FF2B5EF4-FFF2-40B4-BE49-F238E27FC236}">
-                <a16:creationId xmlns:a16="http://schemas.microsoft.com/office/drawing/2014/main" id="{0A2735CC-BCEE-4934-B410-DF5FE0FF1001}"/>
+                <a16:creationId xmlns:a16="http://schemas.microsoft.com/office/drawing/2014/main" id="{428DC10F-3654-438C-B2ED-68FF8C28C956}"/>
               </a:ext>
             </a:extLst>
           </p:cNvPr>
           <p:cNvPicPr>
-            <a:picLocks noChangeAspect="1" noChangeArrowheads="1"/>
+            <a:picLocks noChangeAspect="1"/>
           </p:cNvPicPr>
           <p:nvPr/>
         </p:nvPicPr>
         <p:blipFill>
-          <a:blip r:embed="rId2">
-            <a:extLst>
-              <a:ext uri="{28A0092B-C50C-407E-A947-70E740481C1C}">
-                <a14:useLocalDpi xmlns:a14="http://schemas.microsoft.com/office/drawing/2010/main" val="0"/>
-              </a:ext>
-            </a:extLst>
-          </a:blip>
-          <a:srcRect/>
+          <a:blip r:embed="rId2"/>
           <a:stretch>
             <a:fillRect/>
           </a:stretch>
         </p:blipFill>
-        <p:spPr bwMode="auto">
+        <p:spPr>
           <a:xfrm>
-            <a:off x="7859356" y="403015"/>
-            <a:ext cx="3752221" cy="6051970"/>
+            <a:off x="6260685" y="645106"/>
+            <a:ext cx="5114089" cy="2698831"/>
           </a:xfrm>
           <a:prstGeom prst="rect">
             <a:avLst/>
           </a:prstGeom>
-          <a:noFill/>
-          <a:extLst>
-            <a:ext uri="{909E8E84-426E-40DD-AFC4-6F175D3DCCD1}">
-              <a14:hiddenFill xmlns:a14="http://schemas.microsoft.com/office/drawing/2010/main">
-                <a:solidFill>
-                  <a:srgbClr val="FFFFFF"/>
-                </a:solidFill>
-              </a14:hiddenFill>
-            </a:ext>
-          </a:extLst>
         </p:spPr>
       </p:pic>
       <p:pic>
         <p:nvPicPr>
-          <p:cNvPr id="1028" name="Picture 4" descr="Billedresultat for test monkey">
+          <p:cNvPr id="5" name="Billede 4">
             <a:extLst>
               <a:ext uri="{FF2B5EF4-FFF2-40B4-BE49-F238E27FC236}">
-                <a16:creationId xmlns:a16="http://schemas.microsoft.com/office/drawing/2014/main" id="{7B0D1305-C0F0-48F4-9A38-25FE3C61D792}"/>
+                <a16:creationId xmlns:a16="http://schemas.microsoft.com/office/drawing/2014/main" id="{F33CF022-0EB0-4BF3-9902-BD926928B33E}"/>
               </a:ext>
             </a:extLst>
           </p:cNvPr>
           <p:cNvPicPr>
-            <a:picLocks noChangeAspect="1" noChangeArrowheads="1"/>
+            <a:picLocks noChangeAspect="1"/>
           </p:cNvPicPr>
           <p:nvPr/>
         </p:nvPicPr>
         <p:blipFill>
-          <a:blip r:embed="rId3">
-            <a:extLst>
-              <a:ext uri="{28A0092B-C50C-407E-A947-70E740481C1C}">
-                <a14:useLocalDpi xmlns:a14="http://schemas.microsoft.com/office/drawing/2010/main" val="0"/>
-              </a:ext>
-            </a:extLst>
-          </a:blip>
-          <a:srcRect/>
+          <a:blip r:embed="rId3"/>
           <a:stretch>
             <a:fillRect/>
           </a:stretch>
         </p:blipFill>
-        <p:spPr bwMode="auto">
+        <p:spPr>
           <a:xfrm>
-            <a:off x="556992" y="2453640"/>
-            <a:ext cx="6721941" cy="3915531"/>
+            <a:off x="6086040" y="3790322"/>
+            <a:ext cx="5451627" cy="1820737"/>
           </a:xfrm>
           <a:prstGeom prst="rect">
             <a:avLst/>
           </a:prstGeom>
-          <a:noFill/>
-          <a:extLst>
-            <a:ext uri="{909E8E84-426E-40DD-AFC4-6F175D3DCCD1}">
-              <a14:hiddenFill xmlns:a14="http://schemas.microsoft.com/office/drawing/2010/main">
-                <a:solidFill>
-                  <a:srgbClr val="FFFFFF"/>
-                </a:solidFill>
-              </a14:hiddenFill>
-            </a:ext>
-          </a:extLst>
         </p:spPr>
       </p:pic>
       <p:sp>
         <p:nvSpPr>
-          <p:cNvPr id="79" name="Freeform 12">
+          <p:cNvPr id="14" name="Freeform 12">
             <a:extLst>
               <a:ext uri="{FF2B5EF4-FFF2-40B4-BE49-F238E27FC236}">
                 <a16:creationId xmlns:a16="http://schemas.microsoft.com/office/drawing/2014/main" id="{55D72A3F-A083-4502-838A-2C32C980026F}"/>
@@ -8568,7 +8407,7 @@
     </p:spTree>
     <p:extLst>
       <p:ext uri="{BB962C8B-B14F-4D97-AF65-F5344CB8AC3E}">
-        <p14:creationId xmlns:p14="http://schemas.microsoft.com/office/powerpoint/2010/main" val="3778426696"/>
+        <p14:creationId xmlns:p14="http://schemas.microsoft.com/office/powerpoint/2010/main" val="1184053484"/>
       </p:ext>
     </p:extLst>
   </p:cSld>
@@ -8578,7 +8417,7 @@
 </p:sld>
 </file>
 
-<file path=ppt/slides/slide4.xml><?xml version="1.0" encoding="utf-8"?>
+<file path=ppt/slides/slide11.xml><?xml version="1.0" encoding="utf-8"?>
 <p:sld xmlns:a="http://schemas.openxmlformats.org/drawingml/2006/main" xmlns:r="http://schemas.openxmlformats.org/officeDocument/2006/relationships" xmlns:p="http://schemas.openxmlformats.org/presentationml/2006/main">
   <p:cSld>
     <p:bg>
@@ -8623,10 +8462,10 @@
       </p:grpSpPr>
       <p:sp useBgFill="1">
         <p:nvSpPr>
-          <p:cNvPr id="1037" name="Rectangle 74">
+          <p:cNvPr id="15" name="Rectangle 8">
             <a:extLst>
               <a:ext uri="{FF2B5EF4-FFF2-40B4-BE49-F238E27FC236}">
-                <a16:creationId xmlns:a16="http://schemas.microsoft.com/office/drawing/2014/main" id="{B5898079-081F-4617-AC6B-4290266737B3}"/>
+                <a16:creationId xmlns:a16="http://schemas.microsoft.com/office/drawing/2014/main" id="{1EDD21E1-BAF0-4314-AB31-82ECB8AC9EA9}"/>
               </a:ext>
               <a:ext uri="{C183D7F6-B498-43B3-948B-1728B52AA6E4}">
                 <adec:decorative xmlns:adec="http://schemas.microsoft.com/office/drawing/2017/decorative" val="1"/>
@@ -8686,7 +8525,7 @@
           <p:cNvPr id="2" name="Titel 1">
             <a:extLst>
               <a:ext uri="{FF2B5EF4-FFF2-40B4-BE49-F238E27FC236}">
-                <a16:creationId xmlns:a16="http://schemas.microsoft.com/office/drawing/2014/main" id="{4CF882DD-C55E-49BB-9C11-3FD4529DB36B}"/>
+                <a16:creationId xmlns:a16="http://schemas.microsoft.com/office/drawing/2014/main" id="{FC4DD9A3-9E14-4C40-8258-FFE7308ED3C2}"/>
               </a:ext>
             </a:extLst>
           </p:cNvPr>
@@ -8710,8 +8549,16 @@
           <a:lstStyle/>
           <a:p>
             <a:r>
-              <a:rPr lang="da-DK"/>
-              <a:t>Hvordan?</a:t>
+              <a:rPr lang="da-DK" dirty="0"/>
+              <a:t>Test Driven </a:t>
+            </a:r>
+            <a:r>
+              <a:rPr lang="da-DK" dirty="0" err="1"/>
+              <a:t>Developement</a:t>
+            </a:r>
+            <a:r>
+              <a:rPr lang="da-DK" dirty="0"/>
+              <a:t> / TDD</a:t>
             </a:r>
             <a:endParaRPr lang="en-US" dirty="0"/>
           </a:p>
@@ -8719,10 +8566,10 @@
       </p:sp>
       <p:sp>
         <p:nvSpPr>
-          <p:cNvPr id="1038" name="Rectangle 76">
+          <p:cNvPr id="16" name="Rectangle 10">
             <a:extLst>
               <a:ext uri="{FF2B5EF4-FFF2-40B4-BE49-F238E27FC236}">
-                <a16:creationId xmlns:a16="http://schemas.microsoft.com/office/drawing/2014/main" id="{BB829EC8-5B3D-469E-942E-5E6E569E5C9B}"/>
+                <a16:creationId xmlns:a16="http://schemas.microsoft.com/office/drawing/2014/main" id="{FDC8619C-F25D-468E-95FA-2A2151D7DDD2}"/>
               </a:ext>
               <a:ext uri="{C183D7F6-B498-43B3-948B-1728B52AA6E4}">
                 <adec:decorative xmlns:adec="http://schemas.microsoft.com/office/drawing/2017/decorative" val="1"/>
@@ -8776,7 +8623,7 @@
           <p:cNvPr id="3" name="Pladsholder til indhold 2">
             <a:extLst>
               <a:ext uri="{FF2B5EF4-FFF2-40B4-BE49-F238E27FC236}">
-                <a16:creationId xmlns:a16="http://schemas.microsoft.com/office/drawing/2014/main" id="{C90E13ED-0A93-401B-8A33-9FA4D05AA79F}"/>
+                <a16:creationId xmlns:a16="http://schemas.microsoft.com/office/drawing/2014/main" id="{0437263F-B1E5-458E-91A9-BB9254835AE0}"/>
               </a:ext>
             </a:extLst>
           </p:cNvPr>
@@ -8789,8 +8636,8 @@
         </p:nvSpPr>
         <p:spPr>
           <a:xfrm>
-            <a:off x="649223" y="1546606"/>
-            <a:ext cx="6629709" cy="3759253"/>
+            <a:off x="649224" y="2133600"/>
+            <a:ext cx="6507355" cy="3759253"/>
           </a:xfrm>
         </p:spPr>
         <p:txBody>
@@ -8801,112 +8648,96 @@
           <a:p>
             <a:r>
               <a:rPr lang="da-DK" dirty="0"/>
-              <a:t>Forskellige typer af tests</a:t>
-            </a:r>
+              <a:t>Arbejdsmetode </a:t>
+            </a:r>
+          </a:p>
+          <a:p>
+            <a:r>
+              <a:rPr lang="da-DK" dirty="0"/>
+              <a:t>Tests driver din udvikling</a:t>
+            </a:r>
+          </a:p>
+          <a:p>
+            <a:pPr lvl="1"/>
+            <a:r>
+              <a:rPr lang="da-DK" dirty="0"/>
+              <a:t>Skriv Test =&gt; Implementer =&gt; Test=&gt; </a:t>
+            </a:r>
+            <a:r>
+              <a:rPr lang="da-DK" dirty="0" err="1"/>
+              <a:t>Refaktorer</a:t>
+            </a:r>
+            <a:r>
+              <a:rPr lang="da-DK" dirty="0"/>
+              <a:t>  </a:t>
+            </a:r>
+          </a:p>
+          <a:p>
+            <a:r>
+              <a:rPr lang="da-DK" dirty="0"/>
+              <a:t>Skriv kun kode til at bestå Tests</a:t>
+            </a:r>
+          </a:p>
+          <a:p>
+            <a:endParaRPr lang="da-DK" dirty="0"/>
+          </a:p>
+          <a:p>
+            <a:endParaRPr lang="da-DK" dirty="0"/>
+          </a:p>
+          <a:p>
+            <a:r>
+              <a:rPr lang="da-DK" dirty="0"/>
+              <a:t>Bruges bl.a. i XP</a:t>
+            </a:r>
+          </a:p>
+          <a:p>
+            <a:pPr lvl="1"/>
+            <a:endParaRPr lang="da-DK" dirty="0"/>
+          </a:p>
+          <a:p>
+            <a:pPr marL="0" indent="0">
+              <a:buNone/>
+            </a:pPr>
             <a:endParaRPr lang="en-US" dirty="0"/>
           </a:p>
         </p:txBody>
       </p:sp>
       <p:pic>
         <p:nvPicPr>
-          <p:cNvPr id="1030" name="Picture 6" descr="Billedresultat for monkey playing video game">
+          <p:cNvPr id="4" name="Billede 3">
             <a:extLst>
               <a:ext uri="{FF2B5EF4-FFF2-40B4-BE49-F238E27FC236}">
-                <a16:creationId xmlns:a16="http://schemas.microsoft.com/office/drawing/2014/main" id="{0A2735CC-BCEE-4934-B410-DF5FE0FF1001}"/>
+                <a16:creationId xmlns:a16="http://schemas.microsoft.com/office/drawing/2014/main" id="{E31AF8C4-5E93-4A93-8911-E0348AB1A22C}"/>
               </a:ext>
             </a:extLst>
           </p:cNvPr>
           <p:cNvPicPr>
-            <a:picLocks noChangeAspect="1" noChangeArrowheads="1"/>
+            <a:picLocks noChangeAspect="1"/>
           </p:cNvPicPr>
           <p:nvPr/>
         </p:nvPicPr>
         <p:blipFill>
-          <a:blip r:embed="rId2">
-            <a:extLst>
-              <a:ext uri="{28A0092B-C50C-407E-A947-70E740481C1C}">
-                <a14:useLocalDpi xmlns:a14="http://schemas.microsoft.com/office/drawing/2010/main" val="0"/>
-              </a:ext>
-            </a:extLst>
-          </a:blip>
-          <a:srcRect/>
+          <a:blip r:embed="rId2"/>
           <a:stretch>
             <a:fillRect/>
           </a:stretch>
         </p:blipFill>
-        <p:spPr bwMode="auto">
+        <p:spPr>
           <a:xfrm>
-            <a:off x="7859356" y="403015"/>
-            <a:ext cx="3752221" cy="6051970"/>
+            <a:off x="7396338" y="193228"/>
+            <a:ext cx="3171200" cy="6374272"/>
           </a:xfrm>
           <a:prstGeom prst="rect">
             <a:avLst/>
           </a:prstGeom>
-          <a:noFill/>
-          <a:extLst>
-            <a:ext uri="{909E8E84-426E-40DD-AFC4-6F175D3DCCD1}">
-              <a14:hiddenFill xmlns:a14="http://schemas.microsoft.com/office/drawing/2010/main">
-                <a:solidFill>
-                  <a:srgbClr val="FFFFFF"/>
-                </a:solidFill>
-              </a14:hiddenFill>
-            </a:ext>
-          </a:extLst>
         </p:spPr>
       </p:pic>
-      <p:pic>
-        <p:nvPicPr>
-          <p:cNvPr id="1028" name="Picture 4" descr="Billedresultat for test monkey">
+      <p:sp>
+        <p:nvSpPr>
+          <p:cNvPr id="17" name="Freeform 12">
             <a:extLst>
               <a:ext uri="{FF2B5EF4-FFF2-40B4-BE49-F238E27FC236}">
-                <a16:creationId xmlns:a16="http://schemas.microsoft.com/office/drawing/2014/main" id="{7B0D1305-C0F0-48F4-9A38-25FE3C61D792}"/>
-              </a:ext>
-            </a:extLst>
-          </p:cNvPr>
-          <p:cNvPicPr>
-            <a:picLocks noChangeAspect="1" noChangeArrowheads="1"/>
-          </p:cNvPicPr>
-          <p:nvPr/>
-        </p:nvPicPr>
-        <p:blipFill>
-          <a:blip r:embed="rId3">
-            <a:extLst>
-              <a:ext uri="{28A0092B-C50C-407E-A947-70E740481C1C}">
-                <a14:useLocalDpi xmlns:a14="http://schemas.microsoft.com/office/drawing/2010/main" val="0"/>
-              </a:ext>
-            </a:extLst>
-          </a:blip>
-          <a:srcRect/>
-          <a:stretch>
-            <a:fillRect/>
-          </a:stretch>
-        </p:blipFill>
-        <p:spPr bwMode="auto">
-          <a:xfrm>
-            <a:off x="556992" y="2453640"/>
-            <a:ext cx="6721941" cy="3915531"/>
-          </a:xfrm>
-          <a:prstGeom prst="rect">
-            <a:avLst/>
-          </a:prstGeom>
-          <a:noFill/>
-          <a:extLst>
-            <a:ext uri="{909E8E84-426E-40DD-AFC4-6F175D3DCCD1}">
-              <a14:hiddenFill xmlns:a14="http://schemas.microsoft.com/office/drawing/2010/main">
-                <a:solidFill>
-                  <a:srgbClr val="FFFFFF"/>
-                </a:solidFill>
-              </a14:hiddenFill>
-            </a:ext>
-          </a:extLst>
-        </p:spPr>
-      </p:pic>
-      <p:sp>
-        <p:nvSpPr>
-          <p:cNvPr id="79" name="Freeform 12">
-            <a:extLst>
-              <a:ext uri="{FF2B5EF4-FFF2-40B4-BE49-F238E27FC236}">
-                <a16:creationId xmlns:a16="http://schemas.microsoft.com/office/drawing/2014/main" id="{55D72A3F-A083-4502-838A-2C32C980026F}"/>
+                <a16:creationId xmlns:a16="http://schemas.microsoft.com/office/drawing/2014/main" id="{7D9439D6-DEAD-4CEB-A61B-BE3D64D1B598}"/>
               </a:ext>
               <a:ext uri="{C183D7F6-B498-43B3-948B-1728B52AA6E4}">
                 <adec:decorative xmlns:adec="http://schemas.microsoft.com/office/drawing/2017/decorative" val="1"/>
@@ -9118,70 +8949,10 @@
           </a:p>
         </p:txBody>
       </p:sp>
-      <p:pic>
-        <p:nvPicPr>
-          <p:cNvPr id="4" name="Billede 3">
-            <a:extLst>
-              <a:ext uri="{FF2B5EF4-FFF2-40B4-BE49-F238E27FC236}">
-                <a16:creationId xmlns:a16="http://schemas.microsoft.com/office/drawing/2014/main" id="{BAB48B65-C3FF-4BBA-BD32-5FA57E1AD780}"/>
-              </a:ext>
-            </a:extLst>
-          </p:cNvPr>
-          <p:cNvPicPr>
-            <a:picLocks noChangeAspect="1"/>
-          </p:cNvPicPr>
-          <p:nvPr/>
-        </p:nvPicPr>
-        <p:blipFill>
-          <a:blip r:embed="rId4"/>
-          <a:stretch>
-            <a:fillRect/>
-          </a:stretch>
-        </p:blipFill>
-        <p:spPr>
-          <a:xfrm>
-            <a:off x="6194241" y="2780179"/>
-            <a:ext cx="5886450" cy="2209509"/>
-          </a:xfrm>
-          <a:prstGeom prst="rect">
-            <a:avLst/>
-          </a:prstGeom>
-        </p:spPr>
-      </p:pic>
-      <p:pic>
-        <p:nvPicPr>
-          <p:cNvPr id="5" name="Billede 4">
-            <a:extLst>
-              <a:ext uri="{FF2B5EF4-FFF2-40B4-BE49-F238E27FC236}">
-                <a16:creationId xmlns:a16="http://schemas.microsoft.com/office/drawing/2014/main" id="{8826B009-562E-4D2A-873C-1C9794429887}"/>
-              </a:ext>
-            </a:extLst>
-          </p:cNvPr>
-          <p:cNvPicPr>
-            <a:picLocks noChangeAspect="1"/>
-          </p:cNvPicPr>
-          <p:nvPr/>
-        </p:nvPicPr>
-        <p:blipFill>
-          <a:blip r:embed="rId5"/>
-          <a:stretch>
-            <a:fillRect/>
-          </a:stretch>
-        </p:blipFill>
-        <p:spPr>
-          <a:xfrm>
-            <a:off x="455734" y="2776124"/>
-            <a:ext cx="5408401" cy="2213565"/>
-          </a:xfrm>
-          <a:prstGeom prst="rect">
-            <a:avLst/>
-          </a:prstGeom>
-        </p:spPr>
-      </p:pic>
     </p:spTree>
     <p:extLst>
       <p:ext uri="{BB962C8B-B14F-4D97-AF65-F5344CB8AC3E}">
-        <p14:creationId xmlns:p14="http://schemas.microsoft.com/office/powerpoint/2010/main" val="1912903954"/>
+        <p14:creationId xmlns:p14="http://schemas.microsoft.com/office/powerpoint/2010/main" val="3814899437"/>
       </p:ext>
     </p:extLst>
   </p:cSld>
@@ -9191,7 +8962,7 @@
 </p:sld>
 </file>
 
-<file path=ppt/slides/slide5.xml><?xml version="1.0" encoding="utf-8"?>
+<file path=ppt/slides/slide2.xml><?xml version="1.0" encoding="utf-8"?>
 <p:sld xmlns:a="http://schemas.openxmlformats.org/drawingml/2006/main" xmlns:r="http://schemas.openxmlformats.org/officeDocument/2006/relationships" xmlns:p="http://schemas.openxmlformats.org/presentationml/2006/main">
   <p:cSld>
     <p:spTree>
@@ -9213,7 +8984,7 @@
           <p:cNvPr id="2" name="Titel 1">
             <a:extLst>
               <a:ext uri="{FF2B5EF4-FFF2-40B4-BE49-F238E27FC236}">
-                <a16:creationId xmlns:a16="http://schemas.microsoft.com/office/drawing/2014/main" id="{198F55C7-6905-4F44-AA86-D4F1CDCBA9E8}"/>
+                <a16:creationId xmlns:a16="http://schemas.microsoft.com/office/drawing/2014/main" id="{38F862FD-F61E-4330-95F7-BCD8ED1897E6}"/>
               </a:ext>
             </a:extLst>
           </p:cNvPr>
@@ -9229,16 +9000,20 @@
           <a:bodyPr/>
           <a:lstStyle/>
           <a:p>
-            <a:endParaRPr lang="en-US"/>
-          </a:p>
-        </p:txBody>
-      </p:sp>
-      <p:sp>
-        <p:nvSpPr>
-          <p:cNvPr id="3" name="Pladsholder til indhold 2">
+            <a:r>
+              <a:rPr lang="da-DK" dirty="0"/>
+              <a:t>Hvorfor?</a:t>
+            </a:r>
+            <a:endParaRPr lang="en-US" dirty="0"/>
+          </a:p>
+        </p:txBody>
+      </p:sp>
+      <p:sp>
+        <p:nvSpPr>
+          <p:cNvPr id="5" name="Pladsholder til indhold 4">
             <a:extLst>
               <a:ext uri="{FF2B5EF4-FFF2-40B4-BE49-F238E27FC236}">
-                <a16:creationId xmlns:a16="http://schemas.microsoft.com/office/drawing/2014/main" id="{14AF09E4-48E6-4694-B93D-02150868D45E}"/>
+                <a16:creationId xmlns:a16="http://schemas.microsoft.com/office/drawing/2014/main" id="{3C52E225-6817-425D-AC1C-104C0022E0A4}"/>
               </a:ext>
             </a:extLst>
           </p:cNvPr>
@@ -9249,21 +9024,104 @@
             <p:ph idx="1"/>
           </p:nvPr>
         </p:nvSpPr>
-        <p:spPr/>
+        <p:spPr>
+          <a:xfrm>
+            <a:off x="668048" y="2097966"/>
+            <a:ext cx="8915400" cy="3777622"/>
+          </a:xfrm>
+        </p:spPr>
         <p:txBody>
           <a:bodyPr/>
           <a:lstStyle/>
           <a:p>
+            <a:r>
+              <a:rPr lang="da-DK" dirty="0"/>
+              <a:t>Kvalitetssikring</a:t>
+            </a:r>
+          </a:p>
+          <a:p>
+            <a:pPr lvl="1"/>
+            <a:r>
+              <a:rPr lang="da-DK" dirty="0"/>
+              <a:t>Lever op til kundens forventninger</a:t>
+            </a:r>
+          </a:p>
+          <a:p>
+            <a:r>
+              <a:rPr lang="da-DK" dirty="0"/>
+              <a:t>Sikre at produktet virker som ønsket</a:t>
+            </a:r>
+          </a:p>
+          <a:p>
+            <a:r>
+              <a:rPr lang="da-DK" dirty="0"/>
+              <a:t>Sikre applikationens stabilitet </a:t>
+            </a:r>
+          </a:p>
+          <a:p>
+            <a:pPr lvl="1"/>
+            <a:r>
+              <a:rPr lang="da-DK" b="1" dirty="0"/>
+              <a:t>x / 0 =&gt; </a:t>
+            </a:r>
+            <a:r>
+              <a:rPr lang="da-DK" dirty="0"/>
+              <a:t>Fejlhåndtering</a:t>
+            </a:r>
             <a:endParaRPr lang="en-US" dirty="0"/>
+          </a:p>
+          <a:p>
+            <a:endParaRPr lang="da-DK" dirty="0"/>
+          </a:p>
+          <a:p>
+            <a:endParaRPr lang="da-DK" dirty="0"/>
+          </a:p>
+          <a:p>
+            <a:endParaRPr lang="da-DK" dirty="0"/>
+          </a:p>
+          <a:p>
+            <a:r>
+              <a:rPr lang="da-DK" dirty="0"/>
+              <a:t>M</a:t>
+            </a:r>
+            <a:r>
+              <a:rPr lang="en-US" dirty="0" err="1"/>
+              <a:t>inimerer</a:t>
+            </a:r>
+            <a:r>
+              <a:rPr lang="en-US" dirty="0"/>
+              <a:t> </a:t>
+            </a:r>
+            <a:r>
+              <a:rPr lang="en-US" dirty="0" err="1"/>
+              <a:t>fejl</a:t>
+            </a:r>
+            <a:r>
+              <a:rPr lang="en-US" dirty="0"/>
+              <a:t> </a:t>
+            </a:r>
+            <a:r>
+              <a:rPr lang="en-US" dirty="0" err="1"/>
+              <a:t>og</a:t>
+            </a:r>
+            <a:r>
+              <a:rPr lang="en-US" dirty="0"/>
+              <a:t> </a:t>
+            </a:r>
+            <a:r>
+              <a:rPr lang="en-US" dirty="0" err="1"/>
+              <a:t>overseelser</a:t>
+            </a:r>
+            <a:endParaRPr lang="da-DK" dirty="0"/>
           </a:p>
         </p:txBody>
       </p:sp>
       <p:pic>
         <p:nvPicPr>
-          <p:cNvPr id="4" name="Billede 3">
+          <p:cNvPr id="6" name="Pladsholder til indhold 3">
             <a:extLst>
               <a:ext uri="{FF2B5EF4-FFF2-40B4-BE49-F238E27FC236}">
-                <a16:creationId xmlns:a16="http://schemas.microsoft.com/office/drawing/2014/main" id="{BEE127B9-937A-4923-848C-2C652F141C67}"/>
+                <a16:creationId xmlns:a16="http://schemas.microsoft.com/office/drawing/2014/main" id="{8CE6DFA1-1F77-4607-9529-794B36527BC6}"/>
               </a:ext>
             </a:extLst>
           </p:cNvPr>
@@ -9280,38 +9138,8 @@
         </p:blipFill>
         <p:spPr>
           <a:xfrm>
-            <a:off x="7698974" y="4798597"/>
-            <a:ext cx="4395615" cy="376767"/>
-          </a:xfrm>
-          <a:prstGeom prst="rect">
-            <a:avLst/>
-          </a:prstGeom>
-        </p:spPr>
-      </p:pic>
-      <p:pic>
-        <p:nvPicPr>
-          <p:cNvPr id="6" name="Billede 5">
-            <a:extLst>
-              <a:ext uri="{FF2B5EF4-FFF2-40B4-BE49-F238E27FC236}">
-                <a16:creationId xmlns:a16="http://schemas.microsoft.com/office/drawing/2014/main" id="{65F1EE32-2068-4356-876E-50595C427B00}"/>
-              </a:ext>
-            </a:extLst>
-          </p:cNvPr>
-          <p:cNvPicPr>
-            <a:picLocks noChangeAspect="1"/>
-          </p:cNvPicPr>
-          <p:nvPr/>
-        </p:nvPicPr>
-        <p:blipFill>
-          <a:blip r:embed="rId3"/>
-          <a:stretch>
-            <a:fillRect/>
-          </a:stretch>
-        </p:blipFill>
-        <p:spPr>
-          <a:xfrm>
-            <a:off x="7729843" y="1922047"/>
-            <a:ext cx="4333875" cy="2762250"/>
+            <a:off x="6868970" y="413327"/>
+            <a:ext cx="5247912" cy="6031345"/>
           </a:xfrm>
           <a:prstGeom prst="rect">
             <a:avLst/>
@@ -9321,7 +9149,7 @@
     </p:spTree>
     <p:extLst>
       <p:ext uri="{BB962C8B-B14F-4D97-AF65-F5344CB8AC3E}">
-        <p14:creationId xmlns:p14="http://schemas.microsoft.com/office/powerpoint/2010/main" val="135150983"/>
+        <p14:creationId xmlns:p14="http://schemas.microsoft.com/office/powerpoint/2010/main" val="1420638495"/>
       </p:ext>
     </p:extLst>
   </p:cSld>
@@ -9331,7 +9159,7 @@
 </p:sld>
 </file>
 
-<file path=ppt/slides/slide6.xml><?xml version="1.0" encoding="utf-8"?>
+<file path=ppt/slides/slide3.xml><?xml version="1.0" encoding="utf-8"?>
 <p:sld xmlns:a="http://schemas.openxmlformats.org/drawingml/2006/main" xmlns:r="http://schemas.openxmlformats.org/officeDocument/2006/relationships" xmlns:p="http://schemas.openxmlformats.org/presentationml/2006/main">
   <p:cSld>
     <p:bg>
@@ -9376,10 +9204,10 @@
       </p:grpSpPr>
       <p:sp useBgFill="1">
         <p:nvSpPr>
-          <p:cNvPr id="15" name="Rectangle 8">
+          <p:cNvPr id="1037" name="Rectangle 74">
             <a:extLst>
               <a:ext uri="{FF2B5EF4-FFF2-40B4-BE49-F238E27FC236}">
-                <a16:creationId xmlns:a16="http://schemas.microsoft.com/office/drawing/2014/main" id="{1EDD21E1-BAF0-4314-AB31-82ECB8AC9EA9}"/>
+                <a16:creationId xmlns:a16="http://schemas.microsoft.com/office/drawing/2014/main" id="{B5898079-081F-4617-AC6B-4290266737B3}"/>
               </a:ext>
               <a:ext uri="{C183D7F6-B498-43B3-948B-1728B52AA6E4}">
                 <adec:decorative xmlns:adec="http://schemas.microsoft.com/office/drawing/2017/decorative" val="1"/>
@@ -9439,7 +9267,7 @@
           <p:cNvPr id="2" name="Titel 1">
             <a:extLst>
               <a:ext uri="{FF2B5EF4-FFF2-40B4-BE49-F238E27FC236}">
-                <a16:creationId xmlns:a16="http://schemas.microsoft.com/office/drawing/2014/main" id="{FC4DD9A3-9E14-4C40-8258-FFE7308ED3C2}"/>
+                <a16:creationId xmlns:a16="http://schemas.microsoft.com/office/drawing/2014/main" id="{4CF882DD-C55E-49BB-9C11-3FD4529DB36B}"/>
               </a:ext>
             </a:extLst>
           </p:cNvPr>
@@ -9463,16 +9291,8 @@
           <a:lstStyle/>
           <a:p>
             <a:r>
-              <a:rPr lang="da-DK" dirty="0"/>
-              <a:t>Test Driven </a:t>
-            </a:r>
-            <a:r>
-              <a:rPr lang="da-DK" dirty="0" err="1"/>
-              <a:t>Developement</a:t>
-            </a:r>
-            <a:r>
-              <a:rPr lang="da-DK" dirty="0"/>
-              <a:t> / TDD</a:t>
+              <a:rPr lang="da-DK"/>
+              <a:t>Hvordan?</a:t>
             </a:r>
             <a:endParaRPr lang="en-US" dirty="0"/>
           </a:p>
@@ -9480,10 +9300,10 @@
       </p:sp>
       <p:sp>
         <p:nvSpPr>
-          <p:cNvPr id="16" name="Rectangle 10">
+          <p:cNvPr id="1038" name="Rectangle 76">
             <a:extLst>
               <a:ext uri="{FF2B5EF4-FFF2-40B4-BE49-F238E27FC236}">
-                <a16:creationId xmlns:a16="http://schemas.microsoft.com/office/drawing/2014/main" id="{FDC8619C-F25D-468E-95FA-2A2151D7DDD2}"/>
+                <a16:creationId xmlns:a16="http://schemas.microsoft.com/office/drawing/2014/main" id="{BB829EC8-5B3D-469E-942E-5E6E569E5C9B}"/>
               </a:ext>
               <a:ext uri="{C183D7F6-B498-43B3-948B-1728B52AA6E4}">
                 <adec:decorative xmlns:adec="http://schemas.microsoft.com/office/drawing/2017/decorative" val="1"/>
@@ -9537,7 +9357,7 @@
           <p:cNvPr id="3" name="Pladsholder til indhold 2">
             <a:extLst>
               <a:ext uri="{FF2B5EF4-FFF2-40B4-BE49-F238E27FC236}">
-                <a16:creationId xmlns:a16="http://schemas.microsoft.com/office/drawing/2014/main" id="{0437263F-B1E5-458E-91A9-BB9254835AE0}"/>
+                <a16:creationId xmlns:a16="http://schemas.microsoft.com/office/drawing/2014/main" id="{C90E13ED-0A93-401B-8A33-9FA4D05AA79F}"/>
               </a:ext>
             </a:extLst>
           </p:cNvPr>
@@ -9550,8 +9370,8 @@
         </p:nvSpPr>
         <p:spPr>
           <a:xfrm>
-            <a:off x="649224" y="2133600"/>
-            <a:ext cx="6507355" cy="3759253"/>
+            <a:off x="649223" y="1546606"/>
+            <a:ext cx="6629709" cy="3759253"/>
           </a:xfrm>
         </p:spPr>
         <p:txBody>
@@ -9562,84 +9382,112 @@
           <a:p>
             <a:r>
               <a:rPr lang="da-DK" dirty="0"/>
-              <a:t>Arbejdsmetode </a:t>
-            </a:r>
-          </a:p>
-          <a:p>
-            <a:r>
-              <a:rPr lang="da-DK" dirty="0"/>
-              <a:t>Tests driver din udvikling</a:t>
-            </a:r>
-          </a:p>
-          <a:p>
-            <a:pPr lvl="1"/>
-            <a:r>
-              <a:rPr lang="da-DK" dirty="0"/>
-              <a:t>Skriv Test =&gt; Implementer =&gt; Test=&gt; </a:t>
-            </a:r>
-            <a:r>
-              <a:rPr lang="da-DK" dirty="0" err="1"/>
-              <a:t>Refaktorer</a:t>
-            </a:r>
-            <a:r>
-              <a:rPr lang="da-DK" dirty="0"/>
-              <a:t>  </a:t>
-            </a:r>
-          </a:p>
-          <a:p>
-            <a:r>
-              <a:rPr lang="da-DK" dirty="0"/>
-              <a:t>Bruges bl.a. i XP</a:t>
-            </a:r>
-          </a:p>
-          <a:p>
-            <a:pPr lvl="1"/>
-            <a:endParaRPr lang="da-DK" dirty="0"/>
-          </a:p>
-          <a:p>
-            <a:pPr marL="0" indent="0">
-              <a:buNone/>
-            </a:pPr>
+              <a:t>Forskellige typer af tests</a:t>
+            </a:r>
             <a:endParaRPr lang="en-US" dirty="0"/>
           </a:p>
         </p:txBody>
       </p:sp>
       <p:pic>
         <p:nvPicPr>
-          <p:cNvPr id="4" name="Billede 3">
+          <p:cNvPr id="1030" name="Picture 6" descr="Billedresultat for monkey playing video game">
             <a:extLst>
               <a:ext uri="{FF2B5EF4-FFF2-40B4-BE49-F238E27FC236}">
-                <a16:creationId xmlns:a16="http://schemas.microsoft.com/office/drawing/2014/main" id="{E31AF8C4-5E93-4A93-8911-E0348AB1A22C}"/>
+                <a16:creationId xmlns:a16="http://schemas.microsoft.com/office/drawing/2014/main" id="{0A2735CC-BCEE-4934-B410-DF5FE0FF1001}"/>
               </a:ext>
             </a:extLst>
           </p:cNvPr>
           <p:cNvPicPr>
-            <a:picLocks noChangeAspect="1"/>
+            <a:picLocks noChangeAspect="1" noChangeArrowheads="1"/>
           </p:cNvPicPr>
           <p:nvPr/>
         </p:nvPicPr>
         <p:blipFill>
-          <a:blip r:embed="rId2"/>
+          <a:blip r:embed="rId2">
+            <a:extLst>
+              <a:ext uri="{28A0092B-C50C-407E-A947-70E740481C1C}">
+                <a14:useLocalDpi xmlns:a14="http://schemas.microsoft.com/office/drawing/2010/main" val="0"/>
+              </a:ext>
+            </a:extLst>
+          </a:blip>
+          <a:srcRect/>
           <a:stretch>
             <a:fillRect/>
           </a:stretch>
         </p:blipFill>
-        <p:spPr>
+        <p:spPr bwMode="auto">
           <a:xfrm>
-            <a:off x="7396338" y="193228"/>
-            <a:ext cx="3171200" cy="6374272"/>
+            <a:off x="7859356" y="403015"/>
+            <a:ext cx="3752221" cy="6051970"/>
           </a:xfrm>
           <a:prstGeom prst="rect">
             <a:avLst/>
           </a:prstGeom>
+          <a:noFill/>
+          <a:extLst>
+            <a:ext uri="{909E8E84-426E-40DD-AFC4-6F175D3DCCD1}">
+              <a14:hiddenFill xmlns:a14="http://schemas.microsoft.com/office/drawing/2010/main">
+                <a:solidFill>
+                  <a:srgbClr val="FFFFFF"/>
+                </a:solidFill>
+              </a14:hiddenFill>
+            </a:ext>
+          </a:extLst>
         </p:spPr>
       </p:pic>
-      <p:sp>
-        <p:nvSpPr>
-          <p:cNvPr id="17" name="Freeform 12">
+      <p:pic>
+        <p:nvPicPr>
+          <p:cNvPr id="1028" name="Picture 4" descr="Billedresultat for test monkey">
             <a:extLst>
               <a:ext uri="{FF2B5EF4-FFF2-40B4-BE49-F238E27FC236}">
-                <a16:creationId xmlns:a16="http://schemas.microsoft.com/office/drawing/2014/main" id="{7D9439D6-DEAD-4CEB-A61B-BE3D64D1B598}"/>
+                <a16:creationId xmlns:a16="http://schemas.microsoft.com/office/drawing/2014/main" id="{7B0D1305-C0F0-48F4-9A38-25FE3C61D792}"/>
+              </a:ext>
+            </a:extLst>
+          </p:cNvPr>
+          <p:cNvPicPr>
+            <a:picLocks noChangeAspect="1" noChangeArrowheads="1"/>
+          </p:cNvPicPr>
+          <p:nvPr/>
+        </p:nvPicPr>
+        <p:blipFill>
+          <a:blip r:embed="rId3">
+            <a:extLst>
+              <a:ext uri="{28A0092B-C50C-407E-A947-70E740481C1C}">
+                <a14:useLocalDpi xmlns:a14="http://schemas.microsoft.com/office/drawing/2010/main" val="0"/>
+              </a:ext>
+            </a:extLst>
+          </a:blip>
+          <a:srcRect/>
+          <a:stretch>
+            <a:fillRect/>
+          </a:stretch>
+        </p:blipFill>
+        <p:spPr bwMode="auto">
+          <a:xfrm>
+            <a:off x="556992" y="2453640"/>
+            <a:ext cx="6721941" cy="3915531"/>
+          </a:xfrm>
+          <a:prstGeom prst="rect">
+            <a:avLst/>
+          </a:prstGeom>
+          <a:noFill/>
+          <a:extLst>
+            <a:ext uri="{909E8E84-426E-40DD-AFC4-6F175D3DCCD1}">
+              <a14:hiddenFill xmlns:a14="http://schemas.microsoft.com/office/drawing/2010/main">
+                <a:solidFill>
+                  <a:srgbClr val="FFFFFF"/>
+                </a:solidFill>
+              </a14:hiddenFill>
+            </a:ext>
+          </a:extLst>
+        </p:spPr>
+      </p:pic>
+      <p:sp>
+        <p:nvSpPr>
+          <p:cNvPr id="79" name="Freeform 12">
+            <a:extLst>
+              <a:ext uri="{FF2B5EF4-FFF2-40B4-BE49-F238E27FC236}">
+                <a16:creationId xmlns:a16="http://schemas.microsoft.com/office/drawing/2014/main" id="{55D72A3F-A083-4502-838A-2C32C980026F}"/>
               </a:ext>
               <a:ext uri="{C183D7F6-B498-43B3-948B-1728B52AA6E4}">
                 <adec:decorative xmlns:adec="http://schemas.microsoft.com/office/drawing/2017/decorative" val="1"/>
@@ -9854,7 +9702,2524 @@
     </p:spTree>
     <p:extLst>
       <p:ext uri="{BB962C8B-B14F-4D97-AF65-F5344CB8AC3E}">
-        <p14:creationId xmlns:p14="http://schemas.microsoft.com/office/powerpoint/2010/main" val="3814899437"/>
+        <p14:creationId xmlns:p14="http://schemas.microsoft.com/office/powerpoint/2010/main" val="3778426696"/>
+      </p:ext>
+    </p:extLst>
+  </p:cSld>
+  <p:clrMapOvr>
+    <a:masterClrMapping/>
+  </p:clrMapOvr>
+</p:sld>
+</file>
+
+<file path=ppt/slides/slide4.xml><?xml version="1.0" encoding="utf-8"?>
+<p:sld xmlns:a="http://schemas.openxmlformats.org/drawingml/2006/main" xmlns:r="http://schemas.openxmlformats.org/officeDocument/2006/relationships" xmlns:p="http://schemas.openxmlformats.org/presentationml/2006/main">
+  <p:cSld>
+    <p:bg>
+      <p:bgPr>
+        <a:gradFill rotWithShape="1">
+          <a:gsLst>
+            <a:gs pos="0">
+              <a:schemeClr val="bg2">
+                <a:tint val="90000"/>
+                <a:satMod val="92000"/>
+                <a:lumMod val="120000"/>
+              </a:schemeClr>
+            </a:gs>
+            <a:gs pos="100000">
+              <a:schemeClr val="bg2">
+                <a:shade val="98000"/>
+                <a:satMod val="120000"/>
+                <a:lumMod val="98000"/>
+              </a:schemeClr>
+            </a:gs>
+          </a:gsLst>
+          <a:path path="circle">
+            <a:fillToRect l="50000" t="50000" r="100000" b="100000"/>
+          </a:path>
+        </a:gradFill>
+        <a:effectLst/>
+      </p:bgPr>
+    </p:bg>
+    <p:spTree>
+      <p:nvGrpSpPr>
+        <p:cNvPr id="1" name=""/>
+        <p:cNvGrpSpPr/>
+        <p:nvPr/>
+      </p:nvGrpSpPr>
+      <p:grpSpPr>
+        <a:xfrm>
+          <a:off x="0" y="0"/>
+          <a:ext cx="0" cy="0"/>
+          <a:chOff x="0" y="0"/>
+          <a:chExt cx="0" cy="0"/>
+        </a:xfrm>
+      </p:grpSpPr>
+      <p:sp useBgFill="1">
+        <p:nvSpPr>
+          <p:cNvPr id="1037" name="Rectangle 74">
+            <a:extLst>
+              <a:ext uri="{FF2B5EF4-FFF2-40B4-BE49-F238E27FC236}">
+                <a16:creationId xmlns:a16="http://schemas.microsoft.com/office/drawing/2014/main" id="{B5898079-081F-4617-AC6B-4290266737B3}"/>
+              </a:ext>
+              <a:ext uri="{C183D7F6-B498-43B3-948B-1728B52AA6E4}">
+                <adec:decorative xmlns:adec="http://schemas.microsoft.com/office/drawing/2017/decorative" val="1"/>
+              </a:ext>
+            </a:extLst>
+          </p:cNvPr>
+          <p:cNvSpPr>
+            <a:spLocks noGrp="1" noRot="1" noChangeAspect="1" noMove="1" noResize="1" noEditPoints="1" noAdjustHandles="1" noChangeArrowheads="1" noChangeShapeType="1" noTextEdit="1"/>
+          </p:cNvSpPr>
+          <p:nvPr>
+            <p:extLst>
+              <p:ext uri="{386F3935-93C4-4BCD-93E2-E3B085C9AB24}">
+                <p16:designElem xmlns:p16="http://schemas.microsoft.com/office/powerpoint/2015/main" val="1"/>
+              </p:ext>
+            </p:extLst>
+          </p:nvPr>
+        </p:nvSpPr>
+        <p:spPr>
+          <a:xfrm>
+            <a:off x="0" y="-786"/>
+            <a:ext cx="12192000" cy="6854038"/>
+          </a:xfrm>
+          <a:prstGeom prst="rect">
+            <a:avLst/>
+          </a:prstGeom>
+          <a:ln>
+            <a:noFill/>
+          </a:ln>
+        </p:spPr>
+        <p:style>
+          <a:lnRef idx="2">
+            <a:schemeClr val="accent1">
+              <a:shade val="50000"/>
+            </a:schemeClr>
+          </a:lnRef>
+          <a:fillRef idx="1">
+            <a:schemeClr val="accent1"/>
+          </a:fillRef>
+          <a:effectRef idx="0">
+            <a:schemeClr val="accent1"/>
+          </a:effectRef>
+          <a:fontRef idx="minor">
+            <a:schemeClr val="lt1"/>
+          </a:fontRef>
+        </p:style>
+        <p:txBody>
+          <a:bodyPr rtlCol="0" anchor="ctr"/>
+          <a:lstStyle/>
+          <a:p>
+            <a:pPr algn="ctr"/>
+            <a:endParaRPr lang="en-US"/>
+          </a:p>
+        </p:txBody>
+      </p:sp>
+      <p:sp>
+        <p:nvSpPr>
+          <p:cNvPr id="2" name="Titel 1">
+            <a:extLst>
+              <a:ext uri="{FF2B5EF4-FFF2-40B4-BE49-F238E27FC236}">
+                <a16:creationId xmlns:a16="http://schemas.microsoft.com/office/drawing/2014/main" id="{4CF882DD-C55E-49BB-9C11-3FD4529DB36B}"/>
+              </a:ext>
+            </a:extLst>
+          </p:cNvPr>
+          <p:cNvSpPr>
+            <a:spLocks noGrp="1"/>
+          </p:cNvSpPr>
+          <p:nvPr>
+            <p:ph type="title"/>
+          </p:nvPr>
+        </p:nvSpPr>
+        <p:spPr>
+          <a:xfrm>
+            <a:off x="649224" y="645106"/>
+            <a:ext cx="5122652" cy="1259894"/>
+          </a:xfrm>
+        </p:spPr>
+        <p:txBody>
+          <a:bodyPr>
+            <a:normAutofit/>
+          </a:bodyPr>
+          <a:lstStyle/>
+          <a:p>
+            <a:r>
+              <a:rPr lang="da-DK"/>
+              <a:t>Hvordan?</a:t>
+            </a:r>
+            <a:endParaRPr lang="en-US" dirty="0"/>
+          </a:p>
+        </p:txBody>
+      </p:sp>
+      <p:sp>
+        <p:nvSpPr>
+          <p:cNvPr id="1038" name="Rectangle 76">
+            <a:extLst>
+              <a:ext uri="{FF2B5EF4-FFF2-40B4-BE49-F238E27FC236}">
+                <a16:creationId xmlns:a16="http://schemas.microsoft.com/office/drawing/2014/main" id="{BB829EC8-5B3D-469E-942E-5E6E569E5C9B}"/>
+              </a:ext>
+              <a:ext uri="{C183D7F6-B498-43B3-948B-1728B52AA6E4}">
+                <adec:decorative xmlns:adec="http://schemas.microsoft.com/office/drawing/2017/decorative" val="1"/>
+              </a:ext>
+            </a:extLst>
+          </p:cNvPr>
+          <p:cNvSpPr>
+            <a:spLocks noGrp="1" noRot="1" noChangeAspect="1" noMove="1" noResize="1" noEditPoints="1" noAdjustHandles="1" noChangeArrowheads="1" noChangeShapeType="1" noTextEdit="1"/>
+          </p:cNvSpPr>
+          <p:nvPr>
+            <p:extLst>
+              <p:ext uri="{386F3935-93C4-4BCD-93E2-E3B085C9AB24}">
+                <p16:designElem xmlns:p16="http://schemas.microsoft.com/office/powerpoint/2015/main" val="1"/>
+              </p:ext>
+            </p:extLst>
+          </p:nvPr>
+        </p:nvSpPr>
+        <p:spPr>
+          <a:xfrm>
+            <a:off x="0" y="0"/>
+            <a:ext cx="182880" cy="6858000"/>
+          </a:xfrm>
+          <a:prstGeom prst="rect">
+            <a:avLst/>
+          </a:prstGeom>
+          <a:solidFill>
+            <a:schemeClr val="tx2"/>
+          </a:solidFill>
+          <a:ln>
+            <a:noFill/>
+          </a:ln>
+          <a:effectLst/>
+        </p:spPr>
+        <p:style>
+          <a:lnRef idx="1">
+            <a:schemeClr val="accent1"/>
+          </a:lnRef>
+          <a:fillRef idx="3">
+            <a:schemeClr val="accent1"/>
+          </a:fillRef>
+          <a:effectRef idx="2">
+            <a:schemeClr val="accent1"/>
+          </a:effectRef>
+          <a:fontRef idx="minor">
+            <a:schemeClr val="lt1"/>
+          </a:fontRef>
+        </p:style>
+      </p:sp>
+      <p:sp>
+        <p:nvSpPr>
+          <p:cNvPr id="3" name="Pladsholder til indhold 2">
+            <a:extLst>
+              <a:ext uri="{FF2B5EF4-FFF2-40B4-BE49-F238E27FC236}">
+                <a16:creationId xmlns:a16="http://schemas.microsoft.com/office/drawing/2014/main" id="{C90E13ED-0A93-401B-8A33-9FA4D05AA79F}"/>
+              </a:ext>
+            </a:extLst>
+          </p:cNvPr>
+          <p:cNvSpPr>
+            <a:spLocks noGrp="1"/>
+          </p:cNvSpPr>
+          <p:nvPr>
+            <p:ph idx="1"/>
+          </p:nvPr>
+        </p:nvSpPr>
+        <p:spPr>
+          <a:xfrm>
+            <a:off x="649223" y="1546606"/>
+            <a:ext cx="6629709" cy="3759253"/>
+          </a:xfrm>
+        </p:spPr>
+        <p:txBody>
+          <a:bodyPr>
+            <a:normAutofit/>
+          </a:bodyPr>
+          <a:lstStyle/>
+          <a:p>
+            <a:r>
+              <a:rPr lang="da-DK" dirty="0"/>
+              <a:t>Forskellige typer af tests</a:t>
+            </a:r>
+            <a:endParaRPr lang="en-US" dirty="0"/>
+          </a:p>
+        </p:txBody>
+      </p:sp>
+      <p:pic>
+        <p:nvPicPr>
+          <p:cNvPr id="1030" name="Picture 6" descr="Billedresultat for monkey playing video game">
+            <a:extLst>
+              <a:ext uri="{FF2B5EF4-FFF2-40B4-BE49-F238E27FC236}">
+                <a16:creationId xmlns:a16="http://schemas.microsoft.com/office/drawing/2014/main" id="{0A2735CC-BCEE-4934-B410-DF5FE0FF1001}"/>
+              </a:ext>
+            </a:extLst>
+          </p:cNvPr>
+          <p:cNvPicPr>
+            <a:picLocks noChangeAspect="1" noChangeArrowheads="1"/>
+          </p:cNvPicPr>
+          <p:nvPr/>
+        </p:nvPicPr>
+        <p:blipFill>
+          <a:blip r:embed="rId2">
+            <a:extLst>
+              <a:ext uri="{28A0092B-C50C-407E-A947-70E740481C1C}">
+                <a14:useLocalDpi xmlns:a14="http://schemas.microsoft.com/office/drawing/2010/main" val="0"/>
+              </a:ext>
+            </a:extLst>
+          </a:blip>
+          <a:srcRect/>
+          <a:stretch>
+            <a:fillRect/>
+          </a:stretch>
+        </p:blipFill>
+        <p:spPr bwMode="auto">
+          <a:xfrm>
+            <a:off x="7859356" y="403015"/>
+            <a:ext cx="3752221" cy="6051970"/>
+          </a:xfrm>
+          <a:prstGeom prst="rect">
+            <a:avLst/>
+          </a:prstGeom>
+          <a:noFill/>
+          <a:extLst>
+            <a:ext uri="{909E8E84-426E-40DD-AFC4-6F175D3DCCD1}">
+              <a14:hiddenFill xmlns:a14="http://schemas.microsoft.com/office/drawing/2010/main">
+                <a:solidFill>
+                  <a:srgbClr val="FFFFFF"/>
+                </a:solidFill>
+              </a14:hiddenFill>
+            </a:ext>
+          </a:extLst>
+        </p:spPr>
+      </p:pic>
+      <p:pic>
+        <p:nvPicPr>
+          <p:cNvPr id="1028" name="Picture 4" descr="Billedresultat for test monkey">
+            <a:extLst>
+              <a:ext uri="{FF2B5EF4-FFF2-40B4-BE49-F238E27FC236}">
+                <a16:creationId xmlns:a16="http://schemas.microsoft.com/office/drawing/2014/main" id="{7B0D1305-C0F0-48F4-9A38-25FE3C61D792}"/>
+              </a:ext>
+            </a:extLst>
+          </p:cNvPr>
+          <p:cNvPicPr>
+            <a:picLocks noChangeAspect="1" noChangeArrowheads="1"/>
+          </p:cNvPicPr>
+          <p:nvPr/>
+        </p:nvPicPr>
+        <p:blipFill>
+          <a:blip r:embed="rId3">
+            <a:extLst>
+              <a:ext uri="{28A0092B-C50C-407E-A947-70E740481C1C}">
+                <a14:useLocalDpi xmlns:a14="http://schemas.microsoft.com/office/drawing/2010/main" val="0"/>
+              </a:ext>
+            </a:extLst>
+          </a:blip>
+          <a:srcRect/>
+          <a:stretch>
+            <a:fillRect/>
+          </a:stretch>
+        </p:blipFill>
+        <p:spPr bwMode="auto">
+          <a:xfrm>
+            <a:off x="556992" y="2453640"/>
+            <a:ext cx="6721941" cy="3915531"/>
+          </a:xfrm>
+          <a:prstGeom prst="rect">
+            <a:avLst/>
+          </a:prstGeom>
+          <a:noFill/>
+          <a:extLst>
+            <a:ext uri="{909E8E84-426E-40DD-AFC4-6F175D3DCCD1}">
+              <a14:hiddenFill xmlns:a14="http://schemas.microsoft.com/office/drawing/2010/main">
+                <a:solidFill>
+                  <a:srgbClr val="FFFFFF"/>
+                </a:solidFill>
+              </a14:hiddenFill>
+            </a:ext>
+          </a:extLst>
+        </p:spPr>
+      </p:pic>
+      <p:sp>
+        <p:nvSpPr>
+          <p:cNvPr id="79" name="Freeform 12">
+            <a:extLst>
+              <a:ext uri="{FF2B5EF4-FFF2-40B4-BE49-F238E27FC236}">
+                <a16:creationId xmlns:a16="http://schemas.microsoft.com/office/drawing/2014/main" id="{55D72A3F-A083-4502-838A-2C32C980026F}"/>
+              </a:ext>
+              <a:ext uri="{C183D7F6-B498-43B3-948B-1728B52AA6E4}">
+                <adec:decorative xmlns:adec="http://schemas.microsoft.com/office/drawing/2017/decorative" val="1"/>
+              </a:ext>
+            </a:extLst>
+          </p:cNvPr>
+          <p:cNvSpPr>
+            <a:spLocks noGrp="1" noRot="1" noChangeAspect="1" noMove="1" noResize="1" noEditPoints="1" noAdjustHandles="1" noChangeArrowheads="1" noChangeShapeType="1" noTextEdit="1"/>
+          </p:cNvSpPr>
+          <p:nvPr>
+            <p:extLst>
+              <p:ext uri="{386F3935-93C4-4BCD-93E2-E3B085C9AB24}">
+                <p16:designElem xmlns:p16="http://schemas.microsoft.com/office/powerpoint/2015/main" val="1"/>
+              </p:ext>
+            </p:extLst>
+          </p:nvPr>
+        </p:nvSpPr>
+        <p:spPr>
+          <a:xfrm>
+            <a:off x="-1" y="6061223"/>
+            <a:ext cx="1038036" cy="506277"/>
+          </a:xfrm>
+          <a:custGeom>
+            <a:avLst/>
+            <a:gdLst>
+              <a:gd name="connsiteX0" fmla="*/ 0 w 1038036"/>
+              <a:gd name="connsiteY0" fmla="*/ 0 h 506277"/>
+              <a:gd name="connsiteX1" fmla="*/ 182880 w 1038036"/>
+              <a:gd name="connsiteY1" fmla="*/ 0 h 506277"/>
+              <a:gd name="connsiteX2" fmla="*/ 291705 w 1038036"/>
+              <a:gd name="connsiteY2" fmla="*/ 0 h 506277"/>
+              <a:gd name="connsiteX3" fmla="*/ 291705 w 1038036"/>
+              <a:gd name="connsiteY3" fmla="*/ 151 h 506277"/>
+              <a:gd name="connsiteX4" fmla="*/ 692049 w 1038036"/>
+              <a:gd name="connsiteY4" fmla="*/ 705 h 506277"/>
+              <a:gd name="connsiteX5" fmla="*/ 782744 w 1038036"/>
+              <a:gd name="connsiteY5" fmla="*/ 705 h 506277"/>
+              <a:gd name="connsiteX6" fmla="*/ 797001 w 1038036"/>
+              <a:gd name="connsiteY6" fmla="*/ 5473 h 506277"/>
+              <a:gd name="connsiteX7" fmla="*/ 801982 w 1038036"/>
+              <a:gd name="connsiteY7" fmla="*/ 10242 h 506277"/>
+              <a:gd name="connsiteX8" fmla="*/ 1030951 w 1038036"/>
+              <a:gd name="connsiteY8" fmla="*/ 239185 h 506277"/>
+              <a:gd name="connsiteX9" fmla="*/ 1030951 w 1038036"/>
+              <a:gd name="connsiteY9" fmla="*/ 267797 h 506277"/>
+              <a:gd name="connsiteX10" fmla="*/ 801982 w 1038036"/>
+              <a:gd name="connsiteY10" fmla="*/ 496740 h 506277"/>
+              <a:gd name="connsiteX11" fmla="*/ 797001 w 1038036"/>
+              <a:gd name="connsiteY11" fmla="*/ 501508 h 506277"/>
+              <a:gd name="connsiteX12" fmla="*/ 782744 w 1038036"/>
+              <a:gd name="connsiteY12" fmla="*/ 506277 h 506277"/>
+              <a:gd name="connsiteX13" fmla="*/ 692049 w 1038036"/>
+              <a:gd name="connsiteY13" fmla="*/ 506277 h 506277"/>
+              <a:gd name="connsiteX14" fmla="*/ 291705 w 1038036"/>
+              <a:gd name="connsiteY14" fmla="*/ 505140 h 506277"/>
+              <a:gd name="connsiteX15" fmla="*/ 291705 w 1038036"/>
+              <a:gd name="connsiteY15" fmla="*/ 506277 h 506277"/>
+              <a:gd name="connsiteX16" fmla="*/ 0 w 1038036"/>
+              <a:gd name="connsiteY16" fmla="*/ 506277 h 506277"/>
+            </a:gdLst>
+            <a:ahLst/>
+            <a:cxnLst>
+              <a:cxn ang="0">
+                <a:pos x="connsiteX0" y="connsiteY0"/>
+              </a:cxn>
+              <a:cxn ang="0">
+                <a:pos x="connsiteX1" y="connsiteY1"/>
+              </a:cxn>
+              <a:cxn ang="0">
+                <a:pos x="connsiteX2" y="connsiteY2"/>
+              </a:cxn>
+              <a:cxn ang="0">
+                <a:pos x="connsiteX3" y="connsiteY3"/>
+              </a:cxn>
+              <a:cxn ang="0">
+                <a:pos x="connsiteX4" y="connsiteY4"/>
+              </a:cxn>
+              <a:cxn ang="0">
+                <a:pos x="connsiteX5" y="connsiteY5"/>
+              </a:cxn>
+              <a:cxn ang="0">
+                <a:pos x="connsiteX6" y="connsiteY6"/>
+              </a:cxn>
+              <a:cxn ang="0">
+                <a:pos x="connsiteX7" y="connsiteY7"/>
+              </a:cxn>
+              <a:cxn ang="0">
+                <a:pos x="connsiteX8" y="connsiteY8"/>
+              </a:cxn>
+              <a:cxn ang="0">
+                <a:pos x="connsiteX9" y="connsiteY9"/>
+              </a:cxn>
+              <a:cxn ang="0">
+                <a:pos x="connsiteX10" y="connsiteY10"/>
+              </a:cxn>
+              <a:cxn ang="0">
+                <a:pos x="connsiteX11" y="connsiteY11"/>
+              </a:cxn>
+              <a:cxn ang="0">
+                <a:pos x="connsiteX12" y="connsiteY12"/>
+              </a:cxn>
+              <a:cxn ang="0">
+                <a:pos x="connsiteX13" y="connsiteY13"/>
+              </a:cxn>
+              <a:cxn ang="0">
+                <a:pos x="connsiteX14" y="connsiteY14"/>
+              </a:cxn>
+              <a:cxn ang="0">
+                <a:pos x="connsiteX15" y="connsiteY15"/>
+              </a:cxn>
+              <a:cxn ang="0">
+                <a:pos x="connsiteX16" y="connsiteY16"/>
+              </a:cxn>
+            </a:cxnLst>
+            <a:rect l="l" t="t" r="r" b="b"/>
+            <a:pathLst>
+              <a:path w="1038036" h="506277">
+                <a:moveTo>
+                  <a:pt x="0" y="0"/>
+                </a:moveTo>
+                <a:lnTo>
+                  <a:pt x="182880" y="0"/>
+                </a:lnTo>
+                <a:lnTo>
+                  <a:pt x="291705" y="0"/>
+                </a:lnTo>
+                <a:lnTo>
+                  <a:pt x="291705" y="151"/>
+                </a:lnTo>
+                <a:lnTo>
+                  <a:pt x="692049" y="705"/>
+                </a:lnTo>
+                <a:lnTo>
+                  <a:pt x="782744" y="705"/>
+                </a:lnTo>
+                <a:cubicBezTo>
+                  <a:pt x="787553" y="705"/>
+                  <a:pt x="792363" y="5473"/>
+                  <a:pt x="797001" y="5473"/>
+                </a:cubicBezTo>
+                <a:cubicBezTo>
+                  <a:pt x="797001" y="10242"/>
+                  <a:pt x="801982" y="10242"/>
+                  <a:pt x="801982" y="10242"/>
+                </a:cubicBezTo>
+                <a:lnTo>
+                  <a:pt x="1030951" y="239185"/>
+                </a:lnTo>
+                <a:cubicBezTo>
+                  <a:pt x="1040398" y="248722"/>
+                  <a:pt x="1040398" y="258259"/>
+                  <a:pt x="1030951" y="267797"/>
+                </a:cubicBezTo>
+                <a:lnTo>
+                  <a:pt x="801982" y="496740"/>
+                </a:lnTo>
+                <a:cubicBezTo>
+                  <a:pt x="800436" y="498363"/>
+                  <a:pt x="798547" y="499885"/>
+                  <a:pt x="797001" y="501508"/>
+                </a:cubicBezTo>
+                <a:cubicBezTo>
+                  <a:pt x="792363" y="506277"/>
+                  <a:pt x="787553" y="506277"/>
+                  <a:pt x="782744" y="506277"/>
+                </a:cubicBezTo>
+                <a:lnTo>
+                  <a:pt x="692049" y="506277"/>
+                </a:lnTo>
+                <a:lnTo>
+                  <a:pt x="291705" y="505140"/>
+                </a:lnTo>
+                <a:lnTo>
+                  <a:pt x="291705" y="506277"/>
+                </a:lnTo>
+                <a:lnTo>
+                  <a:pt x="0" y="506277"/>
+                </a:lnTo>
+                <a:close/>
+              </a:path>
+            </a:pathLst>
+          </a:custGeom>
+          <a:ln>
+            <a:noFill/>
+          </a:ln>
+        </p:spPr>
+        <p:style>
+          <a:lnRef idx="2">
+            <a:schemeClr val="accent1">
+              <a:shade val="50000"/>
+            </a:schemeClr>
+          </a:lnRef>
+          <a:fillRef idx="1">
+            <a:schemeClr val="accent1"/>
+          </a:fillRef>
+          <a:effectRef idx="0">
+            <a:schemeClr val="accent1"/>
+          </a:effectRef>
+          <a:fontRef idx="minor">
+            <a:schemeClr val="lt1"/>
+          </a:fontRef>
+        </p:style>
+        <p:txBody>
+          <a:bodyPr rtlCol="0" anchor="ctr"/>
+          <a:lstStyle/>
+          <a:p>
+            <a:pPr algn="ctr"/>
+            <a:endParaRPr lang="en-US"/>
+          </a:p>
+        </p:txBody>
+      </p:sp>
+      <p:pic>
+        <p:nvPicPr>
+          <p:cNvPr id="4" name="Billede 3">
+            <a:extLst>
+              <a:ext uri="{FF2B5EF4-FFF2-40B4-BE49-F238E27FC236}">
+                <a16:creationId xmlns:a16="http://schemas.microsoft.com/office/drawing/2014/main" id="{BAB48B65-C3FF-4BBA-BD32-5FA57E1AD780}"/>
+              </a:ext>
+            </a:extLst>
+          </p:cNvPr>
+          <p:cNvPicPr>
+            <a:picLocks noChangeAspect="1"/>
+          </p:cNvPicPr>
+          <p:nvPr/>
+        </p:nvPicPr>
+        <p:blipFill>
+          <a:blip r:embed="rId4"/>
+          <a:stretch>
+            <a:fillRect/>
+          </a:stretch>
+        </p:blipFill>
+        <p:spPr>
+          <a:xfrm>
+            <a:off x="6194241" y="2780179"/>
+            <a:ext cx="5886450" cy="2209509"/>
+          </a:xfrm>
+          <a:prstGeom prst="rect">
+            <a:avLst/>
+          </a:prstGeom>
+        </p:spPr>
+      </p:pic>
+      <p:pic>
+        <p:nvPicPr>
+          <p:cNvPr id="5" name="Billede 4">
+            <a:extLst>
+              <a:ext uri="{FF2B5EF4-FFF2-40B4-BE49-F238E27FC236}">
+                <a16:creationId xmlns:a16="http://schemas.microsoft.com/office/drawing/2014/main" id="{8826B009-562E-4D2A-873C-1C9794429887}"/>
+              </a:ext>
+            </a:extLst>
+          </p:cNvPr>
+          <p:cNvPicPr>
+            <a:picLocks noChangeAspect="1"/>
+          </p:cNvPicPr>
+          <p:nvPr/>
+        </p:nvPicPr>
+        <p:blipFill>
+          <a:blip r:embed="rId5"/>
+          <a:stretch>
+            <a:fillRect/>
+          </a:stretch>
+        </p:blipFill>
+        <p:spPr>
+          <a:xfrm>
+            <a:off x="455734" y="2776124"/>
+            <a:ext cx="5408401" cy="2213565"/>
+          </a:xfrm>
+          <a:prstGeom prst="rect">
+            <a:avLst/>
+          </a:prstGeom>
+        </p:spPr>
+      </p:pic>
+    </p:spTree>
+    <p:extLst>
+      <p:ext uri="{BB962C8B-B14F-4D97-AF65-F5344CB8AC3E}">
+        <p14:creationId xmlns:p14="http://schemas.microsoft.com/office/powerpoint/2010/main" val="1912903954"/>
+      </p:ext>
+    </p:extLst>
+  </p:cSld>
+  <p:clrMapOvr>
+    <a:masterClrMapping/>
+  </p:clrMapOvr>
+</p:sld>
+</file>
+
+<file path=ppt/slides/slide5.xml><?xml version="1.0" encoding="utf-8"?>
+<p:sld xmlns:a="http://schemas.openxmlformats.org/drawingml/2006/main" xmlns:r="http://schemas.openxmlformats.org/officeDocument/2006/relationships" xmlns:p="http://schemas.openxmlformats.org/presentationml/2006/main">
+  <p:cSld>
+    <p:spTree>
+      <p:nvGrpSpPr>
+        <p:cNvPr id="1" name=""/>
+        <p:cNvGrpSpPr/>
+        <p:nvPr/>
+      </p:nvGrpSpPr>
+      <p:grpSpPr>
+        <a:xfrm>
+          <a:off x="0" y="0"/>
+          <a:ext cx="0" cy="0"/>
+          <a:chOff x="0" y="0"/>
+          <a:chExt cx="0" cy="0"/>
+        </a:xfrm>
+      </p:grpSpPr>
+      <p:sp>
+        <p:nvSpPr>
+          <p:cNvPr id="2" name="Titel 1">
+            <a:extLst>
+              <a:ext uri="{FF2B5EF4-FFF2-40B4-BE49-F238E27FC236}">
+                <a16:creationId xmlns:a16="http://schemas.microsoft.com/office/drawing/2014/main" id="{198F55C7-6905-4F44-AA86-D4F1CDCBA9E8}"/>
+              </a:ext>
+            </a:extLst>
+          </p:cNvPr>
+          <p:cNvSpPr>
+            <a:spLocks noGrp="1"/>
+          </p:cNvSpPr>
+          <p:nvPr>
+            <p:ph type="title"/>
+          </p:nvPr>
+        </p:nvSpPr>
+        <p:spPr/>
+        <p:txBody>
+          <a:bodyPr/>
+          <a:lstStyle/>
+          <a:p>
+            <a:r>
+              <a:rPr lang="da-DK" dirty="0"/>
+              <a:t>Unit Tests</a:t>
+            </a:r>
+            <a:endParaRPr lang="en-US" dirty="0"/>
+          </a:p>
+        </p:txBody>
+      </p:sp>
+      <p:sp>
+        <p:nvSpPr>
+          <p:cNvPr id="3" name="Pladsholder til indhold 2">
+            <a:extLst>
+              <a:ext uri="{FF2B5EF4-FFF2-40B4-BE49-F238E27FC236}">
+                <a16:creationId xmlns:a16="http://schemas.microsoft.com/office/drawing/2014/main" id="{14AF09E4-48E6-4694-B93D-02150868D45E}"/>
+              </a:ext>
+            </a:extLst>
+          </p:cNvPr>
+          <p:cNvSpPr>
+            <a:spLocks noGrp="1"/>
+          </p:cNvSpPr>
+          <p:nvPr>
+            <p:ph idx="1"/>
+          </p:nvPr>
+        </p:nvSpPr>
+        <p:spPr/>
+        <p:txBody>
+          <a:bodyPr/>
+          <a:lstStyle/>
+          <a:p>
+            <a:r>
+              <a:rPr lang="da-DK" dirty="0" err="1"/>
+              <a:t>Fyldstgørende</a:t>
+            </a:r>
+            <a:r>
+              <a:rPr lang="da-DK" dirty="0"/>
+              <a:t> tests</a:t>
+            </a:r>
+          </a:p>
+          <a:p>
+            <a:r>
+              <a:rPr lang="da-DK" dirty="0"/>
+              <a:t>Code </a:t>
+            </a:r>
+            <a:r>
+              <a:rPr lang="da-DK" dirty="0" err="1"/>
+              <a:t>Coverage</a:t>
+            </a:r>
+            <a:endParaRPr lang="da-DK" dirty="0"/>
+          </a:p>
+          <a:p>
+            <a:pPr lvl="1"/>
+            <a:r>
+              <a:rPr lang="da-DK" dirty="0"/>
+              <a:t>Method </a:t>
+            </a:r>
+            <a:r>
+              <a:rPr lang="da-DK" dirty="0" err="1"/>
+              <a:t>Coverage</a:t>
+            </a:r>
+            <a:endParaRPr lang="da-DK" dirty="0"/>
+          </a:p>
+          <a:p>
+            <a:pPr lvl="1"/>
+            <a:r>
+              <a:rPr lang="da-DK" dirty="0"/>
+              <a:t>Statement </a:t>
+            </a:r>
+            <a:r>
+              <a:rPr lang="da-DK" dirty="0" err="1"/>
+              <a:t>Coverage</a:t>
+            </a:r>
+            <a:endParaRPr lang="da-DK" dirty="0"/>
+          </a:p>
+          <a:p>
+            <a:pPr lvl="1"/>
+            <a:r>
+              <a:rPr lang="da-DK" dirty="0" err="1"/>
+              <a:t>Branch</a:t>
+            </a:r>
+            <a:r>
+              <a:rPr lang="da-DK" dirty="0"/>
+              <a:t> </a:t>
+            </a:r>
+            <a:r>
+              <a:rPr lang="da-DK" dirty="0" err="1"/>
+              <a:t>Coverage</a:t>
+            </a:r>
+            <a:endParaRPr lang="da-DK" dirty="0"/>
+          </a:p>
+          <a:p>
+            <a:pPr lvl="1"/>
+            <a:r>
+              <a:rPr lang="da-DK" dirty="0" err="1"/>
+              <a:t>Condition</a:t>
+            </a:r>
+            <a:r>
+              <a:rPr lang="da-DK" dirty="0"/>
+              <a:t> </a:t>
+            </a:r>
+            <a:r>
+              <a:rPr lang="da-DK" dirty="0" err="1"/>
+              <a:t>Coverage</a:t>
+            </a:r>
+            <a:endParaRPr lang="da-DK" dirty="0"/>
+          </a:p>
+          <a:p>
+            <a:pPr lvl="1"/>
+            <a:endParaRPr lang="da-DK" dirty="0"/>
+          </a:p>
+          <a:p>
+            <a:r>
+              <a:rPr lang="en-US" dirty="0" err="1"/>
+              <a:t>Ækvivalensklasser</a:t>
+            </a:r>
+            <a:r>
+              <a:rPr lang="en-US" dirty="0"/>
+              <a:t> &amp; </a:t>
+            </a:r>
+            <a:r>
+              <a:rPr lang="en-US" dirty="0" err="1"/>
+              <a:t>grænseværdier</a:t>
+            </a:r>
+            <a:endParaRPr lang="en-US" dirty="0"/>
+          </a:p>
+        </p:txBody>
+      </p:sp>
+      <p:pic>
+        <p:nvPicPr>
+          <p:cNvPr id="4" name="Billede 3">
+            <a:extLst>
+              <a:ext uri="{FF2B5EF4-FFF2-40B4-BE49-F238E27FC236}">
+                <a16:creationId xmlns:a16="http://schemas.microsoft.com/office/drawing/2014/main" id="{BEE127B9-937A-4923-848C-2C652F141C67}"/>
+              </a:ext>
+            </a:extLst>
+          </p:cNvPr>
+          <p:cNvPicPr>
+            <a:picLocks noChangeAspect="1"/>
+          </p:cNvPicPr>
+          <p:nvPr/>
+        </p:nvPicPr>
+        <p:blipFill>
+          <a:blip r:embed="rId2"/>
+          <a:stretch>
+            <a:fillRect/>
+          </a:stretch>
+        </p:blipFill>
+        <p:spPr>
+          <a:xfrm>
+            <a:off x="7698974" y="4798597"/>
+            <a:ext cx="4395615" cy="376767"/>
+          </a:xfrm>
+          <a:prstGeom prst="rect">
+            <a:avLst/>
+          </a:prstGeom>
+        </p:spPr>
+      </p:pic>
+      <p:pic>
+        <p:nvPicPr>
+          <p:cNvPr id="6" name="Billede 5">
+            <a:extLst>
+              <a:ext uri="{FF2B5EF4-FFF2-40B4-BE49-F238E27FC236}">
+                <a16:creationId xmlns:a16="http://schemas.microsoft.com/office/drawing/2014/main" id="{65F1EE32-2068-4356-876E-50595C427B00}"/>
+              </a:ext>
+            </a:extLst>
+          </p:cNvPr>
+          <p:cNvPicPr>
+            <a:picLocks noChangeAspect="1"/>
+          </p:cNvPicPr>
+          <p:nvPr/>
+        </p:nvPicPr>
+        <p:blipFill>
+          <a:blip r:embed="rId3"/>
+          <a:stretch>
+            <a:fillRect/>
+          </a:stretch>
+        </p:blipFill>
+        <p:spPr>
+          <a:xfrm>
+            <a:off x="7729843" y="1922047"/>
+            <a:ext cx="4333875" cy="2762250"/>
+          </a:xfrm>
+          <a:prstGeom prst="rect">
+            <a:avLst/>
+          </a:prstGeom>
+        </p:spPr>
+      </p:pic>
+    </p:spTree>
+    <p:extLst>
+      <p:ext uri="{BB962C8B-B14F-4D97-AF65-F5344CB8AC3E}">
+        <p14:creationId xmlns:p14="http://schemas.microsoft.com/office/powerpoint/2010/main" val="135150983"/>
+      </p:ext>
+    </p:extLst>
+  </p:cSld>
+  <p:clrMapOvr>
+    <a:masterClrMapping/>
+  </p:clrMapOvr>
+</p:sld>
+</file>
+
+<file path=ppt/slides/slide6.xml><?xml version="1.0" encoding="utf-8"?>
+<p:sld xmlns:a="http://schemas.openxmlformats.org/drawingml/2006/main" xmlns:r="http://schemas.openxmlformats.org/officeDocument/2006/relationships" xmlns:p="http://schemas.openxmlformats.org/presentationml/2006/main">
+  <p:cSld>
+    <p:bg>
+      <p:bgPr>
+        <a:gradFill rotWithShape="1">
+          <a:gsLst>
+            <a:gs pos="0">
+              <a:schemeClr val="bg2">
+                <a:tint val="90000"/>
+                <a:satMod val="92000"/>
+                <a:lumMod val="120000"/>
+              </a:schemeClr>
+            </a:gs>
+            <a:gs pos="100000">
+              <a:schemeClr val="bg2">
+                <a:shade val="98000"/>
+                <a:satMod val="120000"/>
+                <a:lumMod val="98000"/>
+              </a:schemeClr>
+            </a:gs>
+          </a:gsLst>
+          <a:path path="circle">
+            <a:fillToRect l="50000" t="50000" r="100000" b="100000"/>
+          </a:path>
+        </a:gradFill>
+        <a:effectLst/>
+      </p:bgPr>
+    </p:bg>
+    <p:spTree>
+      <p:nvGrpSpPr>
+        <p:cNvPr id="1" name=""/>
+        <p:cNvGrpSpPr/>
+        <p:nvPr/>
+      </p:nvGrpSpPr>
+      <p:grpSpPr>
+        <a:xfrm>
+          <a:off x="0" y="0"/>
+          <a:ext cx="0" cy="0"/>
+          <a:chOff x="0" y="0"/>
+          <a:chExt cx="0" cy="0"/>
+        </a:xfrm>
+      </p:grpSpPr>
+      <p:sp useBgFill="1">
+        <p:nvSpPr>
+          <p:cNvPr id="12" name="Rectangle 11">
+            <a:extLst>
+              <a:ext uri="{FF2B5EF4-FFF2-40B4-BE49-F238E27FC236}">
+                <a16:creationId xmlns:a16="http://schemas.microsoft.com/office/drawing/2014/main" id="{1EDD21E1-BAF0-4314-AB31-82ECB8AC9EA9}"/>
+              </a:ext>
+              <a:ext uri="{C183D7F6-B498-43B3-948B-1728B52AA6E4}">
+                <adec:decorative xmlns:adec="http://schemas.microsoft.com/office/drawing/2017/decorative" val="1"/>
+              </a:ext>
+            </a:extLst>
+          </p:cNvPr>
+          <p:cNvSpPr>
+            <a:spLocks noGrp="1" noRot="1" noChangeAspect="1" noMove="1" noResize="1" noEditPoints="1" noAdjustHandles="1" noChangeArrowheads="1" noChangeShapeType="1" noTextEdit="1"/>
+          </p:cNvSpPr>
+          <p:nvPr>
+            <p:extLst>
+              <p:ext uri="{386F3935-93C4-4BCD-93E2-E3B085C9AB24}">
+                <p16:designElem xmlns:p16="http://schemas.microsoft.com/office/powerpoint/2015/main" val="1"/>
+              </p:ext>
+            </p:extLst>
+          </p:nvPr>
+        </p:nvSpPr>
+        <p:spPr>
+          <a:xfrm>
+            <a:off x="0" y="-786"/>
+            <a:ext cx="12192000" cy="6854038"/>
+          </a:xfrm>
+          <a:prstGeom prst="rect">
+            <a:avLst/>
+          </a:prstGeom>
+          <a:ln>
+            <a:noFill/>
+          </a:ln>
+        </p:spPr>
+        <p:style>
+          <a:lnRef idx="2">
+            <a:schemeClr val="accent1">
+              <a:shade val="50000"/>
+            </a:schemeClr>
+          </a:lnRef>
+          <a:fillRef idx="1">
+            <a:schemeClr val="accent1"/>
+          </a:fillRef>
+          <a:effectRef idx="0">
+            <a:schemeClr val="accent1"/>
+          </a:effectRef>
+          <a:fontRef idx="minor">
+            <a:schemeClr val="lt1"/>
+          </a:fontRef>
+        </p:style>
+        <p:txBody>
+          <a:bodyPr rtlCol="0" anchor="ctr"/>
+          <a:lstStyle/>
+          <a:p>
+            <a:pPr algn="ctr"/>
+            <a:endParaRPr lang="en-US"/>
+          </a:p>
+        </p:txBody>
+      </p:sp>
+      <p:sp>
+        <p:nvSpPr>
+          <p:cNvPr id="2" name="Titel 1">
+            <a:extLst>
+              <a:ext uri="{FF2B5EF4-FFF2-40B4-BE49-F238E27FC236}">
+                <a16:creationId xmlns:a16="http://schemas.microsoft.com/office/drawing/2014/main" id="{A38BB8FF-CC06-4797-AEDE-AB024E5B618A}"/>
+              </a:ext>
+            </a:extLst>
+          </p:cNvPr>
+          <p:cNvSpPr>
+            <a:spLocks noGrp="1"/>
+          </p:cNvSpPr>
+          <p:nvPr>
+            <p:ph type="title"/>
+          </p:nvPr>
+        </p:nvSpPr>
+        <p:spPr>
+          <a:xfrm>
+            <a:off x="649224" y="645106"/>
+            <a:ext cx="5122652" cy="1259894"/>
+          </a:xfrm>
+        </p:spPr>
+        <p:txBody>
+          <a:bodyPr>
+            <a:normAutofit/>
+          </a:bodyPr>
+          <a:lstStyle/>
+          <a:p>
+            <a:r>
+              <a:rPr lang="da-DK" dirty="0"/>
+              <a:t>Method </a:t>
+            </a:r>
+            <a:r>
+              <a:rPr lang="da-DK" dirty="0" err="1"/>
+              <a:t>Coverage</a:t>
+            </a:r>
+            <a:endParaRPr lang="en-US" dirty="0"/>
+          </a:p>
+        </p:txBody>
+      </p:sp>
+      <p:sp>
+        <p:nvSpPr>
+          <p:cNvPr id="14" name="Rectangle 13">
+            <a:extLst>
+              <a:ext uri="{FF2B5EF4-FFF2-40B4-BE49-F238E27FC236}">
+                <a16:creationId xmlns:a16="http://schemas.microsoft.com/office/drawing/2014/main" id="{FDC8619C-F25D-468E-95FA-2A2151D7DDD2}"/>
+              </a:ext>
+              <a:ext uri="{C183D7F6-B498-43B3-948B-1728B52AA6E4}">
+                <adec:decorative xmlns:adec="http://schemas.microsoft.com/office/drawing/2017/decorative" val="1"/>
+              </a:ext>
+            </a:extLst>
+          </p:cNvPr>
+          <p:cNvSpPr>
+            <a:spLocks noGrp="1" noRot="1" noChangeAspect="1" noMove="1" noResize="1" noEditPoints="1" noAdjustHandles="1" noChangeArrowheads="1" noChangeShapeType="1" noTextEdit="1"/>
+          </p:cNvSpPr>
+          <p:nvPr>
+            <p:extLst>
+              <p:ext uri="{386F3935-93C4-4BCD-93E2-E3B085C9AB24}">
+                <p16:designElem xmlns:p16="http://schemas.microsoft.com/office/powerpoint/2015/main" val="1"/>
+              </p:ext>
+            </p:extLst>
+          </p:nvPr>
+        </p:nvSpPr>
+        <p:spPr>
+          <a:xfrm>
+            <a:off x="0" y="0"/>
+            <a:ext cx="182880" cy="6858000"/>
+          </a:xfrm>
+          <a:prstGeom prst="rect">
+            <a:avLst/>
+          </a:prstGeom>
+          <a:solidFill>
+            <a:schemeClr val="tx2"/>
+          </a:solidFill>
+          <a:ln>
+            <a:noFill/>
+          </a:ln>
+          <a:effectLst/>
+        </p:spPr>
+        <p:style>
+          <a:lnRef idx="1">
+            <a:schemeClr val="accent1"/>
+          </a:lnRef>
+          <a:fillRef idx="3">
+            <a:schemeClr val="accent1"/>
+          </a:fillRef>
+          <a:effectRef idx="2">
+            <a:schemeClr val="accent1"/>
+          </a:effectRef>
+          <a:fontRef idx="minor">
+            <a:schemeClr val="lt1"/>
+          </a:fontRef>
+        </p:style>
+      </p:sp>
+      <p:sp>
+        <p:nvSpPr>
+          <p:cNvPr id="9" name="Content Placeholder 8">
+            <a:extLst>
+              <a:ext uri="{FF2B5EF4-FFF2-40B4-BE49-F238E27FC236}">
+                <a16:creationId xmlns:a16="http://schemas.microsoft.com/office/drawing/2014/main" id="{C215831E-ECBC-433C-AD48-ED584A7443D1}"/>
+              </a:ext>
+            </a:extLst>
+          </p:cNvPr>
+          <p:cNvSpPr>
+            <a:spLocks noGrp="1"/>
+          </p:cNvSpPr>
+          <p:nvPr>
+            <p:ph idx="1"/>
+          </p:nvPr>
+        </p:nvSpPr>
+        <p:spPr>
+          <a:xfrm>
+            <a:off x="649225" y="2133600"/>
+            <a:ext cx="5122652" cy="3759253"/>
+          </a:xfrm>
+        </p:spPr>
+        <p:txBody>
+          <a:bodyPr>
+            <a:normAutofit/>
+          </a:bodyPr>
+          <a:lstStyle/>
+          <a:p>
+            <a:r>
+              <a:rPr lang="da-DK" dirty="0"/>
+              <a:t>Test alle metoder</a:t>
+            </a:r>
+            <a:endParaRPr lang="en-US" dirty="0"/>
+          </a:p>
+        </p:txBody>
+      </p:sp>
+      <p:pic>
+        <p:nvPicPr>
+          <p:cNvPr id="7" name="Pladsholder til indhold 3">
+            <a:extLst>
+              <a:ext uri="{FF2B5EF4-FFF2-40B4-BE49-F238E27FC236}">
+                <a16:creationId xmlns:a16="http://schemas.microsoft.com/office/drawing/2014/main" id="{60E2B20F-62F9-4919-B811-F3D500C60F55}"/>
+              </a:ext>
+            </a:extLst>
+          </p:cNvPr>
+          <p:cNvPicPr>
+            <a:picLocks noChangeAspect="1"/>
+          </p:cNvPicPr>
+          <p:nvPr/>
+        </p:nvPicPr>
+        <p:blipFill>
+          <a:blip r:embed="rId2"/>
+          <a:stretch>
+            <a:fillRect/>
+          </a:stretch>
+        </p:blipFill>
+        <p:spPr>
+          <a:xfrm>
+            <a:off x="6091916" y="1069668"/>
+            <a:ext cx="5451627" cy="4398623"/>
+          </a:xfrm>
+          <a:prstGeom prst="rect">
+            <a:avLst/>
+          </a:prstGeom>
+        </p:spPr>
+      </p:pic>
+      <p:sp>
+        <p:nvSpPr>
+          <p:cNvPr id="16" name="Freeform 12">
+            <a:extLst>
+              <a:ext uri="{FF2B5EF4-FFF2-40B4-BE49-F238E27FC236}">
+                <a16:creationId xmlns:a16="http://schemas.microsoft.com/office/drawing/2014/main" id="{7D9439D6-DEAD-4CEB-A61B-BE3D64D1B598}"/>
+              </a:ext>
+              <a:ext uri="{C183D7F6-B498-43B3-948B-1728B52AA6E4}">
+                <adec:decorative xmlns:adec="http://schemas.microsoft.com/office/drawing/2017/decorative" val="1"/>
+              </a:ext>
+            </a:extLst>
+          </p:cNvPr>
+          <p:cNvSpPr>
+            <a:spLocks noGrp="1" noRot="1" noChangeAspect="1" noMove="1" noResize="1" noEditPoints="1" noAdjustHandles="1" noChangeArrowheads="1" noChangeShapeType="1" noTextEdit="1"/>
+          </p:cNvSpPr>
+          <p:nvPr>
+            <p:extLst>
+              <p:ext uri="{386F3935-93C4-4BCD-93E2-E3B085C9AB24}">
+                <p16:designElem xmlns:p16="http://schemas.microsoft.com/office/powerpoint/2015/main" val="1"/>
+              </p:ext>
+            </p:extLst>
+          </p:nvPr>
+        </p:nvSpPr>
+        <p:spPr>
+          <a:xfrm>
+            <a:off x="-1" y="6061223"/>
+            <a:ext cx="1038036" cy="506277"/>
+          </a:xfrm>
+          <a:custGeom>
+            <a:avLst/>
+            <a:gdLst>
+              <a:gd name="connsiteX0" fmla="*/ 0 w 1038036"/>
+              <a:gd name="connsiteY0" fmla="*/ 0 h 506277"/>
+              <a:gd name="connsiteX1" fmla="*/ 182880 w 1038036"/>
+              <a:gd name="connsiteY1" fmla="*/ 0 h 506277"/>
+              <a:gd name="connsiteX2" fmla="*/ 291705 w 1038036"/>
+              <a:gd name="connsiteY2" fmla="*/ 0 h 506277"/>
+              <a:gd name="connsiteX3" fmla="*/ 291705 w 1038036"/>
+              <a:gd name="connsiteY3" fmla="*/ 151 h 506277"/>
+              <a:gd name="connsiteX4" fmla="*/ 692049 w 1038036"/>
+              <a:gd name="connsiteY4" fmla="*/ 705 h 506277"/>
+              <a:gd name="connsiteX5" fmla="*/ 782744 w 1038036"/>
+              <a:gd name="connsiteY5" fmla="*/ 705 h 506277"/>
+              <a:gd name="connsiteX6" fmla="*/ 797001 w 1038036"/>
+              <a:gd name="connsiteY6" fmla="*/ 5473 h 506277"/>
+              <a:gd name="connsiteX7" fmla="*/ 801982 w 1038036"/>
+              <a:gd name="connsiteY7" fmla="*/ 10242 h 506277"/>
+              <a:gd name="connsiteX8" fmla="*/ 1030951 w 1038036"/>
+              <a:gd name="connsiteY8" fmla="*/ 239185 h 506277"/>
+              <a:gd name="connsiteX9" fmla="*/ 1030951 w 1038036"/>
+              <a:gd name="connsiteY9" fmla="*/ 267797 h 506277"/>
+              <a:gd name="connsiteX10" fmla="*/ 801982 w 1038036"/>
+              <a:gd name="connsiteY10" fmla="*/ 496740 h 506277"/>
+              <a:gd name="connsiteX11" fmla="*/ 797001 w 1038036"/>
+              <a:gd name="connsiteY11" fmla="*/ 501508 h 506277"/>
+              <a:gd name="connsiteX12" fmla="*/ 782744 w 1038036"/>
+              <a:gd name="connsiteY12" fmla="*/ 506277 h 506277"/>
+              <a:gd name="connsiteX13" fmla="*/ 692049 w 1038036"/>
+              <a:gd name="connsiteY13" fmla="*/ 506277 h 506277"/>
+              <a:gd name="connsiteX14" fmla="*/ 291705 w 1038036"/>
+              <a:gd name="connsiteY14" fmla="*/ 505140 h 506277"/>
+              <a:gd name="connsiteX15" fmla="*/ 291705 w 1038036"/>
+              <a:gd name="connsiteY15" fmla="*/ 506277 h 506277"/>
+              <a:gd name="connsiteX16" fmla="*/ 0 w 1038036"/>
+              <a:gd name="connsiteY16" fmla="*/ 506277 h 506277"/>
+            </a:gdLst>
+            <a:ahLst/>
+            <a:cxnLst>
+              <a:cxn ang="0">
+                <a:pos x="connsiteX0" y="connsiteY0"/>
+              </a:cxn>
+              <a:cxn ang="0">
+                <a:pos x="connsiteX1" y="connsiteY1"/>
+              </a:cxn>
+              <a:cxn ang="0">
+                <a:pos x="connsiteX2" y="connsiteY2"/>
+              </a:cxn>
+              <a:cxn ang="0">
+                <a:pos x="connsiteX3" y="connsiteY3"/>
+              </a:cxn>
+              <a:cxn ang="0">
+                <a:pos x="connsiteX4" y="connsiteY4"/>
+              </a:cxn>
+              <a:cxn ang="0">
+                <a:pos x="connsiteX5" y="connsiteY5"/>
+              </a:cxn>
+              <a:cxn ang="0">
+                <a:pos x="connsiteX6" y="connsiteY6"/>
+              </a:cxn>
+              <a:cxn ang="0">
+                <a:pos x="connsiteX7" y="connsiteY7"/>
+              </a:cxn>
+              <a:cxn ang="0">
+                <a:pos x="connsiteX8" y="connsiteY8"/>
+              </a:cxn>
+              <a:cxn ang="0">
+                <a:pos x="connsiteX9" y="connsiteY9"/>
+              </a:cxn>
+              <a:cxn ang="0">
+                <a:pos x="connsiteX10" y="connsiteY10"/>
+              </a:cxn>
+              <a:cxn ang="0">
+                <a:pos x="connsiteX11" y="connsiteY11"/>
+              </a:cxn>
+              <a:cxn ang="0">
+                <a:pos x="connsiteX12" y="connsiteY12"/>
+              </a:cxn>
+              <a:cxn ang="0">
+                <a:pos x="connsiteX13" y="connsiteY13"/>
+              </a:cxn>
+              <a:cxn ang="0">
+                <a:pos x="connsiteX14" y="connsiteY14"/>
+              </a:cxn>
+              <a:cxn ang="0">
+                <a:pos x="connsiteX15" y="connsiteY15"/>
+              </a:cxn>
+              <a:cxn ang="0">
+                <a:pos x="connsiteX16" y="connsiteY16"/>
+              </a:cxn>
+            </a:cxnLst>
+            <a:rect l="l" t="t" r="r" b="b"/>
+            <a:pathLst>
+              <a:path w="1038036" h="506277">
+                <a:moveTo>
+                  <a:pt x="0" y="0"/>
+                </a:moveTo>
+                <a:lnTo>
+                  <a:pt x="182880" y="0"/>
+                </a:lnTo>
+                <a:lnTo>
+                  <a:pt x="291705" y="0"/>
+                </a:lnTo>
+                <a:lnTo>
+                  <a:pt x="291705" y="151"/>
+                </a:lnTo>
+                <a:lnTo>
+                  <a:pt x="692049" y="705"/>
+                </a:lnTo>
+                <a:lnTo>
+                  <a:pt x="782744" y="705"/>
+                </a:lnTo>
+                <a:cubicBezTo>
+                  <a:pt x="787553" y="705"/>
+                  <a:pt x="792363" y="5473"/>
+                  <a:pt x="797001" y="5473"/>
+                </a:cubicBezTo>
+                <a:cubicBezTo>
+                  <a:pt x="797001" y="10242"/>
+                  <a:pt x="801982" y="10242"/>
+                  <a:pt x="801982" y="10242"/>
+                </a:cubicBezTo>
+                <a:lnTo>
+                  <a:pt x="1030951" y="239185"/>
+                </a:lnTo>
+                <a:cubicBezTo>
+                  <a:pt x="1040398" y="248722"/>
+                  <a:pt x="1040398" y="258259"/>
+                  <a:pt x="1030951" y="267797"/>
+                </a:cubicBezTo>
+                <a:lnTo>
+                  <a:pt x="801982" y="496740"/>
+                </a:lnTo>
+                <a:cubicBezTo>
+                  <a:pt x="800436" y="498363"/>
+                  <a:pt x="798547" y="499885"/>
+                  <a:pt x="797001" y="501508"/>
+                </a:cubicBezTo>
+                <a:cubicBezTo>
+                  <a:pt x="792363" y="506277"/>
+                  <a:pt x="787553" y="506277"/>
+                  <a:pt x="782744" y="506277"/>
+                </a:cubicBezTo>
+                <a:lnTo>
+                  <a:pt x="692049" y="506277"/>
+                </a:lnTo>
+                <a:lnTo>
+                  <a:pt x="291705" y="505140"/>
+                </a:lnTo>
+                <a:lnTo>
+                  <a:pt x="291705" y="506277"/>
+                </a:lnTo>
+                <a:lnTo>
+                  <a:pt x="0" y="506277"/>
+                </a:lnTo>
+                <a:close/>
+              </a:path>
+            </a:pathLst>
+          </a:custGeom>
+          <a:ln>
+            <a:noFill/>
+          </a:ln>
+        </p:spPr>
+        <p:style>
+          <a:lnRef idx="2">
+            <a:schemeClr val="accent1">
+              <a:shade val="50000"/>
+            </a:schemeClr>
+          </a:lnRef>
+          <a:fillRef idx="1">
+            <a:schemeClr val="accent1"/>
+          </a:fillRef>
+          <a:effectRef idx="0">
+            <a:schemeClr val="accent1"/>
+          </a:effectRef>
+          <a:fontRef idx="minor">
+            <a:schemeClr val="lt1"/>
+          </a:fontRef>
+        </p:style>
+        <p:txBody>
+          <a:bodyPr rtlCol="0" anchor="ctr"/>
+          <a:lstStyle/>
+          <a:p>
+            <a:pPr algn="ctr"/>
+            <a:endParaRPr lang="en-US"/>
+          </a:p>
+        </p:txBody>
+      </p:sp>
+    </p:spTree>
+    <p:extLst>
+      <p:ext uri="{BB962C8B-B14F-4D97-AF65-F5344CB8AC3E}">
+        <p14:creationId xmlns:p14="http://schemas.microsoft.com/office/powerpoint/2010/main" val="1191659229"/>
+      </p:ext>
+    </p:extLst>
+  </p:cSld>
+  <p:clrMapOvr>
+    <a:masterClrMapping/>
+  </p:clrMapOvr>
+</p:sld>
+</file>
+
+<file path=ppt/slides/slide7.xml><?xml version="1.0" encoding="utf-8"?>
+<p:sld xmlns:a="http://schemas.openxmlformats.org/drawingml/2006/main" xmlns:r="http://schemas.openxmlformats.org/officeDocument/2006/relationships" xmlns:p="http://schemas.openxmlformats.org/presentationml/2006/main">
+  <p:cSld>
+    <p:bg>
+      <p:bgPr>
+        <a:gradFill rotWithShape="1">
+          <a:gsLst>
+            <a:gs pos="0">
+              <a:schemeClr val="bg2">
+                <a:tint val="90000"/>
+                <a:satMod val="92000"/>
+                <a:lumMod val="120000"/>
+              </a:schemeClr>
+            </a:gs>
+            <a:gs pos="100000">
+              <a:schemeClr val="bg2">
+                <a:shade val="98000"/>
+                <a:satMod val="120000"/>
+                <a:lumMod val="98000"/>
+              </a:schemeClr>
+            </a:gs>
+          </a:gsLst>
+          <a:path path="circle">
+            <a:fillToRect l="50000" t="50000" r="100000" b="100000"/>
+          </a:path>
+        </a:gradFill>
+        <a:effectLst/>
+      </p:bgPr>
+    </p:bg>
+    <p:spTree>
+      <p:nvGrpSpPr>
+        <p:cNvPr id="1" name=""/>
+        <p:cNvGrpSpPr/>
+        <p:nvPr/>
+      </p:nvGrpSpPr>
+      <p:grpSpPr>
+        <a:xfrm>
+          <a:off x="0" y="0"/>
+          <a:ext cx="0" cy="0"/>
+          <a:chOff x="0" y="0"/>
+          <a:chExt cx="0" cy="0"/>
+        </a:xfrm>
+      </p:grpSpPr>
+      <p:sp useBgFill="1">
+        <p:nvSpPr>
+          <p:cNvPr id="27" name="Rectangle 26">
+            <a:extLst>
+              <a:ext uri="{FF2B5EF4-FFF2-40B4-BE49-F238E27FC236}">
+                <a16:creationId xmlns:a16="http://schemas.microsoft.com/office/drawing/2014/main" id="{1EDD21E1-BAF0-4314-AB31-82ECB8AC9EA9}"/>
+              </a:ext>
+              <a:ext uri="{C183D7F6-B498-43B3-948B-1728B52AA6E4}">
+                <adec:decorative xmlns:adec="http://schemas.microsoft.com/office/drawing/2017/decorative" val="1"/>
+              </a:ext>
+            </a:extLst>
+          </p:cNvPr>
+          <p:cNvSpPr>
+            <a:spLocks noGrp="1" noRot="1" noChangeAspect="1" noMove="1" noResize="1" noEditPoints="1" noAdjustHandles="1" noChangeArrowheads="1" noChangeShapeType="1" noTextEdit="1"/>
+          </p:cNvSpPr>
+          <p:nvPr>
+            <p:extLst>
+              <p:ext uri="{386F3935-93C4-4BCD-93E2-E3B085C9AB24}">
+                <p16:designElem xmlns:p16="http://schemas.microsoft.com/office/powerpoint/2015/main" val="1"/>
+              </p:ext>
+            </p:extLst>
+          </p:nvPr>
+        </p:nvSpPr>
+        <p:spPr>
+          <a:xfrm>
+            <a:off x="0" y="-786"/>
+            <a:ext cx="12192000" cy="6854038"/>
+          </a:xfrm>
+          <a:prstGeom prst="rect">
+            <a:avLst/>
+          </a:prstGeom>
+          <a:ln>
+            <a:noFill/>
+          </a:ln>
+        </p:spPr>
+        <p:style>
+          <a:lnRef idx="2">
+            <a:schemeClr val="accent1">
+              <a:shade val="50000"/>
+            </a:schemeClr>
+          </a:lnRef>
+          <a:fillRef idx="1">
+            <a:schemeClr val="accent1"/>
+          </a:fillRef>
+          <a:effectRef idx="0">
+            <a:schemeClr val="accent1"/>
+          </a:effectRef>
+          <a:fontRef idx="minor">
+            <a:schemeClr val="lt1"/>
+          </a:fontRef>
+        </p:style>
+        <p:txBody>
+          <a:bodyPr rtlCol="0" anchor="ctr"/>
+          <a:lstStyle/>
+          <a:p>
+            <a:pPr algn="ctr"/>
+            <a:endParaRPr lang="en-US"/>
+          </a:p>
+        </p:txBody>
+      </p:sp>
+      <p:sp>
+        <p:nvSpPr>
+          <p:cNvPr id="2" name="Titel 1">
+            <a:extLst>
+              <a:ext uri="{FF2B5EF4-FFF2-40B4-BE49-F238E27FC236}">
+                <a16:creationId xmlns:a16="http://schemas.microsoft.com/office/drawing/2014/main" id="{FC06F302-36D0-4DE6-91CE-F0583D43AA54}"/>
+              </a:ext>
+            </a:extLst>
+          </p:cNvPr>
+          <p:cNvSpPr>
+            <a:spLocks noGrp="1"/>
+          </p:cNvSpPr>
+          <p:nvPr>
+            <p:ph type="title"/>
+          </p:nvPr>
+        </p:nvSpPr>
+        <p:spPr>
+          <a:xfrm>
+            <a:off x="649224" y="645106"/>
+            <a:ext cx="5122652" cy="1259894"/>
+          </a:xfrm>
+        </p:spPr>
+        <p:txBody>
+          <a:bodyPr>
+            <a:normAutofit/>
+          </a:bodyPr>
+          <a:lstStyle/>
+          <a:p>
+            <a:r>
+              <a:rPr lang="da-DK" dirty="0"/>
+              <a:t>Statement </a:t>
+            </a:r>
+            <a:r>
+              <a:rPr lang="da-DK" dirty="0" err="1"/>
+              <a:t>Coverage</a:t>
+            </a:r>
+            <a:endParaRPr lang="en-US" dirty="0"/>
+          </a:p>
+        </p:txBody>
+      </p:sp>
+      <p:sp>
+        <p:nvSpPr>
+          <p:cNvPr id="29" name="Rectangle 28">
+            <a:extLst>
+              <a:ext uri="{FF2B5EF4-FFF2-40B4-BE49-F238E27FC236}">
+                <a16:creationId xmlns:a16="http://schemas.microsoft.com/office/drawing/2014/main" id="{FDC8619C-F25D-468E-95FA-2A2151D7DDD2}"/>
+              </a:ext>
+              <a:ext uri="{C183D7F6-B498-43B3-948B-1728B52AA6E4}">
+                <adec:decorative xmlns:adec="http://schemas.microsoft.com/office/drawing/2017/decorative" val="1"/>
+              </a:ext>
+            </a:extLst>
+          </p:cNvPr>
+          <p:cNvSpPr>
+            <a:spLocks noGrp="1" noRot="1" noChangeAspect="1" noMove="1" noResize="1" noEditPoints="1" noAdjustHandles="1" noChangeArrowheads="1" noChangeShapeType="1" noTextEdit="1"/>
+          </p:cNvSpPr>
+          <p:nvPr>
+            <p:extLst>
+              <p:ext uri="{386F3935-93C4-4BCD-93E2-E3B085C9AB24}">
+                <p16:designElem xmlns:p16="http://schemas.microsoft.com/office/powerpoint/2015/main" val="1"/>
+              </p:ext>
+            </p:extLst>
+          </p:nvPr>
+        </p:nvSpPr>
+        <p:spPr>
+          <a:xfrm>
+            <a:off x="0" y="0"/>
+            <a:ext cx="182880" cy="6858000"/>
+          </a:xfrm>
+          <a:prstGeom prst="rect">
+            <a:avLst/>
+          </a:prstGeom>
+          <a:solidFill>
+            <a:schemeClr val="tx2"/>
+          </a:solidFill>
+          <a:ln>
+            <a:noFill/>
+          </a:ln>
+          <a:effectLst/>
+        </p:spPr>
+        <p:style>
+          <a:lnRef idx="1">
+            <a:schemeClr val="accent1"/>
+          </a:lnRef>
+          <a:fillRef idx="3">
+            <a:schemeClr val="accent1"/>
+          </a:fillRef>
+          <a:effectRef idx="2">
+            <a:schemeClr val="accent1"/>
+          </a:effectRef>
+          <a:fontRef idx="minor">
+            <a:schemeClr val="lt1"/>
+          </a:fontRef>
+        </p:style>
+      </p:sp>
+      <p:sp>
+        <p:nvSpPr>
+          <p:cNvPr id="3" name="Pladsholder til indhold 2">
+            <a:extLst>
+              <a:ext uri="{FF2B5EF4-FFF2-40B4-BE49-F238E27FC236}">
+                <a16:creationId xmlns:a16="http://schemas.microsoft.com/office/drawing/2014/main" id="{1D03D2AF-62C7-465A-A473-D3FD7D98511A}"/>
+              </a:ext>
+            </a:extLst>
+          </p:cNvPr>
+          <p:cNvSpPr>
+            <a:spLocks noGrp="1"/>
+          </p:cNvSpPr>
+          <p:nvPr>
+            <p:ph idx="1"/>
+          </p:nvPr>
+        </p:nvSpPr>
+        <p:spPr>
+          <a:xfrm>
+            <a:off x="649225" y="2133600"/>
+            <a:ext cx="5122652" cy="3759253"/>
+          </a:xfrm>
+        </p:spPr>
+        <p:txBody>
+          <a:bodyPr>
+            <a:normAutofit/>
+          </a:bodyPr>
+          <a:lstStyle/>
+          <a:p>
+            <a:r>
+              <a:rPr lang="da-DK" dirty="0"/>
+              <a:t>Test alle Statements</a:t>
+            </a:r>
+            <a:endParaRPr lang="en-US" dirty="0"/>
+          </a:p>
+        </p:txBody>
+      </p:sp>
+      <p:pic>
+        <p:nvPicPr>
+          <p:cNvPr id="5" name="Billede 4">
+            <a:extLst>
+              <a:ext uri="{FF2B5EF4-FFF2-40B4-BE49-F238E27FC236}">
+                <a16:creationId xmlns:a16="http://schemas.microsoft.com/office/drawing/2014/main" id="{E0F5FFFA-963C-4D27-8A2A-AE91BDE661E5}"/>
+              </a:ext>
+            </a:extLst>
+          </p:cNvPr>
+          <p:cNvPicPr>
+            <a:picLocks noChangeAspect="1"/>
+          </p:cNvPicPr>
+          <p:nvPr/>
+        </p:nvPicPr>
+        <p:blipFill>
+          <a:blip r:embed="rId2"/>
+          <a:stretch>
+            <a:fillRect/>
+          </a:stretch>
+        </p:blipFill>
+        <p:spPr>
+          <a:xfrm>
+            <a:off x="6091916" y="1971868"/>
+            <a:ext cx="5451627" cy="2594222"/>
+          </a:xfrm>
+          <a:prstGeom prst="rect">
+            <a:avLst/>
+          </a:prstGeom>
+        </p:spPr>
+      </p:pic>
+      <p:sp>
+        <p:nvSpPr>
+          <p:cNvPr id="31" name="Freeform 12">
+            <a:extLst>
+              <a:ext uri="{FF2B5EF4-FFF2-40B4-BE49-F238E27FC236}">
+                <a16:creationId xmlns:a16="http://schemas.microsoft.com/office/drawing/2014/main" id="{7D9439D6-DEAD-4CEB-A61B-BE3D64D1B598}"/>
+              </a:ext>
+              <a:ext uri="{C183D7F6-B498-43B3-948B-1728B52AA6E4}">
+                <adec:decorative xmlns:adec="http://schemas.microsoft.com/office/drawing/2017/decorative" val="1"/>
+              </a:ext>
+            </a:extLst>
+          </p:cNvPr>
+          <p:cNvSpPr>
+            <a:spLocks noGrp="1" noRot="1" noChangeAspect="1" noMove="1" noResize="1" noEditPoints="1" noAdjustHandles="1" noChangeArrowheads="1" noChangeShapeType="1" noTextEdit="1"/>
+          </p:cNvSpPr>
+          <p:nvPr>
+            <p:extLst>
+              <p:ext uri="{386F3935-93C4-4BCD-93E2-E3B085C9AB24}">
+                <p16:designElem xmlns:p16="http://schemas.microsoft.com/office/powerpoint/2015/main" val="1"/>
+              </p:ext>
+            </p:extLst>
+          </p:nvPr>
+        </p:nvSpPr>
+        <p:spPr>
+          <a:xfrm>
+            <a:off x="-1" y="6061223"/>
+            <a:ext cx="1038036" cy="506277"/>
+          </a:xfrm>
+          <a:custGeom>
+            <a:avLst/>
+            <a:gdLst>
+              <a:gd name="connsiteX0" fmla="*/ 0 w 1038036"/>
+              <a:gd name="connsiteY0" fmla="*/ 0 h 506277"/>
+              <a:gd name="connsiteX1" fmla="*/ 182880 w 1038036"/>
+              <a:gd name="connsiteY1" fmla="*/ 0 h 506277"/>
+              <a:gd name="connsiteX2" fmla="*/ 291705 w 1038036"/>
+              <a:gd name="connsiteY2" fmla="*/ 0 h 506277"/>
+              <a:gd name="connsiteX3" fmla="*/ 291705 w 1038036"/>
+              <a:gd name="connsiteY3" fmla="*/ 151 h 506277"/>
+              <a:gd name="connsiteX4" fmla="*/ 692049 w 1038036"/>
+              <a:gd name="connsiteY4" fmla="*/ 705 h 506277"/>
+              <a:gd name="connsiteX5" fmla="*/ 782744 w 1038036"/>
+              <a:gd name="connsiteY5" fmla="*/ 705 h 506277"/>
+              <a:gd name="connsiteX6" fmla="*/ 797001 w 1038036"/>
+              <a:gd name="connsiteY6" fmla="*/ 5473 h 506277"/>
+              <a:gd name="connsiteX7" fmla="*/ 801982 w 1038036"/>
+              <a:gd name="connsiteY7" fmla="*/ 10242 h 506277"/>
+              <a:gd name="connsiteX8" fmla="*/ 1030951 w 1038036"/>
+              <a:gd name="connsiteY8" fmla="*/ 239185 h 506277"/>
+              <a:gd name="connsiteX9" fmla="*/ 1030951 w 1038036"/>
+              <a:gd name="connsiteY9" fmla="*/ 267797 h 506277"/>
+              <a:gd name="connsiteX10" fmla="*/ 801982 w 1038036"/>
+              <a:gd name="connsiteY10" fmla="*/ 496740 h 506277"/>
+              <a:gd name="connsiteX11" fmla="*/ 797001 w 1038036"/>
+              <a:gd name="connsiteY11" fmla="*/ 501508 h 506277"/>
+              <a:gd name="connsiteX12" fmla="*/ 782744 w 1038036"/>
+              <a:gd name="connsiteY12" fmla="*/ 506277 h 506277"/>
+              <a:gd name="connsiteX13" fmla="*/ 692049 w 1038036"/>
+              <a:gd name="connsiteY13" fmla="*/ 506277 h 506277"/>
+              <a:gd name="connsiteX14" fmla="*/ 291705 w 1038036"/>
+              <a:gd name="connsiteY14" fmla="*/ 505140 h 506277"/>
+              <a:gd name="connsiteX15" fmla="*/ 291705 w 1038036"/>
+              <a:gd name="connsiteY15" fmla="*/ 506277 h 506277"/>
+              <a:gd name="connsiteX16" fmla="*/ 0 w 1038036"/>
+              <a:gd name="connsiteY16" fmla="*/ 506277 h 506277"/>
+            </a:gdLst>
+            <a:ahLst/>
+            <a:cxnLst>
+              <a:cxn ang="0">
+                <a:pos x="connsiteX0" y="connsiteY0"/>
+              </a:cxn>
+              <a:cxn ang="0">
+                <a:pos x="connsiteX1" y="connsiteY1"/>
+              </a:cxn>
+              <a:cxn ang="0">
+                <a:pos x="connsiteX2" y="connsiteY2"/>
+              </a:cxn>
+              <a:cxn ang="0">
+                <a:pos x="connsiteX3" y="connsiteY3"/>
+              </a:cxn>
+              <a:cxn ang="0">
+                <a:pos x="connsiteX4" y="connsiteY4"/>
+              </a:cxn>
+              <a:cxn ang="0">
+                <a:pos x="connsiteX5" y="connsiteY5"/>
+              </a:cxn>
+              <a:cxn ang="0">
+                <a:pos x="connsiteX6" y="connsiteY6"/>
+              </a:cxn>
+              <a:cxn ang="0">
+                <a:pos x="connsiteX7" y="connsiteY7"/>
+              </a:cxn>
+              <a:cxn ang="0">
+                <a:pos x="connsiteX8" y="connsiteY8"/>
+              </a:cxn>
+              <a:cxn ang="0">
+                <a:pos x="connsiteX9" y="connsiteY9"/>
+              </a:cxn>
+              <a:cxn ang="0">
+                <a:pos x="connsiteX10" y="connsiteY10"/>
+              </a:cxn>
+              <a:cxn ang="0">
+                <a:pos x="connsiteX11" y="connsiteY11"/>
+              </a:cxn>
+              <a:cxn ang="0">
+                <a:pos x="connsiteX12" y="connsiteY12"/>
+              </a:cxn>
+              <a:cxn ang="0">
+                <a:pos x="connsiteX13" y="connsiteY13"/>
+              </a:cxn>
+              <a:cxn ang="0">
+                <a:pos x="connsiteX14" y="connsiteY14"/>
+              </a:cxn>
+              <a:cxn ang="0">
+                <a:pos x="connsiteX15" y="connsiteY15"/>
+              </a:cxn>
+              <a:cxn ang="0">
+                <a:pos x="connsiteX16" y="connsiteY16"/>
+              </a:cxn>
+            </a:cxnLst>
+            <a:rect l="l" t="t" r="r" b="b"/>
+            <a:pathLst>
+              <a:path w="1038036" h="506277">
+                <a:moveTo>
+                  <a:pt x="0" y="0"/>
+                </a:moveTo>
+                <a:lnTo>
+                  <a:pt x="182880" y="0"/>
+                </a:lnTo>
+                <a:lnTo>
+                  <a:pt x="291705" y="0"/>
+                </a:lnTo>
+                <a:lnTo>
+                  <a:pt x="291705" y="151"/>
+                </a:lnTo>
+                <a:lnTo>
+                  <a:pt x="692049" y="705"/>
+                </a:lnTo>
+                <a:lnTo>
+                  <a:pt x="782744" y="705"/>
+                </a:lnTo>
+                <a:cubicBezTo>
+                  <a:pt x="787553" y="705"/>
+                  <a:pt x="792363" y="5473"/>
+                  <a:pt x="797001" y="5473"/>
+                </a:cubicBezTo>
+                <a:cubicBezTo>
+                  <a:pt x="797001" y="10242"/>
+                  <a:pt x="801982" y="10242"/>
+                  <a:pt x="801982" y="10242"/>
+                </a:cubicBezTo>
+                <a:lnTo>
+                  <a:pt x="1030951" y="239185"/>
+                </a:lnTo>
+                <a:cubicBezTo>
+                  <a:pt x="1040398" y="248722"/>
+                  <a:pt x="1040398" y="258259"/>
+                  <a:pt x="1030951" y="267797"/>
+                </a:cubicBezTo>
+                <a:lnTo>
+                  <a:pt x="801982" y="496740"/>
+                </a:lnTo>
+                <a:cubicBezTo>
+                  <a:pt x="800436" y="498363"/>
+                  <a:pt x="798547" y="499885"/>
+                  <a:pt x="797001" y="501508"/>
+                </a:cubicBezTo>
+                <a:cubicBezTo>
+                  <a:pt x="792363" y="506277"/>
+                  <a:pt x="787553" y="506277"/>
+                  <a:pt x="782744" y="506277"/>
+                </a:cubicBezTo>
+                <a:lnTo>
+                  <a:pt x="692049" y="506277"/>
+                </a:lnTo>
+                <a:lnTo>
+                  <a:pt x="291705" y="505140"/>
+                </a:lnTo>
+                <a:lnTo>
+                  <a:pt x="291705" y="506277"/>
+                </a:lnTo>
+                <a:lnTo>
+                  <a:pt x="0" y="506277"/>
+                </a:lnTo>
+                <a:close/>
+              </a:path>
+            </a:pathLst>
+          </a:custGeom>
+          <a:ln>
+            <a:noFill/>
+          </a:ln>
+        </p:spPr>
+        <p:style>
+          <a:lnRef idx="2">
+            <a:schemeClr val="accent1">
+              <a:shade val="50000"/>
+            </a:schemeClr>
+          </a:lnRef>
+          <a:fillRef idx="1">
+            <a:schemeClr val="accent1"/>
+          </a:fillRef>
+          <a:effectRef idx="0">
+            <a:schemeClr val="accent1"/>
+          </a:effectRef>
+          <a:fontRef idx="minor">
+            <a:schemeClr val="lt1"/>
+          </a:fontRef>
+        </p:style>
+        <p:txBody>
+          <a:bodyPr rtlCol="0" anchor="ctr"/>
+          <a:lstStyle/>
+          <a:p>
+            <a:pPr algn="ctr"/>
+            <a:endParaRPr lang="en-US"/>
+          </a:p>
+        </p:txBody>
+      </p:sp>
+    </p:spTree>
+    <p:extLst>
+      <p:ext uri="{BB962C8B-B14F-4D97-AF65-F5344CB8AC3E}">
+        <p14:creationId xmlns:p14="http://schemas.microsoft.com/office/powerpoint/2010/main" val="3019674786"/>
+      </p:ext>
+    </p:extLst>
+  </p:cSld>
+  <p:clrMapOvr>
+    <a:masterClrMapping/>
+  </p:clrMapOvr>
+</p:sld>
+</file>
+
+<file path=ppt/slides/slide8.xml><?xml version="1.0" encoding="utf-8"?>
+<p:sld xmlns:a="http://schemas.openxmlformats.org/drawingml/2006/main" xmlns:r="http://schemas.openxmlformats.org/officeDocument/2006/relationships" xmlns:p="http://schemas.openxmlformats.org/presentationml/2006/main">
+  <p:cSld>
+    <p:bg>
+      <p:bgPr>
+        <a:gradFill rotWithShape="1">
+          <a:gsLst>
+            <a:gs pos="0">
+              <a:schemeClr val="bg2">
+                <a:tint val="90000"/>
+                <a:satMod val="92000"/>
+                <a:lumMod val="120000"/>
+              </a:schemeClr>
+            </a:gs>
+            <a:gs pos="100000">
+              <a:schemeClr val="bg2">
+                <a:shade val="98000"/>
+                <a:satMod val="120000"/>
+                <a:lumMod val="98000"/>
+              </a:schemeClr>
+            </a:gs>
+          </a:gsLst>
+          <a:path path="circle">
+            <a:fillToRect l="50000" t="50000" r="100000" b="100000"/>
+          </a:path>
+        </a:gradFill>
+        <a:effectLst/>
+      </p:bgPr>
+    </p:bg>
+    <p:spTree>
+      <p:nvGrpSpPr>
+        <p:cNvPr id="1" name=""/>
+        <p:cNvGrpSpPr/>
+        <p:nvPr/>
+      </p:nvGrpSpPr>
+      <p:grpSpPr>
+        <a:xfrm>
+          <a:off x="0" y="0"/>
+          <a:ext cx="0" cy="0"/>
+          <a:chOff x="0" y="0"/>
+          <a:chExt cx="0" cy="0"/>
+        </a:xfrm>
+      </p:grpSpPr>
+      <p:sp>
+        <p:nvSpPr>
+          <p:cNvPr id="2" name="Titel 1">
+            <a:extLst>
+              <a:ext uri="{FF2B5EF4-FFF2-40B4-BE49-F238E27FC236}">
+                <a16:creationId xmlns:a16="http://schemas.microsoft.com/office/drawing/2014/main" id="{9190A1E8-E141-4686-BB05-5EBE9B4D567C}"/>
+              </a:ext>
+            </a:extLst>
+          </p:cNvPr>
+          <p:cNvSpPr>
+            <a:spLocks noGrp="1"/>
+          </p:cNvSpPr>
+          <p:nvPr>
+            <p:ph type="title"/>
+          </p:nvPr>
+        </p:nvSpPr>
+        <p:spPr>
+          <a:xfrm>
+            <a:off x="1687669" y="624110"/>
+            <a:ext cx="4137059" cy="1280890"/>
+          </a:xfrm>
+        </p:spPr>
+        <p:txBody>
+          <a:bodyPr>
+            <a:normAutofit/>
+          </a:bodyPr>
+          <a:lstStyle/>
+          <a:p>
+            <a:r>
+              <a:rPr lang="da-DK" sz="3200"/>
+              <a:t>Branch Coverage</a:t>
+            </a:r>
+            <a:endParaRPr lang="en-US" sz="3200"/>
+          </a:p>
+        </p:txBody>
+      </p:sp>
+      <p:sp>
+        <p:nvSpPr>
+          <p:cNvPr id="3" name="Pladsholder til indhold 2">
+            <a:extLst>
+              <a:ext uri="{FF2B5EF4-FFF2-40B4-BE49-F238E27FC236}">
+                <a16:creationId xmlns:a16="http://schemas.microsoft.com/office/drawing/2014/main" id="{C0159AE0-C78F-422B-A7B3-800D8D8957FD}"/>
+              </a:ext>
+            </a:extLst>
+          </p:cNvPr>
+          <p:cNvSpPr>
+            <a:spLocks noGrp="1"/>
+          </p:cNvSpPr>
+          <p:nvPr>
+            <p:ph idx="1"/>
+          </p:nvPr>
+        </p:nvSpPr>
+        <p:spPr>
+          <a:xfrm>
+            <a:off x="1683956" y="2133600"/>
+            <a:ext cx="4140772" cy="3777622"/>
+          </a:xfrm>
+        </p:spPr>
+        <p:txBody>
+          <a:bodyPr>
+            <a:normAutofit/>
+          </a:bodyPr>
+          <a:lstStyle/>
+          <a:p>
+            <a:r>
+              <a:rPr lang="da-DK" sz="1600" dirty="0">
+                <a:solidFill>
+                  <a:srgbClr val="000000"/>
+                </a:solidFill>
+              </a:rPr>
+              <a:t>Test alle grene af koden</a:t>
+            </a:r>
+          </a:p>
+          <a:p>
+            <a:r>
+              <a:rPr lang="da-DK" sz="1600" dirty="0">
+                <a:solidFill>
+                  <a:srgbClr val="000000"/>
+                </a:solidFill>
+              </a:rPr>
+              <a:t>Switch Cases &amp; If Statements</a:t>
+            </a:r>
+            <a:endParaRPr lang="en-US" sz="1600" dirty="0">
+              <a:solidFill>
+                <a:srgbClr val="000000"/>
+              </a:solidFill>
+            </a:endParaRPr>
+          </a:p>
+        </p:txBody>
+      </p:sp>
+      <p:pic>
+        <p:nvPicPr>
+          <p:cNvPr id="4" name="Billede 3">
+            <a:extLst>
+              <a:ext uri="{FF2B5EF4-FFF2-40B4-BE49-F238E27FC236}">
+                <a16:creationId xmlns:a16="http://schemas.microsoft.com/office/drawing/2014/main" id="{3D94DA9A-512E-4AE0-A047-BB226D2CFCF5}"/>
+              </a:ext>
+            </a:extLst>
+          </p:cNvPr>
+          <p:cNvPicPr>
+            <a:picLocks noChangeAspect="1"/>
+          </p:cNvPicPr>
+          <p:nvPr/>
+        </p:nvPicPr>
+        <p:blipFill>
+          <a:blip r:embed="rId2"/>
+          <a:stretch>
+            <a:fillRect/>
+          </a:stretch>
+        </p:blipFill>
+        <p:spPr>
+          <a:xfrm>
+            <a:off x="6573211" y="645106"/>
+            <a:ext cx="4489036" cy="5247747"/>
+          </a:xfrm>
+          <a:prstGeom prst="rect">
+            <a:avLst/>
+          </a:prstGeom>
+        </p:spPr>
+      </p:pic>
+    </p:spTree>
+    <p:extLst>
+      <p:ext uri="{BB962C8B-B14F-4D97-AF65-F5344CB8AC3E}">
+        <p14:creationId xmlns:p14="http://schemas.microsoft.com/office/powerpoint/2010/main" val="419296898"/>
+      </p:ext>
+    </p:extLst>
+  </p:cSld>
+  <p:clrMapOvr>
+    <a:masterClrMapping/>
+  </p:clrMapOvr>
+</p:sld>
+</file>
+
+<file path=ppt/slides/slide9.xml><?xml version="1.0" encoding="utf-8"?>
+<p:sld xmlns:a="http://schemas.openxmlformats.org/drawingml/2006/main" xmlns:r="http://schemas.openxmlformats.org/officeDocument/2006/relationships" xmlns:p="http://schemas.openxmlformats.org/presentationml/2006/main">
+  <p:cSld>
+    <p:bg>
+      <p:bgPr>
+        <a:gradFill rotWithShape="1">
+          <a:gsLst>
+            <a:gs pos="0">
+              <a:schemeClr val="bg2">
+                <a:tint val="90000"/>
+                <a:satMod val="92000"/>
+                <a:lumMod val="120000"/>
+              </a:schemeClr>
+            </a:gs>
+            <a:gs pos="100000">
+              <a:schemeClr val="bg2">
+                <a:shade val="98000"/>
+                <a:satMod val="120000"/>
+                <a:lumMod val="98000"/>
+              </a:schemeClr>
+            </a:gs>
+          </a:gsLst>
+          <a:path path="circle">
+            <a:fillToRect l="50000" t="50000" r="100000" b="100000"/>
+          </a:path>
+        </a:gradFill>
+        <a:effectLst/>
+      </p:bgPr>
+    </p:bg>
+    <p:spTree>
+      <p:nvGrpSpPr>
+        <p:cNvPr id="1" name=""/>
+        <p:cNvGrpSpPr/>
+        <p:nvPr/>
+      </p:nvGrpSpPr>
+      <p:grpSpPr>
+        <a:xfrm>
+          <a:off x="0" y="0"/>
+          <a:ext cx="0" cy="0"/>
+          <a:chOff x="0" y="0"/>
+          <a:chExt cx="0" cy="0"/>
+        </a:xfrm>
+      </p:grpSpPr>
+      <p:sp useBgFill="1">
+        <p:nvSpPr>
+          <p:cNvPr id="9" name="Rectangle 8">
+            <a:extLst>
+              <a:ext uri="{FF2B5EF4-FFF2-40B4-BE49-F238E27FC236}">
+                <a16:creationId xmlns:a16="http://schemas.microsoft.com/office/drawing/2014/main" id="{1EDD21E1-BAF0-4314-AB31-82ECB8AC9EA9}"/>
+              </a:ext>
+              <a:ext uri="{C183D7F6-B498-43B3-948B-1728B52AA6E4}">
+                <adec:decorative xmlns:adec="http://schemas.microsoft.com/office/drawing/2017/decorative" val="1"/>
+              </a:ext>
+            </a:extLst>
+          </p:cNvPr>
+          <p:cNvSpPr>
+            <a:spLocks noGrp="1" noRot="1" noChangeAspect="1" noMove="1" noResize="1" noEditPoints="1" noAdjustHandles="1" noChangeArrowheads="1" noChangeShapeType="1" noTextEdit="1"/>
+          </p:cNvSpPr>
+          <p:nvPr>
+            <p:extLst>
+              <p:ext uri="{386F3935-93C4-4BCD-93E2-E3B085C9AB24}">
+                <p16:designElem xmlns:p16="http://schemas.microsoft.com/office/powerpoint/2015/main" val="1"/>
+              </p:ext>
+            </p:extLst>
+          </p:nvPr>
+        </p:nvSpPr>
+        <p:spPr>
+          <a:xfrm>
+            <a:off x="0" y="-786"/>
+            <a:ext cx="12192000" cy="6854038"/>
+          </a:xfrm>
+          <a:prstGeom prst="rect">
+            <a:avLst/>
+          </a:prstGeom>
+          <a:ln>
+            <a:noFill/>
+          </a:ln>
+        </p:spPr>
+        <p:style>
+          <a:lnRef idx="2">
+            <a:schemeClr val="accent1">
+              <a:shade val="50000"/>
+            </a:schemeClr>
+          </a:lnRef>
+          <a:fillRef idx="1">
+            <a:schemeClr val="accent1"/>
+          </a:fillRef>
+          <a:effectRef idx="0">
+            <a:schemeClr val="accent1"/>
+          </a:effectRef>
+          <a:fontRef idx="minor">
+            <a:schemeClr val="lt1"/>
+          </a:fontRef>
+        </p:style>
+        <p:txBody>
+          <a:bodyPr rtlCol="0" anchor="ctr"/>
+          <a:lstStyle/>
+          <a:p>
+            <a:pPr algn="ctr"/>
+            <a:endParaRPr lang="en-US"/>
+          </a:p>
+        </p:txBody>
+      </p:sp>
+      <p:sp>
+        <p:nvSpPr>
+          <p:cNvPr id="2" name="Titel 1">
+            <a:extLst>
+              <a:ext uri="{FF2B5EF4-FFF2-40B4-BE49-F238E27FC236}">
+                <a16:creationId xmlns:a16="http://schemas.microsoft.com/office/drawing/2014/main" id="{D3EA5948-582F-4BE1-90F9-606B16724F18}"/>
+              </a:ext>
+            </a:extLst>
+          </p:cNvPr>
+          <p:cNvSpPr>
+            <a:spLocks noGrp="1"/>
+          </p:cNvSpPr>
+          <p:nvPr>
+            <p:ph type="title"/>
+          </p:nvPr>
+        </p:nvSpPr>
+        <p:spPr>
+          <a:xfrm>
+            <a:off x="649224" y="645106"/>
+            <a:ext cx="5122652" cy="1259894"/>
+          </a:xfrm>
+        </p:spPr>
+        <p:txBody>
+          <a:bodyPr>
+            <a:normAutofit/>
+          </a:bodyPr>
+          <a:lstStyle/>
+          <a:p>
+            <a:r>
+              <a:rPr lang="da-DK" dirty="0" err="1"/>
+              <a:t>Condition</a:t>
+            </a:r>
+            <a:r>
+              <a:rPr lang="da-DK" dirty="0"/>
+              <a:t> </a:t>
+            </a:r>
+            <a:r>
+              <a:rPr lang="da-DK" dirty="0" err="1"/>
+              <a:t>Coverage</a:t>
+            </a:r>
+            <a:endParaRPr lang="en-US" dirty="0"/>
+          </a:p>
+        </p:txBody>
+      </p:sp>
+      <p:sp>
+        <p:nvSpPr>
+          <p:cNvPr id="11" name="Rectangle 10">
+            <a:extLst>
+              <a:ext uri="{FF2B5EF4-FFF2-40B4-BE49-F238E27FC236}">
+                <a16:creationId xmlns:a16="http://schemas.microsoft.com/office/drawing/2014/main" id="{FDC8619C-F25D-468E-95FA-2A2151D7DDD2}"/>
+              </a:ext>
+              <a:ext uri="{C183D7F6-B498-43B3-948B-1728B52AA6E4}">
+                <adec:decorative xmlns:adec="http://schemas.microsoft.com/office/drawing/2017/decorative" val="1"/>
+              </a:ext>
+            </a:extLst>
+          </p:cNvPr>
+          <p:cNvSpPr>
+            <a:spLocks noGrp="1" noRot="1" noChangeAspect="1" noMove="1" noResize="1" noEditPoints="1" noAdjustHandles="1" noChangeArrowheads="1" noChangeShapeType="1" noTextEdit="1"/>
+          </p:cNvSpPr>
+          <p:nvPr>
+            <p:extLst>
+              <p:ext uri="{386F3935-93C4-4BCD-93E2-E3B085C9AB24}">
+                <p16:designElem xmlns:p16="http://schemas.microsoft.com/office/powerpoint/2015/main" val="1"/>
+              </p:ext>
+            </p:extLst>
+          </p:nvPr>
+        </p:nvSpPr>
+        <p:spPr>
+          <a:xfrm>
+            <a:off x="0" y="0"/>
+            <a:ext cx="182880" cy="6858000"/>
+          </a:xfrm>
+          <a:prstGeom prst="rect">
+            <a:avLst/>
+          </a:prstGeom>
+          <a:solidFill>
+            <a:schemeClr val="tx2"/>
+          </a:solidFill>
+          <a:ln>
+            <a:noFill/>
+          </a:ln>
+          <a:effectLst/>
+        </p:spPr>
+        <p:style>
+          <a:lnRef idx="1">
+            <a:schemeClr val="accent1"/>
+          </a:lnRef>
+          <a:fillRef idx="3">
+            <a:schemeClr val="accent1"/>
+          </a:fillRef>
+          <a:effectRef idx="2">
+            <a:schemeClr val="accent1"/>
+          </a:effectRef>
+          <a:fontRef idx="minor">
+            <a:schemeClr val="lt1"/>
+          </a:fontRef>
+        </p:style>
+      </p:sp>
+      <p:sp>
+        <p:nvSpPr>
+          <p:cNvPr id="3" name="Pladsholder til indhold 2">
+            <a:extLst>
+              <a:ext uri="{FF2B5EF4-FFF2-40B4-BE49-F238E27FC236}">
+                <a16:creationId xmlns:a16="http://schemas.microsoft.com/office/drawing/2014/main" id="{7DED3718-DC6A-46AA-8494-DD2B16AF8EB3}"/>
+              </a:ext>
+            </a:extLst>
+          </p:cNvPr>
+          <p:cNvSpPr>
+            <a:spLocks noGrp="1"/>
+          </p:cNvSpPr>
+          <p:nvPr>
+            <p:ph idx="1"/>
+          </p:nvPr>
+        </p:nvSpPr>
+        <p:spPr>
+          <a:xfrm>
+            <a:off x="649225" y="2133600"/>
+            <a:ext cx="5122652" cy="3759253"/>
+          </a:xfrm>
+        </p:spPr>
+        <p:txBody>
+          <a:bodyPr>
+            <a:normAutofit/>
+          </a:bodyPr>
+          <a:lstStyle/>
+          <a:p>
+            <a:r>
+              <a:rPr lang="da-DK" dirty="0"/>
+              <a:t>Test alle </a:t>
+            </a:r>
+            <a:r>
+              <a:rPr lang="da-DK" dirty="0" err="1"/>
+              <a:t>boolske</a:t>
+            </a:r>
+            <a:r>
+              <a:rPr lang="da-DK" dirty="0"/>
+              <a:t> betingelser.</a:t>
+            </a:r>
+            <a:endParaRPr lang="en-US" dirty="0"/>
+          </a:p>
+        </p:txBody>
+      </p:sp>
+      <p:pic>
+        <p:nvPicPr>
+          <p:cNvPr id="4" name="Billede 3">
+            <a:extLst>
+              <a:ext uri="{FF2B5EF4-FFF2-40B4-BE49-F238E27FC236}">
+                <a16:creationId xmlns:a16="http://schemas.microsoft.com/office/drawing/2014/main" id="{B51D8CC6-4F3B-4FC9-BF1D-F14CC57299DB}"/>
+              </a:ext>
+            </a:extLst>
+          </p:cNvPr>
+          <p:cNvPicPr>
+            <a:picLocks noChangeAspect="1"/>
+          </p:cNvPicPr>
+          <p:nvPr/>
+        </p:nvPicPr>
+        <p:blipFill>
+          <a:blip r:embed="rId2"/>
+          <a:stretch>
+            <a:fillRect/>
+          </a:stretch>
+        </p:blipFill>
+        <p:spPr>
+          <a:xfrm>
+            <a:off x="6091916" y="1854642"/>
+            <a:ext cx="5451627" cy="2828674"/>
+          </a:xfrm>
+          <a:prstGeom prst="rect">
+            <a:avLst/>
+          </a:prstGeom>
+        </p:spPr>
+      </p:pic>
+      <p:sp>
+        <p:nvSpPr>
+          <p:cNvPr id="13" name="Freeform 12">
+            <a:extLst>
+              <a:ext uri="{FF2B5EF4-FFF2-40B4-BE49-F238E27FC236}">
+                <a16:creationId xmlns:a16="http://schemas.microsoft.com/office/drawing/2014/main" id="{7D9439D6-DEAD-4CEB-A61B-BE3D64D1B598}"/>
+              </a:ext>
+              <a:ext uri="{C183D7F6-B498-43B3-948B-1728B52AA6E4}">
+                <adec:decorative xmlns:adec="http://schemas.microsoft.com/office/drawing/2017/decorative" val="1"/>
+              </a:ext>
+            </a:extLst>
+          </p:cNvPr>
+          <p:cNvSpPr>
+            <a:spLocks noGrp="1" noRot="1" noChangeAspect="1" noMove="1" noResize="1" noEditPoints="1" noAdjustHandles="1" noChangeArrowheads="1" noChangeShapeType="1" noTextEdit="1"/>
+          </p:cNvSpPr>
+          <p:nvPr>
+            <p:extLst>
+              <p:ext uri="{386F3935-93C4-4BCD-93E2-E3B085C9AB24}">
+                <p16:designElem xmlns:p16="http://schemas.microsoft.com/office/powerpoint/2015/main" val="1"/>
+              </p:ext>
+            </p:extLst>
+          </p:nvPr>
+        </p:nvSpPr>
+        <p:spPr>
+          <a:xfrm>
+            <a:off x="-1" y="6061223"/>
+            <a:ext cx="1038036" cy="506277"/>
+          </a:xfrm>
+          <a:custGeom>
+            <a:avLst/>
+            <a:gdLst>
+              <a:gd name="connsiteX0" fmla="*/ 0 w 1038036"/>
+              <a:gd name="connsiteY0" fmla="*/ 0 h 506277"/>
+              <a:gd name="connsiteX1" fmla="*/ 182880 w 1038036"/>
+              <a:gd name="connsiteY1" fmla="*/ 0 h 506277"/>
+              <a:gd name="connsiteX2" fmla="*/ 291705 w 1038036"/>
+              <a:gd name="connsiteY2" fmla="*/ 0 h 506277"/>
+              <a:gd name="connsiteX3" fmla="*/ 291705 w 1038036"/>
+              <a:gd name="connsiteY3" fmla="*/ 151 h 506277"/>
+              <a:gd name="connsiteX4" fmla="*/ 692049 w 1038036"/>
+              <a:gd name="connsiteY4" fmla="*/ 705 h 506277"/>
+              <a:gd name="connsiteX5" fmla="*/ 782744 w 1038036"/>
+              <a:gd name="connsiteY5" fmla="*/ 705 h 506277"/>
+              <a:gd name="connsiteX6" fmla="*/ 797001 w 1038036"/>
+              <a:gd name="connsiteY6" fmla="*/ 5473 h 506277"/>
+              <a:gd name="connsiteX7" fmla="*/ 801982 w 1038036"/>
+              <a:gd name="connsiteY7" fmla="*/ 10242 h 506277"/>
+              <a:gd name="connsiteX8" fmla="*/ 1030951 w 1038036"/>
+              <a:gd name="connsiteY8" fmla="*/ 239185 h 506277"/>
+              <a:gd name="connsiteX9" fmla="*/ 1030951 w 1038036"/>
+              <a:gd name="connsiteY9" fmla="*/ 267797 h 506277"/>
+              <a:gd name="connsiteX10" fmla="*/ 801982 w 1038036"/>
+              <a:gd name="connsiteY10" fmla="*/ 496740 h 506277"/>
+              <a:gd name="connsiteX11" fmla="*/ 797001 w 1038036"/>
+              <a:gd name="connsiteY11" fmla="*/ 501508 h 506277"/>
+              <a:gd name="connsiteX12" fmla="*/ 782744 w 1038036"/>
+              <a:gd name="connsiteY12" fmla="*/ 506277 h 506277"/>
+              <a:gd name="connsiteX13" fmla="*/ 692049 w 1038036"/>
+              <a:gd name="connsiteY13" fmla="*/ 506277 h 506277"/>
+              <a:gd name="connsiteX14" fmla="*/ 291705 w 1038036"/>
+              <a:gd name="connsiteY14" fmla="*/ 505140 h 506277"/>
+              <a:gd name="connsiteX15" fmla="*/ 291705 w 1038036"/>
+              <a:gd name="connsiteY15" fmla="*/ 506277 h 506277"/>
+              <a:gd name="connsiteX16" fmla="*/ 0 w 1038036"/>
+              <a:gd name="connsiteY16" fmla="*/ 506277 h 506277"/>
+            </a:gdLst>
+            <a:ahLst/>
+            <a:cxnLst>
+              <a:cxn ang="0">
+                <a:pos x="connsiteX0" y="connsiteY0"/>
+              </a:cxn>
+              <a:cxn ang="0">
+                <a:pos x="connsiteX1" y="connsiteY1"/>
+              </a:cxn>
+              <a:cxn ang="0">
+                <a:pos x="connsiteX2" y="connsiteY2"/>
+              </a:cxn>
+              <a:cxn ang="0">
+                <a:pos x="connsiteX3" y="connsiteY3"/>
+              </a:cxn>
+              <a:cxn ang="0">
+                <a:pos x="connsiteX4" y="connsiteY4"/>
+              </a:cxn>
+              <a:cxn ang="0">
+                <a:pos x="connsiteX5" y="connsiteY5"/>
+              </a:cxn>
+              <a:cxn ang="0">
+                <a:pos x="connsiteX6" y="connsiteY6"/>
+              </a:cxn>
+              <a:cxn ang="0">
+                <a:pos x="connsiteX7" y="connsiteY7"/>
+              </a:cxn>
+              <a:cxn ang="0">
+                <a:pos x="connsiteX8" y="connsiteY8"/>
+              </a:cxn>
+              <a:cxn ang="0">
+                <a:pos x="connsiteX9" y="connsiteY9"/>
+              </a:cxn>
+              <a:cxn ang="0">
+                <a:pos x="connsiteX10" y="connsiteY10"/>
+              </a:cxn>
+              <a:cxn ang="0">
+                <a:pos x="connsiteX11" y="connsiteY11"/>
+              </a:cxn>
+              <a:cxn ang="0">
+                <a:pos x="connsiteX12" y="connsiteY12"/>
+              </a:cxn>
+              <a:cxn ang="0">
+                <a:pos x="connsiteX13" y="connsiteY13"/>
+              </a:cxn>
+              <a:cxn ang="0">
+                <a:pos x="connsiteX14" y="connsiteY14"/>
+              </a:cxn>
+              <a:cxn ang="0">
+                <a:pos x="connsiteX15" y="connsiteY15"/>
+              </a:cxn>
+              <a:cxn ang="0">
+                <a:pos x="connsiteX16" y="connsiteY16"/>
+              </a:cxn>
+            </a:cxnLst>
+            <a:rect l="l" t="t" r="r" b="b"/>
+            <a:pathLst>
+              <a:path w="1038036" h="506277">
+                <a:moveTo>
+                  <a:pt x="0" y="0"/>
+                </a:moveTo>
+                <a:lnTo>
+                  <a:pt x="182880" y="0"/>
+                </a:lnTo>
+                <a:lnTo>
+                  <a:pt x="291705" y="0"/>
+                </a:lnTo>
+                <a:lnTo>
+                  <a:pt x="291705" y="151"/>
+                </a:lnTo>
+                <a:lnTo>
+                  <a:pt x="692049" y="705"/>
+                </a:lnTo>
+                <a:lnTo>
+                  <a:pt x="782744" y="705"/>
+                </a:lnTo>
+                <a:cubicBezTo>
+                  <a:pt x="787553" y="705"/>
+                  <a:pt x="792363" y="5473"/>
+                  <a:pt x="797001" y="5473"/>
+                </a:cubicBezTo>
+                <a:cubicBezTo>
+                  <a:pt x="797001" y="10242"/>
+                  <a:pt x="801982" y="10242"/>
+                  <a:pt x="801982" y="10242"/>
+                </a:cubicBezTo>
+                <a:lnTo>
+                  <a:pt x="1030951" y="239185"/>
+                </a:lnTo>
+                <a:cubicBezTo>
+                  <a:pt x="1040398" y="248722"/>
+                  <a:pt x="1040398" y="258259"/>
+                  <a:pt x="1030951" y="267797"/>
+                </a:cubicBezTo>
+                <a:lnTo>
+                  <a:pt x="801982" y="496740"/>
+                </a:lnTo>
+                <a:cubicBezTo>
+                  <a:pt x="800436" y="498363"/>
+                  <a:pt x="798547" y="499885"/>
+                  <a:pt x="797001" y="501508"/>
+                </a:cubicBezTo>
+                <a:cubicBezTo>
+                  <a:pt x="792363" y="506277"/>
+                  <a:pt x="787553" y="506277"/>
+                  <a:pt x="782744" y="506277"/>
+                </a:cubicBezTo>
+                <a:lnTo>
+                  <a:pt x="692049" y="506277"/>
+                </a:lnTo>
+                <a:lnTo>
+                  <a:pt x="291705" y="505140"/>
+                </a:lnTo>
+                <a:lnTo>
+                  <a:pt x="291705" y="506277"/>
+                </a:lnTo>
+                <a:lnTo>
+                  <a:pt x="0" y="506277"/>
+                </a:lnTo>
+                <a:close/>
+              </a:path>
+            </a:pathLst>
+          </a:custGeom>
+          <a:ln>
+            <a:noFill/>
+          </a:ln>
+        </p:spPr>
+        <p:style>
+          <a:lnRef idx="2">
+            <a:schemeClr val="accent1">
+              <a:shade val="50000"/>
+            </a:schemeClr>
+          </a:lnRef>
+          <a:fillRef idx="1">
+            <a:schemeClr val="accent1"/>
+          </a:fillRef>
+          <a:effectRef idx="0">
+            <a:schemeClr val="accent1"/>
+          </a:effectRef>
+          <a:fontRef idx="minor">
+            <a:schemeClr val="lt1"/>
+          </a:fontRef>
+        </p:style>
+        <p:txBody>
+          <a:bodyPr rtlCol="0" anchor="ctr"/>
+          <a:lstStyle/>
+          <a:p>
+            <a:pPr algn="ctr"/>
+            <a:endParaRPr lang="en-US"/>
+          </a:p>
+        </p:txBody>
+      </p:sp>
+    </p:spTree>
+    <p:extLst>
+      <p:ext uri="{BB962C8B-B14F-4D97-AF65-F5344CB8AC3E}">
+        <p14:creationId xmlns:p14="http://schemas.microsoft.com/office/powerpoint/2010/main" val="2100828477"/>
       </p:ext>
     </p:extLst>
   </p:cSld>

--- a/test og kvalitetssikring/TestOgKvalitetssikringEksamen.pptx
+++ b/test og kvalitetssikring/TestOgKvalitetssikringEksamen.pptx
@@ -9,13 +9,14 @@
     <p:sldId id="257" r:id="rId3"/>
     <p:sldId id="260" r:id="rId4"/>
     <p:sldId id="261" r:id="rId5"/>
-    <p:sldId id="259" r:id="rId6"/>
-    <p:sldId id="263" r:id="rId7"/>
-    <p:sldId id="264" r:id="rId8"/>
-    <p:sldId id="265" r:id="rId9"/>
-    <p:sldId id="266" r:id="rId10"/>
-    <p:sldId id="262" r:id="rId11"/>
-    <p:sldId id="258" r:id="rId12"/>
+    <p:sldId id="267" r:id="rId6"/>
+    <p:sldId id="259" r:id="rId7"/>
+    <p:sldId id="263" r:id="rId8"/>
+    <p:sldId id="264" r:id="rId9"/>
+    <p:sldId id="265" r:id="rId10"/>
+    <p:sldId id="266" r:id="rId11"/>
+    <p:sldId id="262" r:id="rId12"/>
+    <p:sldId id="258" r:id="rId13"/>
   </p:sldIdLst>
   <p:sldSz cx="12192000" cy="6858000"/>
   <p:notesSz cx="6858000" cy="9144000"/>
@@ -124,7 +125,7 @@
 
 <file path=ppt/commentAuthors.xml><?xml version="1.0" encoding="utf-8"?>
 <p:cmAuthorLst xmlns:a="http://schemas.openxmlformats.org/drawingml/2006/main" xmlns:r="http://schemas.openxmlformats.org/officeDocument/2006/relationships" xmlns:p="http://schemas.openxmlformats.org/presentationml/2006/main">
-  <p:cmAuthor id="1" name="Andreas Jensen" initials="AJ" lastIdx="2" clrIdx="0">
+  <p:cmAuthor id="1" name="Andreas Jensen" initials="AJ" lastIdx="9" clrIdx="0">
     <p:extLst>
       <p:ext uri="{19B8F6BF-5375-455C-9EA6-DF929625EA0E}">
         <p15:presenceInfo xmlns:p15="http://schemas.microsoft.com/office/powerpoint/2012/main" userId="b543055a4e8f164e" providerId="Windows Live"/>
@@ -149,6 +150,77 @@
 </file>
 
 <file path=ppt/comments/comment2.xml><?xml version="1.0" encoding="utf-8"?>
+<p:cmLst xmlns:a="http://schemas.openxmlformats.org/drawingml/2006/main" xmlns:r="http://schemas.openxmlformats.org/officeDocument/2006/relationships" xmlns:p="http://schemas.openxmlformats.org/presentationml/2006/main">
+  <p:cm authorId="1" dt="2018-12-19T15:24:14.383" idx="3">
+    <p:pos x="1241" y="495"/>
+    <p:text>UnitTest: Tester små afkoblede enheder, og deres funktionalitet.</p:text>
+    <p:extLst>
+      <p:ext uri="{C676402C-5697-4E1C-873F-D02D1690AC5C}">
+        <p15:threadingInfo xmlns:p15="http://schemas.microsoft.com/office/powerpoint/2012/main" timeZoneBias="-60"/>
+      </p:ext>
+    </p:extLst>
+  </p:cm>
+  <p:cm authorId="1" dt="2018-12-19T15:24:46.612" idx="4">
+    <p:pos x="1283" y="1174"/>
+    <p:text>Integrations Test: Tester nye tilføjesler til et system. Nye metoder, klasser og andre teknologier FOR AT SIKRE AT DE INTEGRERES OG VIRKER.
+-Incremental integrationstest gør det samme men i små bidder</p:text>
+    <p:extLst mod="1">
+      <p:ext uri="{C676402C-5697-4E1C-873F-D02D1690AC5C}">
+        <p15:threadingInfo xmlns:p15="http://schemas.microsoft.com/office/powerpoint/2012/main" timeZoneBias="-60"/>
+      </p:ext>
+    </p:extLst>
+  </p:cm>
+  <p:cm authorId="1" dt="2018-12-19T15:28:47.717" idx="5">
+    <p:pos x="1532" y="1568"/>
+    <p:text>Functional tests - ignorere koden og udelukkende sammenlign hvordan systemet FUNGERE  vs. forventninger
+Tester evt. isolerede funktionaliteter</p:text>
+    <p:extLst mod="1">
+      <p:ext uri="{C676402C-5697-4E1C-873F-D02D1690AC5C}">
+        <p15:threadingInfo xmlns:p15="http://schemas.microsoft.com/office/powerpoint/2012/main" timeZoneBias="-60"/>
+      </p:ext>
+    </p:extLst>
+  </p:cm>
+  <p:cm authorId="1" dt="2018-12-19T15:30:33.148" idx="6">
+    <p:pos x="1411" y="2084"/>
+    <p:text>System test: tester hele systemets omfang og alle facetter. Ikke nok med at teste isolerede funktionaliteter</p:text>
+    <p:extLst>
+      <p:ext uri="{C676402C-5697-4E1C-873F-D02D1690AC5C}">
+        <p15:threadingInfo xmlns:p15="http://schemas.microsoft.com/office/powerpoint/2012/main" timeZoneBias="-60"/>
+      </p:ext>
+    </p:extLst>
+  </p:cm>
+  <p:cm authorId="1" dt="2018-12-19T15:32:08.205" idx="7">
+    <p:pos x="1354" y="2801"/>
+    <p:text>Acceptance test: Kunden tester og godkender at systemet lever op til forventningerne</p:text>
+    <p:extLst>
+      <p:ext uri="{C676402C-5697-4E1C-873F-D02D1690AC5C}">
+        <p15:threadingInfo xmlns:p15="http://schemas.microsoft.com/office/powerpoint/2012/main" timeZoneBias="-60"/>
+      </p:ext>
+    </p:extLst>
+  </p:cm>
+  <p:cm authorId="1" dt="2018-12-19T15:33:56.774" idx="8">
+    <p:pos x="1374" y="3223"/>
+    <p:text>Beta: her får slutbrugerne ofte lov at teste systemet</p:text>
+    <p:extLst>
+      <p:ext uri="{C676402C-5697-4E1C-873F-D02D1690AC5C}">
+        <p15:threadingInfo xmlns:p15="http://schemas.microsoft.com/office/powerpoint/2012/main" timeZoneBias="-60"/>
+      </p:ext>
+    </p:extLst>
+  </p:cm>
+  <p:cm authorId="1" dt="2018-12-19T15:34:48.132" idx="9">
+    <p:pos x="1514" y="3818"/>
+    <p:text>Regression test: Ved nye tilføjelser / ændringer testes systemet forefra. 
+Identificerer evt. ting som knækker</p:text>
+    <p:extLst mod="1">
+      <p:ext uri="{C676402C-5697-4E1C-873F-D02D1690AC5C}">
+        <p15:threadingInfo xmlns:p15="http://schemas.microsoft.com/office/powerpoint/2012/main" timeZoneBias="-60"/>
+      </p:ext>
+    </p:extLst>
+  </p:cm>
+</p:cmLst>
+</file>
+
+<file path=ppt/comments/comment3.xml><?xml version="1.0" encoding="utf-8"?>
 <p:cmLst xmlns:a="http://schemas.openxmlformats.org/drawingml/2006/main" xmlns:r="http://schemas.openxmlformats.org/officeDocument/2006/relationships" xmlns:p="http://schemas.openxmlformats.org/presentationml/2006/main">
   <p:cm authorId="1" dt="2018-12-16T18:02:51.388" idx="1">
     <p:pos x="6613" y="471"/>
@@ -351,7 +423,7 @@
           <a:p>
             <a:fld id="{EA5EB97E-391D-4361-820D-1E7263F097D4}" type="datetimeFigureOut">
               <a:rPr lang="en-US" smtClean="0"/>
-              <a:t>12/17/2018</a:t>
+              <a:t>12/19/2018</a:t>
             </a:fld>
             <a:endParaRPr lang="en-US"/>
           </a:p>
@@ -689,7 +761,7 @@
           <a:p>
             <a:fld id="{EA5EB97E-391D-4361-820D-1E7263F097D4}" type="datetimeFigureOut">
               <a:rPr lang="en-US" smtClean="0"/>
-              <a:t>12/17/2018</a:t>
+              <a:t>12/19/2018</a:t>
             </a:fld>
             <a:endParaRPr lang="en-US"/>
           </a:p>
@@ -1090,7 +1162,7 @@
           <a:p>
             <a:fld id="{EA5EB97E-391D-4361-820D-1E7263F097D4}" type="datetimeFigureOut">
               <a:rPr lang="en-US" smtClean="0"/>
-              <a:t>12/17/2018</a:t>
+              <a:t>12/19/2018</a:t>
             </a:fld>
             <a:endParaRPr lang="en-US"/>
           </a:p>
@@ -1426,7 +1498,7 @@
           <a:p>
             <a:fld id="{EA5EB97E-391D-4361-820D-1E7263F097D4}" type="datetimeFigureOut">
               <a:rPr lang="en-US" smtClean="0"/>
-              <a:t>12/17/2018</a:t>
+              <a:t>12/19/2018</a:t>
             </a:fld>
             <a:endParaRPr lang="en-US"/>
           </a:p>
@@ -1746,7 +1818,7 @@
           <a:p>
             <a:fld id="{EA5EB97E-391D-4361-820D-1E7263F097D4}" type="datetimeFigureOut">
               <a:rPr lang="en-US" smtClean="0"/>
-              <a:t>12/17/2018</a:t>
+              <a:t>12/19/2018</a:t>
             </a:fld>
             <a:endParaRPr lang="en-US"/>
           </a:p>
@@ -2142,7 +2214,7 @@
           <a:p>
             <a:fld id="{EA5EB97E-391D-4361-820D-1E7263F097D4}" type="datetimeFigureOut">
               <a:rPr lang="en-US" smtClean="0"/>
-              <a:t>12/17/2018</a:t>
+              <a:t>12/19/2018</a:t>
             </a:fld>
             <a:endParaRPr lang="en-US"/>
           </a:p>
@@ -2399,7 +2471,7 @@
           <a:p>
             <a:fld id="{EA5EB97E-391D-4361-820D-1E7263F097D4}" type="datetimeFigureOut">
               <a:rPr lang="en-US" smtClean="0"/>
-              <a:t>12/17/2018</a:t>
+              <a:t>12/19/2018</a:t>
             </a:fld>
             <a:endParaRPr lang="en-US"/>
           </a:p>
@@ -2661,7 +2733,7 @@
           <a:p>
             <a:fld id="{EA5EB97E-391D-4361-820D-1E7263F097D4}" type="datetimeFigureOut">
               <a:rPr lang="en-US" smtClean="0"/>
-              <a:t>12/17/2018</a:t>
+              <a:t>12/19/2018</a:t>
             </a:fld>
             <a:endParaRPr lang="en-US"/>
           </a:p>
@@ -2923,7 +2995,7 @@
           <a:p>
             <a:fld id="{EA5EB97E-391D-4361-820D-1E7263F097D4}" type="datetimeFigureOut">
               <a:rPr lang="en-US" smtClean="0"/>
-              <a:t>12/17/2018</a:t>
+              <a:t>12/19/2018</a:t>
             </a:fld>
             <a:endParaRPr lang="en-US"/>
           </a:p>
@@ -3252,7 +3324,7 @@
           <a:p>
             <a:fld id="{EA5EB97E-391D-4361-820D-1E7263F097D4}" type="datetimeFigureOut">
               <a:rPr lang="en-US" smtClean="0"/>
-              <a:t>12/17/2018</a:t>
+              <a:t>12/19/2018</a:t>
             </a:fld>
             <a:endParaRPr lang="en-US"/>
           </a:p>
@@ -3575,7 +3647,7 @@
           <a:p>
             <a:fld id="{EA5EB97E-391D-4361-820D-1E7263F097D4}" type="datetimeFigureOut">
               <a:rPr lang="en-US" smtClean="0"/>
-              <a:t>12/17/2018</a:t>
+              <a:t>12/19/2018</a:t>
             </a:fld>
             <a:endParaRPr lang="en-US"/>
           </a:p>
@@ -4032,7 +4104,7 @@
           <a:p>
             <a:fld id="{EA5EB97E-391D-4361-820D-1E7263F097D4}" type="datetimeFigureOut">
               <a:rPr lang="en-US" smtClean="0"/>
-              <a:t>12/17/2018</a:t>
+              <a:t>12/19/2018</a:t>
             </a:fld>
             <a:endParaRPr lang="en-US"/>
           </a:p>
@@ -4237,7 +4309,7 @@
           <a:p>
             <a:fld id="{EA5EB97E-391D-4361-820D-1E7263F097D4}" type="datetimeFigureOut">
               <a:rPr lang="en-US" smtClean="0"/>
-              <a:t>12/17/2018</a:t>
+              <a:t>12/19/2018</a:t>
             </a:fld>
             <a:endParaRPr lang="en-US"/>
           </a:p>
@@ -4414,7 +4486,7 @@
           <a:p>
             <a:fld id="{EA5EB97E-391D-4361-820D-1E7263F097D4}" type="datetimeFigureOut">
               <a:rPr lang="en-US" smtClean="0"/>
-              <a:t>12/17/2018</a:t>
+              <a:t>12/19/2018</a:t>
             </a:fld>
             <a:endParaRPr lang="en-US"/>
           </a:p>
@@ -4747,7 +4819,7 @@
           <a:p>
             <a:fld id="{EA5EB97E-391D-4361-820D-1E7263F097D4}" type="datetimeFigureOut">
               <a:rPr lang="en-US" smtClean="0"/>
-              <a:t>12/17/2018</a:t>
+              <a:t>12/19/2018</a:t>
             </a:fld>
             <a:endParaRPr lang="en-US"/>
           </a:p>
@@ -5092,7 +5164,7 @@
           <a:p>
             <a:fld id="{EA5EB97E-391D-4361-820D-1E7263F097D4}" type="datetimeFigureOut">
               <a:rPr lang="en-US" smtClean="0"/>
-              <a:t>12/17/2018</a:t>
+              <a:t>12/19/2018</a:t>
             </a:fld>
             <a:endParaRPr lang="en-US"/>
           </a:p>
@@ -7209,7 +7281,7 @@
           <a:p>
             <a:fld id="{EA5EB97E-391D-4361-820D-1E7263F097D4}" type="datetimeFigureOut">
               <a:rPr lang="en-US" smtClean="0"/>
-              <a:t>12/17/2018</a:t>
+              <a:t>12/19/2018</a:t>
             </a:fld>
             <a:endParaRPr lang="en-US"/>
           </a:p>
@@ -7881,9 +7953,175 @@
           <a:chExt cx="0" cy="0"/>
         </a:xfrm>
       </p:grpSpPr>
+      <p:sp>
+        <p:nvSpPr>
+          <p:cNvPr id="2" name="Titel 1">
+            <a:extLst>
+              <a:ext uri="{FF2B5EF4-FFF2-40B4-BE49-F238E27FC236}">
+                <a16:creationId xmlns:a16="http://schemas.microsoft.com/office/drawing/2014/main" id="{D3EA5948-582F-4BE1-90F9-606B16724F18}"/>
+              </a:ext>
+            </a:extLst>
+          </p:cNvPr>
+          <p:cNvSpPr>
+            <a:spLocks noGrp="1"/>
+          </p:cNvSpPr>
+          <p:nvPr>
+            <p:ph type="title"/>
+          </p:nvPr>
+        </p:nvSpPr>
+        <p:spPr>
+          <a:xfrm>
+            <a:off x="1687669" y="624110"/>
+            <a:ext cx="4137059" cy="1280890"/>
+          </a:xfrm>
+        </p:spPr>
+        <p:txBody>
+          <a:bodyPr>
+            <a:normAutofit/>
+          </a:bodyPr>
+          <a:lstStyle/>
+          <a:p>
+            <a:r>
+              <a:rPr lang="da-DK" sz="3200"/>
+              <a:t>Condition Coverage</a:t>
+            </a:r>
+            <a:endParaRPr lang="en-US" sz="3200"/>
+          </a:p>
+        </p:txBody>
+      </p:sp>
+      <p:sp>
+        <p:nvSpPr>
+          <p:cNvPr id="3" name="Pladsholder til indhold 2">
+            <a:extLst>
+              <a:ext uri="{FF2B5EF4-FFF2-40B4-BE49-F238E27FC236}">
+                <a16:creationId xmlns:a16="http://schemas.microsoft.com/office/drawing/2014/main" id="{7DED3718-DC6A-46AA-8494-DD2B16AF8EB3}"/>
+              </a:ext>
+            </a:extLst>
+          </p:cNvPr>
+          <p:cNvSpPr>
+            <a:spLocks noGrp="1"/>
+          </p:cNvSpPr>
+          <p:nvPr>
+            <p:ph idx="1"/>
+          </p:nvPr>
+        </p:nvSpPr>
+        <p:spPr>
+          <a:xfrm>
+            <a:off x="1683956" y="2133600"/>
+            <a:ext cx="4140772" cy="3777622"/>
+          </a:xfrm>
+        </p:spPr>
+        <p:txBody>
+          <a:bodyPr>
+            <a:normAutofit/>
+          </a:bodyPr>
+          <a:lstStyle/>
+          <a:p>
+            <a:r>
+              <a:rPr lang="da-DK" sz="1600">
+                <a:solidFill>
+                  <a:srgbClr val="000000"/>
+                </a:solidFill>
+              </a:rPr>
+              <a:t>Test alle boolske betingelser.</a:t>
+            </a:r>
+            <a:endParaRPr lang="en-US" sz="1600">
+              <a:solidFill>
+                <a:srgbClr val="000000"/>
+              </a:solidFill>
+            </a:endParaRPr>
+          </a:p>
+        </p:txBody>
+      </p:sp>
+      <p:pic>
+        <p:nvPicPr>
+          <p:cNvPr id="5" name="Billede 4">
+            <a:extLst>
+              <a:ext uri="{FF2B5EF4-FFF2-40B4-BE49-F238E27FC236}">
+                <a16:creationId xmlns:a16="http://schemas.microsoft.com/office/drawing/2014/main" id="{720F5E67-F3D6-4557-9EB0-232491934AF6}"/>
+              </a:ext>
+            </a:extLst>
+          </p:cNvPr>
+          <p:cNvPicPr>
+            <a:picLocks noChangeAspect="1"/>
+          </p:cNvPicPr>
+          <p:nvPr/>
+        </p:nvPicPr>
+        <p:blipFill>
+          <a:blip r:embed="rId2"/>
+          <a:stretch>
+            <a:fillRect/>
+          </a:stretch>
+        </p:blipFill>
+        <p:spPr>
+          <a:xfrm>
+            <a:off x="6091916" y="1851556"/>
+            <a:ext cx="5451627" cy="2834846"/>
+          </a:xfrm>
+          <a:prstGeom prst="rect">
+            <a:avLst/>
+          </a:prstGeom>
+        </p:spPr>
+      </p:pic>
+    </p:spTree>
+    <p:extLst>
+      <p:ext uri="{BB962C8B-B14F-4D97-AF65-F5344CB8AC3E}">
+        <p14:creationId xmlns:p14="http://schemas.microsoft.com/office/powerpoint/2010/main" val="2100828477"/>
+      </p:ext>
+    </p:extLst>
+  </p:cSld>
+  <p:clrMapOvr>
+    <a:masterClrMapping/>
+  </p:clrMapOvr>
+</p:sld>
+</file>
+
+<file path=ppt/slides/slide11.xml><?xml version="1.0" encoding="utf-8"?>
+<p:sld xmlns:a="http://schemas.openxmlformats.org/drawingml/2006/main" xmlns:r="http://schemas.openxmlformats.org/officeDocument/2006/relationships" xmlns:p="http://schemas.openxmlformats.org/presentationml/2006/main">
+  <p:cSld>
+    <p:bg>
+      <p:bgPr>
+        <a:gradFill rotWithShape="1">
+          <a:gsLst>
+            <a:gs pos="0">
+              <a:schemeClr val="bg2">
+                <a:tint val="90000"/>
+                <a:satMod val="92000"/>
+                <a:lumMod val="120000"/>
+              </a:schemeClr>
+            </a:gs>
+            <a:gs pos="100000">
+              <a:schemeClr val="bg2">
+                <a:shade val="98000"/>
+                <a:satMod val="120000"/>
+                <a:lumMod val="98000"/>
+              </a:schemeClr>
+            </a:gs>
+          </a:gsLst>
+          <a:path path="circle">
+            <a:fillToRect l="50000" t="50000" r="100000" b="100000"/>
+          </a:path>
+        </a:gradFill>
+        <a:effectLst/>
+      </p:bgPr>
+    </p:bg>
+    <p:spTree>
+      <p:nvGrpSpPr>
+        <p:cNvPr id="1" name=""/>
+        <p:cNvGrpSpPr/>
+        <p:nvPr/>
+      </p:nvGrpSpPr>
+      <p:grpSpPr>
+        <a:xfrm>
+          <a:off x="0" y="0"/>
+          <a:ext cx="0" cy="0"/>
+          <a:chOff x="0" y="0"/>
+          <a:chExt cx="0" cy="0"/>
+        </a:xfrm>
+      </p:grpSpPr>
       <p:sp useBgFill="1">
         <p:nvSpPr>
-          <p:cNvPr id="10" name="Rectangle 9">
+          <p:cNvPr id="19" name="Rectangle 18">
             <a:extLst>
               <a:ext uri="{FF2B5EF4-FFF2-40B4-BE49-F238E27FC236}">
                 <a16:creationId xmlns:a16="http://schemas.microsoft.com/office/drawing/2014/main" id="{B5898079-081F-4617-AC6B-4290266737B3}"/>
@@ -7987,7 +8225,7 @@
       </p:sp>
       <p:sp>
         <p:nvSpPr>
-          <p:cNvPr id="12" name="Rectangle 11">
+          <p:cNvPr id="21" name="Rectangle 20">
             <a:extLst>
               <a:ext uri="{FF2B5EF4-FFF2-40B4-BE49-F238E27FC236}">
                 <a16:creationId xmlns:a16="http://schemas.microsoft.com/office/drawing/2014/main" id="{BB829EC8-5B3D-469E-942E-5E6E569E5C9B}"/>
@@ -8159,10 +8397,10 @@
       </p:pic>
       <p:pic>
         <p:nvPicPr>
-          <p:cNvPr id="5" name="Billede 4">
+          <p:cNvPr id="6" name="Billede 5">
             <a:extLst>
               <a:ext uri="{FF2B5EF4-FFF2-40B4-BE49-F238E27FC236}">
-                <a16:creationId xmlns:a16="http://schemas.microsoft.com/office/drawing/2014/main" id="{F33CF022-0EB0-4BF3-9902-BD926928B33E}"/>
+                <a16:creationId xmlns:a16="http://schemas.microsoft.com/office/drawing/2014/main" id="{6799FD0A-4A71-4C2E-B303-0D1A2F9D5894}"/>
               </a:ext>
             </a:extLst>
           </p:cNvPr>
@@ -8179,8 +8417,8 @@
         </p:blipFill>
         <p:spPr>
           <a:xfrm>
-            <a:off x="6086040" y="3790322"/>
-            <a:ext cx="5451627" cy="1820737"/>
+            <a:off x="6086040" y="3787544"/>
+            <a:ext cx="5451627" cy="1826294"/>
           </a:xfrm>
           <a:prstGeom prst="rect">
             <a:avLst/>
@@ -8189,7 +8427,7 @@
       </p:pic>
       <p:sp>
         <p:nvSpPr>
-          <p:cNvPr id="14" name="Freeform 12">
+          <p:cNvPr id="23" name="Freeform 12">
             <a:extLst>
               <a:ext uri="{FF2B5EF4-FFF2-40B4-BE49-F238E27FC236}">
                 <a16:creationId xmlns:a16="http://schemas.microsoft.com/office/drawing/2014/main" id="{55D72A3F-A083-4502-838A-2C32C980026F}"/>
@@ -8417,7 +8655,7 @@
 </p:sld>
 </file>
 
-<file path=ppt/slides/slide11.xml><?xml version="1.0" encoding="utf-8"?>
+<file path=ppt/slides/slide12.xml><?xml version="1.0" encoding="utf-8"?>
 <p:sld xmlns:a="http://schemas.openxmlformats.org/drawingml/2006/main" xmlns:r="http://schemas.openxmlformats.org/officeDocument/2006/relationships" xmlns:p="http://schemas.openxmlformats.org/presentationml/2006/main">
   <p:cSld>
     <p:bg>
@@ -9062,7 +9300,7 @@
             <a:pPr lvl="1"/>
             <a:r>
               <a:rPr lang="da-DK" b="1" dirty="0"/>
-              <a:t>x / 0 =&gt; </a:t>
+              <a:t>x / 0 -&gt; </a:t>
             </a:r>
             <a:r>
               <a:rPr lang="da-DK" dirty="0"/>
@@ -10344,6 +10582,116 @@
       </p:grpSpPr>
       <p:sp>
         <p:nvSpPr>
+          <p:cNvPr id="3" name="Pladsholder til indhold 2">
+            <a:extLst>
+              <a:ext uri="{FF2B5EF4-FFF2-40B4-BE49-F238E27FC236}">
+                <a16:creationId xmlns:a16="http://schemas.microsoft.com/office/drawing/2014/main" id="{89C5B751-7440-4272-9694-A8C726AFE27D}"/>
+              </a:ext>
+            </a:extLst>
+          </p:cNvPr>
+          <p:cNvSpPr>
+            <a:spLocks noGrp="1"/>
+          </p:cNvSpPr>
+          <p:nvPr>
+            <p:ph idx="1"/>
+          </p:nvPr>
+        </p:nvSpPr>
+        <p:spPr/>
+        <p:txBody>
+          <a:bodyPr/>
+          <a:lstStyle/>
+          <a:p>
+            <a:endParaRPr lang="en-US" dirty="0"/>
+          </a:p>
+        </p:txBody>
+      </p:sp>
+      <p:pic>
+        <p:nvPicPr>
+          <p:cNvPr id="4" name="Billede 3">
+            <a:extLst>
+              <a:ext uri="{FF2B5EF4-FFF2-40B4-BE49-F238E27FC236}">
+                <a16:creationId xmlns:a16="http://schemas.microsoft.com/office/drawing/2014/main" id="{2EABB2F5-E617-4A6B-B426-627DAA46F70C}"/>
+              </a:ext>
+            </a:extLst>
+          </p:cNvPr>
+          <p:cNvPicPr>
+            <a:picLocks noChangeAspect="1"/>
+          </p:cNvPicPr>
+          <p:nvPr/>
+        </p:nvPicPr>
+        <p:blipFill>
+          <a:blip r:embed="rId2"/>
+          <a:stretch>
+            <a:fillRect/>
+          </a:stretch>
+        </p:blipFill>
+        <p:spPr>
+          <a:xfrm>
+            <a:off x="1042963" y="0"/>
+            <a:ext cx="10106073" cy="6858000"/>
+          </a:xfrm>
+          <a:prstGeom prst="rect">
+            <a:avLst/>
+          </a:prstGeom>
+        </p:spPr>
+      </p:pic>
+      <p:sp>
+        <p:nvSpPr>
+          <p:cNvPr id="6" name="Titel 5">
+            <a:extLst>
+              <a:ext uri="{FF2B5EF4-FFF2-40B4-BE49-F238E27FC236}">
+                <a16:creationId xmlns:a16="http://schemas.microsoft.com/office/drawing/2014/main" id="{A6931266-F8BB-4403-9616-743B57B1802C}"/>
+              </a:ext>
+            </a:extLst>
+          </p:cNvPr>
+          <p:cNvSpPr>
+            <a:spLocks noGrp="1"/>
+          </p:cNvSpPr>
+          <p:nvPr>
+            <p:ph type="title"/>
+          </p:nvPr>
+        </p:nvSpPr>
+        <p:spPr/>
+        <p:txBody>
+          <a:bodyPr/>
+          <a:lstStyle/>
+          <a:p>
+            <a:endParaRPr lang="en-US" dirty="0"/>
+          </a:p>
+        </p:txBody>
+      </p:sp>
+    </p:spTree>
+    <p:extLst>
+      <p:ext uri="{BB962C8B-B14F-4D97-AF65-F5344CB8AC3E}">
+        <p14:creationId xmlns:p14="http://schemas.microsoft.com/office/powerpoint/2010/main" val="1823587871"/>
+      </p:ext>
+    </p:extLst>
+  </p:cSld>
+  <p:clrMapOvr>
+    <a:masterClrMapping/>
+  </p:clrMapOvr>
+</p:sld>
+</file>
+
+<file path=ppt/slides/slide6.xml><?xml version="1.0" encoding="utf-8"?>
+<p:sld xmlns:a="http://schemas.openxmlformats.org/drawingml/2006/main" xmlns:r="http://schemas.openxmlformats.org/officeDocument/2006/relationships" xmlns:p="http://schemas.openxmlformats.org/presentationml/2006/main">
+  <p:cSld>
+    <p:spTree>
+      <p:nvGrpSpPr>
+        <p:cNvPr id="1" name=""/>
+        <p:cNvGrpSpPr/>
+        <p:nvPr/>
+      </p:nvGrpSpPr>
+      <p:grpSpPr>
+        <a:xfrm>
+          <a:off x="0" y="0"/>
+          <a:ext cx="0" cy="0"/>
+          <a:chOff x="0" y="0"/>
+          <a:chExt cx="0" cy="0"/>
+        </a:xfrm>
+      </p:grpSpPr>
+      <p:sp>
+        <p:nvSpPr>
           <p:cNvPr id="2" name="Titel 1">
             <a:extLst>
               <a:ext uri="{FF2B5EF4-FFF2-40B4-BE49-F238E27FC236}">
@@ -10562,7 +10910,7 @@
 </p:sld>
 </file>
 
-<file path=ppt/slides/slide6.xml><?xml version="1.0" encoding="utf-8"?>
+<file path=ppt/slides/slide7.xml><?xml version="1.0" encoding="utf-8"?>
 <p:sld xmlns:a="http://schemas.openxmlformats.org/drawingml/2006/main" xmlns:r="http://schemas.openxmlformats.org/officeDocument/2006/relationships" xmlns:p="http://schemas.openxmlformats.org/presentationml/2006/main">
   <p:cSld>
     <p:bg>
@@ -11055,7 +11403,7 @@
 </p:sld>
 </file>
 
-<file path=ppt/slides/slide7.xml><?xml version="1.0" encoding="utf-8"?>
+<file path=ppt/slides/slide8.xml><?xml version="1.0" encoding="utf-8"?>
 <p:sld xmlns:a="http://schemas.openxmlformats.org/drawingml/2006/main" xmlns:r="http://schemas.openxmlformats.org/officeDocument/2006/relationships" xmlns:p="http://schemas.openxmlformats.org/presentationml/2006/main">
   <p:cSld>
     <p:bg>
@@ -11548,182 +11896,6 @@
 </p:sld>
 </file>
 
-<file path=ppt/slides/slide8.xml><?xml version="1.0" encoding="utf-8"?>
-<p:sld xmlns:a="http://schemas.openxmlformats.org/drawingml/2006/main" xmlns:r="http://schemas.openxmlformats.org/officeDocument/2006/relationships" xmlns:p="http://schemas.openxmlformats.org/presentationml/2006/main">
-  <p:cSld>
-    <p:bg>
-      <p:bgPr>
-        <a:gradFill rotWithShape="1">
-          <a:gsLst>
-            <a:gs pos="0">
-              <a:schemeClr val="bg2">
-                <a:tint val="90000"/>
-                <a:satMod val="92000"/>
-                <a:lumMod val="120000"/>
-              </a:schemeClr>
-            </a:gs>
-            <a:gs pos="100000">
-              <a:schemeClr val="bg2">
-                <a:shade val="98000"/>
-                <a:satMod val="120000"/>
-                <a:lumMod val="98000"/>
-              </a:schemeClr>
-            </a:gs>
-          </a:gsLst>
-          <a:path path="circle">
-            <a:fillToRect l="50000" t="50000" r="100000" b="100000"/>
-          </a:path>
-        </a:gradFill>
-        <a:effectLst/>
-      </p:bgPr>
-    </p:bg>
-    <p:spTree>
-      <p:nvGrpSpPr>
-        <p:cNvPr id="1" name=""/>
-        <p:cNvGrpSpPr/>
-        <p:nvPr/>
-      </p:nvGrpSpPr>
-      <p:grpSpPr>
-        <a:xfrm>
-          <a:off x="0" y="0"/>
-          <a:ext cx="0" cy="0"/>
-          <a:chOff x="0" y="0"/>
-          <a:chExt cx="0" cy="0"/>
-        </a:xfrm>
-      </p:grpSpPr>
-      <p:sp>
-        <p:nvSpPr>
-          <p:cNvPr id="2" name="Titel 1">
-            <a:extLst>
-              <a:ext uri="{FF2B5EF4-FFF2-40B4-BE49-F238E27FC236}">
-                <a16:creationId xmlns:a16="http://schemas.microsoft.com/office/drawing/2014/main" id="{9190A1E8-E141-4686-BB05-5EBE9B4D567C}"/>
-              </a:ext>
-            </a:extLst>
-          </p:cNvPr>
-          <p:cNvSpPr>
-            <a:spLocks noGrp="1"/>
-          </p:cNvSpPr>
-          <p:nvPr>
-            <p:ph type="title"/>
-          </p:nvPr>
-        </p:nvSpPr>
-        <p:spPr>
-          <a:xfrm>
-            <a:off x="1687669" y="624110"/>
-            <a:ext cx="4137059" cy="1280890"/>
-          </a:xfrm>
-        </p:spPr>
-        <p:txBody>
-          <a:bodyPr>
-            <a:normAutofit/>
-          </a:bodyPr>
-          <a:lstStyle/>
-          <a:p>
-            <a:r>
-              <a:rPr lang="da-DK" sz="3200"/>
-              <a:t>Branch Coverage</a:t>
-            </a:r>
-            <a:endParaRPr lang="en-US" sz="3200"/>
-          </a:p>
-        </p:txBody>
-      </p:sp>
-      <p:sp>
-        <p:nvSpPr>
-          <p:cNvPr id="3" name="Pladsholder til indhold 2">
-            <a:extLst>
-              <a:ext uri="{FF2B5EF4-FFF2-40B4-BE49-F238E27FC236}">
-                <a16:creationId xmlns:a16="http://schemas.microsoft.com/office/drawing/2014/main" id="{C0159AE0-C78F-422B-A7B3-800D8D8957FD}"/>
-              </a:ext>
-            </a:extLst>
-          </p:cNvPr>
-          <p:cNvSpPr>
-            <a:spLocks noGrp="1"/>
-          </p:cNvSpPr>
-          <p:nvPr>
-            <p:ph idx="1"/>
-          </p:nvPr>
-        </p:nvSpPr>
-        <p:spPr>
-          <a:xfrm>
-            <a:off x="1683956" y="2133600"/>
-            <a:ext cx="4140772" cy="3777622"/>
-          </a:xfrm>
-        </p:spPr>
-        <p:txBody>
-          <a:bodyPr>
-            <a:normAutofit/>
-          </a:bodyPr>
-          <a:lstStyle/>
-          <a:p>
-            <a:r>
-              <a:rPr lang="da-DK" sz="1600" dirty="0">
-                <a:solidFill>
-                  <a:srgbClr val="000000"/>
-                </a:solidFill>
-              </a:rPr>
-              <a:t>Test alle grene af koden</a:t>
-            </a:r>
-          </a:p>
-          <a:p>
-            <a:r>
-              <a:rPr lang="da-DK" sz="1600" dirty="0">
-                <a:solidFill>
-                  <a:srgbClr val="000000"/>
-                </a:solidFill>
-              </a:rPr>
-              <a:t>Switch Cases &amp; If Statements</a:t>
-            </a:r>
-            <a:endParaRPr lang="en-US" sz="1600" dirty="0">
-              <a:solidFill>
-                <a:srgbClr val="000000"/>
-              </a:solidFill>
-            </a:endParaRPr>
-          </a:p>
-        </p:txBody>
-      </p:sp>
-      <p:pic>
-        <p:nvPicPr>
-          <p:cNvPr id="4" name="Billede 3">
-            <a:extLst>
-              <a:ext uri="{FF2B5EF4-FFF2-40B4-BE49-F238E27FC236}">
-                <a16:creationId xmlns:a16="http://schemas.microsoft.com/office/drawing/2014/main" id="{3D94DA9A-512E-4AE0-A047-BB226D2CFCF5}"/>
-              </a:ext>
-            </a:extLst>
-          </p:cNvPr>
-          <p:cNvPicPr>
-            <a:picLocks noChangeAspect="1"/>
-          </p:cNvPicPr>
-          <p:nvPr/>
-        </p:nvPicPr>
-        <p:blipFill>
-          <a:blip r:embed="rId2"/>
-          <a:stretch>
-            <a:fillRect/>
-          </a:stretch>
-        </p:blipFill>
-        <p:spPr>
-          <a:xfrm>
-            <a:off x="6573211" y="645106"/>
-            <a:ext cx="4489036" cy="5247747"/>
-          </a:xfrm>
-          <a:prstGeom prst="rect">
-            <a:avLst/>
-          </a:prstGeom>
-        </p:spPr>
-      </p:pic>
-    </p:spTree>
-    <p:extLst>
-      <p:ext uri="{BB962C8B-B14F-4D97-AF65-F5344CB8AC3E}">
-        <p14:creationId xmlns:p14="http://schemas.microsoft.com/office/powerpoint/2010/main" val="419296898"/>
-      </p:ext>
-    </p:extLst>
-  </p:cSld>
-  <p:clrMapOvr>
-    <a:masterClrMapping/>
-  </p:clrMapOvr>
-</p:sld>
-</file>
-
 <file path=ppt/slides/slide9.xml><?xml version="1.0" encoding="utf-8"?>
 <p:sld xmlns:a="http://schemas.openxmlformats.org/drawingml/2006/main" xmlns:r="http://schemas.openxmlformats.org/officeDocument/2006/relationships" xmlns:p="http://schemas.openxmlformats.org/presentationml/2006/main">
   <p:cSld>
@@ -11767,86 +11939,26 @@
           <a:chExt cx="0" cy="0"/>
         </a:xfrm>
       </p:grpSpPr>
-      <p:sp useBgFill="1">
-        <p:nvSpPr>
-          <p:cNvPr id="9" name="Rectangle 8">
+      <p:sp>
+        <p:nvSpPr>
+          <p:cNvPr id="2" name="Titel 1">
             <a:extLst>
               <a:ext uri="{FF2B5EF4-FFF2-40B4-BE49-F238E27FC236}">
-                <a16:creationId xmlns:a16="http://schemas.microsoft.com/office/drawing/2014/main" id="{1EDD21E1-BAF0-4314-AB31-82ECB8AC9EA9}"/>
-              </a:ext>
-              <a:ext uri="{C183D7F6-B498-43B3-948B-1728B52AA6E4}">
-                <adec:decorative xmlns:adec="http://schemas.microsoft.com/office/drawing/2017/decorative" val="1"/>
+                <a16:creationId xmlns:a16="http://schemas.microsoft.com/office/drawing/2014/main" id="{9190A1E8-E141-4686-BB05-5EBE9B4D567C}"/>
               </a:ext>
             </a:extLst>
           </p:cNvPr>
           <p:cNvSpPr>
-            <a:spLocks noGrp="1" noRot="1" noChangeAspect="1" noMove="1" noResize="1" noEditPoints="1" noAdjustHandles="1" noChangeArrowheads="1" noChangeShapeType="1" noTextEdit="1"/>
-          </p:cNvSpPr>
-          <p:nvPr>
-            <p:extLst>
-              <p:ext uri="{386F3935-93C4-4BCD-93E2-E3B085C9AB24}">
-                <p16:designElem xmlns:p16="http://schemas.microsoft.com/office/powerpoint/2015/main" val="1"/>
-              </p:ext>
-            </p:extLst>
+            <a:spLocks noGrp="1"/>
+          </p:cNvSpPr>
+          <p:nvPr>
+            <p:ph type="title"/>
           </p:nvPr>
         </p:nvSpPr>
         <p:spPr>
           <a:xfrm>
-            <a:off x="0" y="-786"/>
-            <a:ext cx="12192000" cy="6854038"/>
-          </a:xfrm>
-          <a:prstGeom prst="rect">
-            <a:avLst/>
-          </a:prstGeom>
-          <a:ln>
-            <a:noFill/>
-          </a:ln>
-        </p:spPr>
-        <p:style>
-          <a:lnRef idx="2">
-            <a:schemeClr val="accent1">
-              <a:shade val="50000"/>
-            </a:schemeClr>
-          </a:lnRef>
-          <a:fillRef idx="1">
-            <a:schemeClr val="accent1"/>
-          </a:fillRef>
-          <a:effectRef idx="0">
-            <a:schemeClr val="accent1"/>
-          </a:effectRef>
-          <a:fontRef idx="minor">
-            <a:schemeClr val="lt1"/>
-          </a:fontRef>
-        </p:style>
-        <p:txBody>
-          <a:bodyPr rtlCol="0" anchor="ctr"/>
-          <a:lstStyle/>
-          <a:p>
-            <a:pPr algn="ctr"/>
-            <a:endParaRPr lang="en-US"/>
-          </a:p>
-        </p:txBody>
-      </p:sp>
-      <p:sp>
-        <p:nvSpPr>
-          <p:cNvPr id="2" name="Titel 1">
-            <a:extLst>
-              <a:ext uri="{FF2B5EF4-FFF2-40B4-BE49-F238E27FC236}">
-                <a16:creationId xmlns:a16="http://schemas.microsoft.com/office/drawing/2014/main" id="{D3EA5948-582F-4BE1-90F9-606B16724F18}"/>
-              </a:ext>
-            </a:extLst>
-          </p:cNvPr>
-          <p:cNvSpPr>
-            <a:spLocks noGrp="1"/>
-          </p:cNvSpPr>
-          <p:nvPr>
-            <p:ph type="title"/>
-          </p:nvPr>
-        </p:nvSpPr>
-        <p:spPr>
-          <a:xfrm>
-            <a:off x="649224" y="645106"/>
-            <a:ext cx="5122652" cy="1259894"/>
+            <a:off x="1687669" y="624110"/>
+            <a:ext cx="4137059" cy="1280890"/>
           </a:xfrm>
         </p:spPr>
         <p:txBody>
@@ -11856,95 +11968,33 @@
           <a:lstStyle/>
           <a:p>
             <a:r>
-              <a:rPr lang="da-DK" dirty="0" err="1"/>
-              <a:t>Condition</a:t>
-            </a:r>
-            <a:r>
-              <a:rPr lang="da-DK" dirty="0"/>
-              <a:t> </a:t>
-            </a:r>
-            <a:r>
-              <a:rPr lang="da-DK" dirty="0" err="1"/>
-              <a:t>Coverage</a:t>
-            </a:r>
-            <a:endParaRPr lang="en-US" dirty="0"/>
-          </a:p>
-        </p:txBody>
-      </p:sp>
-      <p:sp>
-        <p:nvSpPr>
-          <p:cNvPr id="11" name="Rectangle 10">
+              <a:rPr lang="da-DK" sz="3200"/>
+              <a:t>Branch Coverage</a:t>
+            </a:r>
+            <a:endParaRPr lang="en-US" sz="3200"/>
+          </a:p>
+        </p:txBody>
+      </p:sp>
+      <p:sp>
+        <p:nvSpPr>
+          <p:cNvPr id="3" name="Pladsholder til indhold 2">
             <a:extLst>
               <a:ext uri="{FF2B5EF4-FFF2-40B4-BE49-F238E27FC236}">
-                <a16:creationId xmlns:a16="http://schemas.microsoft.com/office/drawing/2014/main" id="{FDC8619C-F25D-468E-95FA-2A2151D7DDD2}"/>
-              </a:ext>
-              <a:ext uri="{C183D7F6-B498-43B3-948B-1728B52AA6E4}">
-                <adec:decorative xmlns:adec="http://schemas.microsoft.com/office/drawing/2017/decorative" val="1"/>
+                <a16:creationId xmlns:a16="http://schemas.microsoft.com/office/drawing/2014/main" id="{C0159AE0-C78F-422B-A7B3-800D8D8957FD}"/>
               </a:ext>
             </a:extLst>
           </p:cNvPr>
           <p:cNvSpPr>
-            <a:spLocks noGrp="1" noRot="1" noChangeAspect="1" noMove="1" noResize="1" noEditPoints="1" noAdjustHandles="1" noChangeArrowheads="1" noChangeShapeType="1" noTextEdit="1"/>
-          </p:cNvSpPr>
-          <p:nvPr>
-            <p:extLst>
-              <p:ext uri="{386F3935-93C4-4BCD-93E2-E3B085C9AB24}">
-                <p16:designElem xmlns:p16="http://schemas.microsoft.com/office/powerpoint/2015/main" val="1"/>
-              </p:ext>
-            </p:extLst>
+            <a:spLocks noGrp="1"/>
+          </p:cNvSpPr>
+          <p:nvPr>
+            <p:ph idx="1"/>
           </p:nvPr>
         </p:nvSpPr>
         <p:spPr>
           <a:xfrm>
-            <a:off x="0" y="0"/>
-            <a:ext cx="182880" cy="6858000"/>
-          </a:xfrm>
-          <a:prstGeom prst="rect">
-            <a:avLst/>
-          </a:prstGeom>
-          <a:solidFill>
-            <a:schemeClr val="tx2"/>
-          </a:solidFill>
-          <a:ln>
-            <a:noFill/>
-          </a:ln>
-          <a:effectLst/>
-        </p:spPr>
-        <p:style>
-          <a:lnRef idx="1">
-            <a:schemeClr val="accent1"/>
-          </a:lnRef>
-          <a:fillRef idx="3">
-            <a:schemeClr val="accent1"/>
-          </a:fillRef>
-          <a:effectRef idx="2">
-            <a:schemeClr val="accent1"/>
-          </a:effectRef>
-          <a:fontRef idx="minor">
-            <a:schemeClr val="lt1"/>
-          </a:fontRef>
-        </p:style>
-      </p:sp>
-      <p:sp>
-        <p:nvSpPr>
-          <p:cNvPr id="3" name="Pladsholder til indhold 2">
-            <a:extLst>
-              <a:ext uri="{FF2B5EF4-FFF2-40B4-BE49-F238E27FC236}">
-                <a16:creationId xmlns:a16="http://schemas.microsoft.com/office/drawing/2014/main" id="{7DED3718-DC6A-46AA-8494-DD2B16AF8EB3}"/>
-              </a:ext>
-            </a:extLst>
-          </p:cNvPr>
-          <p:cNvSpPr>
-            <a:spLocks noGrp="1"/>
-          </p:cNvSpPr>
-          <p:nvPr>
-            <p:ph idx="1"/>
-          </p:nvPr>
-        </p:nvSpPr>
-        <p:spPr>
-          <a:xfrm>
-            <a:off x="649225" y="2133600"/>
-            <a:ext cx="5122652" cy="3759253"/>
+            <a:off x="1683956" y="2133600"/>
+            <a:ext cx="4140772" cy="3777622"/>
           </a:xfrm>
         </p:spPr>
         <p:txBody>
@@ -11954,27 +12004,37 @@
           <a:lstStyle/>
           <a:p>
             <a:r>
-              <a:rPr lang="da-DK" dirty="0"/>
-              <a:t>Test alle </a:t>
-            </a:r>
-            <a:r>
-              <a:rPr lang="da-DK" dirty="0" err="1"/>
-              <a:t>boolske</a:t>
-            </a:r>
-            <a:r>
-              <a:rPr lang="da-DK" dirty="0"/>
-              <a:t> betingelser.</a:t>
-            </a:r>
-            <a:endParaRPr lang="en-US" dirty="0"/>
+              <a:rPr lang="da-DK" sz="1600" dirty="0">
+                <a:solidFill>
+                  <a:srgbClr val="000000"/>
+                </a:solidFill>
+              </a:rPr>
+              <a:t>Test alle grene af koden</a:t>
+            </a:r>
+          </a:p>
+          <a:p>
+            <a:r>
+              <a:rPr lang="da-DK" sz="1600" dirty="0">
+                <a:solidFill>
+                  <a:srgbClr val="000000"/>
+                </a:solidFill>
+              </a:rPr>
+              <a:t>Switch Cases &amp; If Statements</a:t>
+            </a:r>
+            <a:endParaRPr lang="en-US" sz="1600" dirty="0">
+              <a:solidFill>
+                <a:srgbClr val="000000"/>
+              </a:solidFill>
+            </a:endParaRPr>
           </a:p>
         </p:txBody>
       </p:sp>
       <p:pic>
         <p:nvPicPr>
-          <p:cNvPr id="4" name="Billede 3">
+          <p:cNvPr id="5" name="Billede 4">
             <a:extLst>
               <a:ext uri="{FF2B5EF4-FFF2-40B4-BE49-F238E27FC236}">
-                <a16:creationId xmlns:a16="http://schemas.microsoft.com/office/drawing/2014/main" id="{B51D8CC6-4F3B-4FC9-BF1D-F14CC57299DB}"/>
+                <a16:creationId xmlns:a16="http://schemas.microsoft.com/office/drawing/2014/main" id="{EF17CD94-08E6-49C3-B2B7-85A06B799A43}"/>
               </a:ext>
             </a:extLst>
           </p:cNvPr>
@@ -11991,235 +12051,18 @@
         </p:blipFill>
         <p:spPr>
           <a:xfrm>
-            <a:off x="6091916" y="1854642"/>
-            <a:ext cx="5451627" cy="2828674"/>
+            <a:off x="6580878" y="645106"/>
+            <a:ext cx="4473703" cy="5247747"/>
           </a:xfrm>
           <a:prstGeom prst="rect">
             <a:avLst/>
           </a:prstGeom>
         </p:spPr>
       </p:pic>
-      <p:sp>
-        <p:nvSpPr>
-          <p:cNvPr id="13" name="Freeform 12">
-            <a:extLst>
-              <a:ext uri="{FF2B5EF4-FFF2-40B4-BE49-F238E27FC236}">
-                <a16:creationId xmlns:a16="http://schemas.microsoft.com/office/drawing/2014/main" id="{7D9439D6-DEAD-4CEB-A61B-BE3D64D1B598}"/>
-              </a:ext>
-              <a:ext uri="{C183D7F6-B498-43B3-948B-1728B52AA6E4}">
-                <adec:decorative xmlns:adec="http://schemas.microsoft.com/office/drawing/2017/decorative" val="1"/>
-              </a:ext>
-            </a:extLst>
-          </p:cNvPr>
-          <p:cNvSpPr>
-            <a:spLocks noGrp="1" noRot="1" noChangeAspect="1" noMove="1" noResize="1" noEditPoints="1" noAdjustHandles="1" noChangeArrowheads="1" noChangeShapeType="1" noTextEdit="1"/>
-          </p:cNvSpPr>
-          <p:nvPr>
-            <p:extLst>
-              <p:ext uri="{386F3935-93C4-4BCD-93E2-E3B085C9AB24}">
-                <p16:designElem xmlns:p16="http://schemas.microsoft.com/office/powerpoint/2015/main" val="1"/>
-              </p:ext>
-            </p:extLst>
-          </p:nvPr>
-        </p:nvSpPr>
-        <p:spPr>
-          <a:xfrm>
-            <a:off x="-1" y="6061223"/>
-            <a:ext cx="1038036" cy="506277"/>
-          </a:xfrm>
-          <a:custGeom>
-            <a:avLst/>
-            <a:gdLst>
-              <a:gd name="connsiteX0" fmla="*/ 0 w 1038036"/>
-              <a:gd name="connsiteY0" fmla="*/ 0 h 506277"/>
-              <a:gd name="connsiteX1" fmla="*/ 182880 w 1038036"/>
-              <a:gd name="connsiteY1" fmla="*/ 0 h 506277"/>
-              <a:gd name="connsiteX2" fmla="*/ 291705 w 1038036"/>
-              <a:gd name="connsiteY2" fmla="*/ 0 h 506277"/>
-              <a:gd name="connsiteX3" fmla="*/ 291705 w 1038036"/>
-              <a:gd name="connsiteY3" fmla="*/ 151 h 506277"/>
-              <a:gd name="connsiteX4" fmla="*/ 692049 w 1038036"/>
-              <a:gd name="connsiteY4" fmla="*/ 705 h 506277"/>
-              <a:gd name="connsiteX5" fmla="*/ 782744 w 1038036"/>
-              <a:gd name="connsiteY5" fmla="*/ 705 h 506277"/>
-              <a:gd name="connsiteX6" fmla="*/ 797001 w 1038036"/>
-              <a:gd name="connsiteY6" fmla="*/ 5473 h 506277"/>
-              <a:gd name="connsiteX7" fmla="*/ 801982 w 1038036"/>
-              <a:gd name="connsiteY7" fmla="*/ 10242 h 506277"/>
-              <a:gd name="connsiteX8" fmla="*/ 1030951 w 1038036"/>
-              <a:gd name="connsiteY8" fmla="*/ 239185 h 506277"/>
-              <a:gd name="connsiteX9" fmla="*/ 1030951 w 1038036"/>
-              <a:gd name="connsiteY9" fmla="*/ 267797 h 506277"/>
-              <a:gd name="connsiteX10" fmla="*/ 801982 w 1038036"/>
-              <a:gd name="connsiteY10" fmla="*/ 496740 h 506277"/>
-              <a:gd name="connsiteX11" fmla="*/ 797001 w 1038036"/>
-              <a:gd name="connsiteY11" fmla="*/ 501508 h 506277"/>
-              <a:gd name="connsiteX12" fmla="*/ 782744 w 1038036"/>
-              <a:gd name="connsiteY12" fmla="*/ 506277 h 506277"/>
-              <a:gd name="connsiteX13" fmla="*/ 692049 w 1038036"/>
-              <a:gd name="connsiteY13" fmla="*/ 506277 h 506277"/>
-              <a:gd name="connsiteX14" fmla="*/ 291705 w 1038036"/>
-              <a:gd name="connsiteY14" fmla="*/ 505140 h 506277"/>
-              <a:gd name="connsiteX15" fmla="*/ 291705 w 1038036"/>
-              <a:gd name="connsiteY15" fmla="*/ 506277 h 506277"/>
-              <a:gd name="connsiteX16" fmla="*/ 0 w 1038036"/>
-              <a:gd name="connsiteY16" fmla="*/ 506277 h 506277"/>
-            </a:gdLst>
-            <a:ahLst/>
-            <a:cxnLst>
-              <a:cxn ang="0">
-                <a:pos x="connsiteX0" y="connsiteY0"/>
-              </a:cxn>
-              <a:cxn ang="0">
-                <a:pos x="connsiteX1" y="connsiteY1"/>
-              </a:cxn>
-              <a:cxn ang="0">
-                <a:pos x="connsiteX2" y="connsiteY2"/>
-              </a:cxn>
-              <a:cxn ang="0">
-                <a:pos x="connsiteX3" y="connsiteY3"/>
-              </a:cxn>
-              <a:cxn ang="0">
-                <a:pos x="connsiteX4" y="connsiteY4"/>
-              </a:cxn>
-              <a:cxn ang="0">
-                <a:pos x="connsiteX5" y="connsiteY5"/>
-              </a:cxn>
-              <a:cxn ang="0">
-                <a:pos x="connsiteX6" y="connsiteY6"/>
-              </a:cxn>
-              <a:cxn ang="0">
-                <a:pos x="connsiteX7" y="connsiteY7"/>
-              </a:cxn>
-              <a:cxn ang="0">
-                <a:pos x="connsiteX8" y="connsiteY8"/>
-              </a:cxn>
-              <a:cxn ang="0">
-                <a:pos x="connsiteX9" y="connsiteY9"/>
-              </a:cxn>
-              <a:cxn ang="0">
-                <a:pos x="connsiteX10" y="connsiteY10"/>
-              </a:cxn>
-              <a:cxn ang="0">
-                <a:pos x="connsiteX11" y="connsiteY11"/>
-              </a:cxn>
-              <a:cxn ang="0">
-                <a:pos x="connsiteX12" y="connsiteY12"/>
-              </a:cxn>
-              <a:cxn ang="0">
-                <a:pos x="connsiteX13" y="connsiteY13"/>
-              </a:cxn>
-              <a:cxn ang="0">
-                <a:pos x="connsiteX14" y="connsiteY14"/>
-              </a:cxn>
-              <a:cxn ang="0">
-                <a:pos x="connsiteX15" y="connsiteY15"/>
-              </a:cxn>
-              <a:cxn ang="0">
-                <a:pos x="connsiteX16" y="connsiteY16"/>
-              </a:cxn>
-            </a:cxnLst>
-            <a:rect l="l" t="t" r="r" b="b"/>
-            <a:pathLst>
-              <a:path w="1038036" h="506277">
-                <a:moveTo>
-                  <a:pt x="0" y="0"/>
-                </a:moveTo>
-                <a:lnTo>
-                  <a:pt x="182880" y="0"/>
-                </a:lnTo>
-                <a:lnTo>
-                  <a:pt x="291705" y="0"/>
-                </a:lnTo>
-                <a:lnTo>
-                  <a:pt x="291705" y="151"/>
-                </a:lnTo>
-                <a:lnTo>
-                  <a:pt x="692049" y="705"/>
-                </a:lnTo>
-                <a:lnTo>
-                  <a:pt x="782744" y="705"/>
-                </a:lnTo>
-                <a:cubicBezTo>
-                  <a:pt x="787553" y="705"/>
-                  <a:pt x="792363" y="5473"/>
-                  <a:pt x="797001" y="5473"/>
-                </a:cubicBezTo>
-                <a:cubicBezTo>
-                  <a:pt x="797001" y="10242"/>
-                  <a:pt x="801982" y="10242"/>
-                  <a:pt x="801982" y="10242"/>
-                </a:cubicBezTo>
-                <a:lnTo>
-                  <a:pt x="1030951" y="239185"/>
-                </a:lnTo>
-                <a:cubicBezTo>
-                  <a:pt x="1040398" y="248722"/>
-                  <a:pt x="1040398" y="258259"/>
-                  <a:pt x="1030951" y="267797"/>
-                </a:cubicBezTo>
-                <a:lnTo>
-                  <a:pt x="801982" y="496740"/>
-                </a:lnTo>
-                <a:cubicBezTo>
-                  <a:pt x="800436" y="498363"/>
-                  <a:pt x="798547" y="499885"/>
-                  <a:pt x="797001" y="501508"/>
-                </a:cubicBezTo>
-                <a:cubicBezTo>
-                  <a:pt x="792363" y="506277"/>
-                  <a:pt x="787553" y="506277"/>
-                  <a:pt x="782744" y="506277"/>
-                </a:cubicBezTo>
-                <a:lnTo>
-                  <a:pt x="692049" y="506277"/>
-                </a:lnTo>
-                <a:lnTo>
-                  <a:pt x="291705" y="505140"/>
-                </a:lnTo>
-                <a:lnTo>
-                  <a:pt x="291705" y="506277"/>
-                </a:lnTo>
-                <a:lnTo>
-                  <a:pt x="0" y="506277"/>
-                </a:lnTo>
-                <a:close/>
-              </a:path>
-            </a:pathLst>
-          </a:custGeom>
-          <a:ln>
-            <a:noFill/>
-          </a:ln>
-        </p:spPr>
-        <p:style>
-          <a:lnRef idx="2">
-            <a:schemeClr val="accent1">
-              <a:shade val="50000"/>
-            </a:schemeClr>
-          </a:lnRef>
-          <a:fillRef idx="1">
-            <a:schemeClr val="accent1"/>
-          </a:fillRef>
-          <a:effectRef idx="0">
-            <a:schemeClr val="accent1"/>
-          </a:effectRef>
-          <a:fontRef idx="minor">
-            <a:schemeClr val="lt1"/>
-          </a:fontRef>
-        </p:style>
-        <p:txBody>
-          <a:bodyPr rtlCol="0" anchor="ctr"/>
-          <a:lstStyle/>
-          <a:p>
-            <a:pPr algn="ctr"/>
-            <a:endParaRPr lang="en-US"/>
-          </a:p>
-        </p:txBody>
-      </p:sp>
     </p:spTree>
     <p:extLst>
       <p:ext uri="{BB962C8B-B14F-4D97-AF65-F5344CB8AC3E}">
-        <p14:creationId xmlns:p14="http://schemas.microsoft.com/office/powerpoint/2010/main" val="2100828477"/>
+        <p14:creationId xmlns:p14="http://schemas.microsoft.com/office/powerpoint/2010/main" val="419296898"/>
       </p:ext>
     </p:extLst>
   </p:cSld>

--- a/test og kvalitetssikring/TestOgKvalitetssikringEksamen.pptx
+++ b/test og kvalitetssikring/TestOgKvalitetssikringEksamen.pptx
@@ -10,13 +10,16 @@
     <p:sldId id="260" r:id="rId4"/>
     <p:sldId id="261" r:id="rId5"/>
     <p:sldId id="267" r:id="rId6"/>
-    <p:sldId id="259" r:id="rId7"/>
-    <p:sldId id="263" r:id="rId8"/>
-    <p:sldId id="264" r:id="rId9"/>
-    <p:sldId id="265" r:id="rId10"/>
-    <p:sldId id="266" r:id="rId11"/>
-    <p:sldId id="262" r:id="rId12"/>
-    <p:sldId id="258" r:id="rId13"/>
+    <p:sldId id="268" r:id="rId7"/>
+    <p:sldId id="259" r:id="rId8"/>
+    <p:sldId id="263" r:id="rId9"/>
+    <p:sldId id="264" r:id="rId10"/>
+    <p:sldId id="265" r:id="rId11"/>
+    <p:sldId id="266" r:id="rId12"/>
+    <p:sldId id="262" r:id="rId13"/>
+    <p:sldId id="269" r:id="rId14"/>
+    <p:sldId id="270" r:id="rId15"/>
+    <p:sldId id="258" r:id="rId16"/>
   </p:sldIdLst>
   <p:sldSz cx="12192000" cy="6858000"/>
   <p:notesSz cx="6858000" cy="9144000"/>
@@ -423,7 +426,7 @@
           <a:p>
             <a:fld id="{EA5EB97E-391D-4361-820D-1E7263F097D4}" type="datetimeFigureOut">
               <a:rPr lang="en-US" smtClean="0"/>
-              <a:t>12/19/2018</a:t>
+              <a:t>1/1/2019</a:t>
             </a:fld>
             <a:endParaRPr lang="en-US"/>
           </a:p>
@@ -761,7 +764,7 @@
           <a:p>
             <a:fld id="{EA5EB97E-391D-4361-820D-1E7263F097D4}" type="datetimeFigureOut">
               <a:rPr lang="en-US" smtClean="0"/>
-              <a:t>12/19/2018</a:t>
+              <a:t>1/1/2019</a:t>
             </a:fld>
             <a:endParaRPr lang="en-US"/>
           </a:p>
@@ -1162,7 +1165,7 @@
           <a:p>
             <a:fld id="{EA5EB97E-391D-4361-820D-1E7263F097D4}" type="datetimeFigureOut">
               <a:rPr lang="en-US" smtClean="0"/>
-              <a:t>12/19/2018</a:t>
+              <a:t>1/1/2019</a:t>
             </a:fld>
             <a:endParaRPr lang="en-US"/>
           </a:p>
@@ -1498,7 +1501,7 @@
           <a:p>
             <a:fld id="{EA5EB97E-391D-4361-820D-1E7263F097D4}" type="datetimeFigureOut">
               <a:rPr lang="en-US" smtClean="0"/>
-              <a:t>12/19/2018</a:t>
+              <a:t>1/1/2019</a:t>
             </a:fld>
             <a:endParaRPr lang="en-US"/>
           </a:p>
@@ -1818,7 +1821,7 @@
           <a:p>
             <a:fld id="{EA5EB97E-391D-4361-820D-1E7263F097D4}" type="datetimeFigureOut">
               <a:rPr lang="en-US" smtClean="0"/>
-              <a:t>12/19/2018</a:t>
+              <a:t>1/1/2019</a:t>
             </a:fld>
             <a:endParaRPr lang="en-US"/>
           </a:p>
@@ -2214,7 +2217,7 @@
           <a:p>
             <a:fld id="{EA5EB97E-391D-4361-820D-1E7263F097D4}" type="datetimeFigureOut">
               <a:rPr lang="en-US" smtClean="0"/>
-              <a:t>12/19/2018</a:t>
+              <a:t>1/1/2019</a:t>
             </a:fld>
             <a:endParaRPr lang="en-US"/>
           </a:p>
@@ -2471,7 +2474,7 @@
           <a:p>
             <a:fld id="{EA5EB97E-391D-4361-820D-1E7263F097D4}" type="datetimeFigureOut">
               <a:rPr lang="en-US" smtClean="0"/>
-              <a:t>12/19/2018</a:t>
+              <a:t>1/1/2019</a:t>
             </a:fld>
             <a:endParaRPr lang="en-US"/>
           </a:p>
@@ -2733,7 +2736,7 @@
           <a:p>
             <a:fld id="{EA5EB97E-391D-4361-820D-1E7263F097D4}" type="datetimeFigureOut">
               <a:rPr lang="en-US" smtClean="0"/>
-              <a:t>12/19/2018</a:t>
+              <a:t>1/1/2019</a:t>
             </a:fld>
             <a:endParaRPr lang="en-US"/>
           </a:p>
@@ -2995,7 +2998,7 @@
           <a:p>
             <a:fld id="{EA5EB97E-391D-4361-820D-1E7263F097D4}" type="datetimeFigureOut">
               <a:rPr lang="en-US" smtClean="0"/>
-              <a:t>12/19/2018</a:t>
+              <a:t>1/1/2019</a:t>
             </a:fld>
             <a:endParaRPr lang="en-US"/>
           </a:p>
@@ -3324,7 +3327,7 @@
           <a:p>
             <a:fld id="{EA5EB97E-391D-4361-820D-1E7263F097D4}" type="datetimeFigureOut">
               <a:rPr lang="en-US" smtClean="0"/>
-              <a:t>12/19/2018</a:t>
+              <a:t>1/1/2019</a:t>
             </a:fld>
             <a:endParaRPr lang="en-US"/>
           </a:p>
@@ -3647,7 +3650,7 @@
           <a:p>
             <a:fld id="{EA5EB97E-391D-4361-820D-1E7263F097D4}" type="datetimeFigureOut">
               <a:rPr lang="en-US" smtClean="0"/>
-              <a:t>12/19/2018</a:t>
+              <a:t>1/1/2019</a:t>
             </a:fld>
             <a:endParaRPr lang="en-US"/>
           </a:p>
@@ -4104,7 +4107,7 @@
           <a:p>
             <a:fld id="{EA5EB97E-391D-4361-820D-1E7263F097D4}" type="datetimeFigureOut">
               <a:rPr lang="en-US" smtClean="0"/>
-              <a:t>12/19/2018</a:t>
+              <a:t>1/1/2019</a:t>
             </a:fld>
             <a:endParaRPr lang="en-US"/>
           </a:p>
@@ -4309,7 +4312,7 @@
           <a:p>
             <a:fld id="{EA5EB97E-391D-4361-820D-1E7263F097D4}" type="datetimeFigureOut">
               <a:rPr lang="en-US" smtClean="0"/>
-              <a:t>12/19/2018</a:t>
+              <a:t>1/1/2019</a:t>
             </a:fld>
             <a:endParaRPr lang="en-US"/>
           </a:p>
@@ -4486,7 +4489,7 @@
           <a:p>
             <a:fld id="{EA5EB97E-391D-4361-820D-1E7263F097D4}" type="datetimeFigureOut">
               <a:rPr lang="en-US" smtClean="0"/>
-              <a:t>12/19/2018</a:t>
+              <a:t>1/1/2019</a:t>
             </a:fld>
             <a:endParaRPr lang="en-US"/>
           </a:p>
@@ -4819,7 +4822,7 @@
           <a:p>
             <a:fld id="{EA5EB97E-391D-4361-820D-1E7263F097D4}" type="datetimeFigureOut">
               <a:rPr lang="en-US" smtClean="0"/>
-              <a:t>12/19/2018</a:t>
+              <a:t>1/1/2019</a:t>
             </a:fld>
             <a:endParaRPr lang="en-US"/>
           </a:p>
@@ -5164,7 +5167,7 @@
           <a:p>
             <a:fld id="{EA5EB97E-391D-4361-820D-1E7263F097D4}" type="datetimeFigureOut">
               <a:rPr lang="en-US" smtClean="0"/>
-              <a:t>12/19/2018</a:t>
+              <a:t>1/1/2019</a:t>
             </a:fld>
             <a:endParaRPr lang="en-US"/>
           </a:p>
@@ -7281,7 +7284,7 @@
           <a:p>
             <a:fld id="{EA5EB97E-391D-4361-820D-1E7263F097D4}" type="datetimeFigureOut">
               <a:rPr lang="en-US" smtClean="0"/>
-              <a:t>12/19/2018</a:t>
+              <a:t>1/1/2019</a:t>
             </a:fld>
             <a:endParaRPr lang="en-US"/>
           </a:p>
@@ -7958,7 +7961,7 @@
           <p:cNvPr id="2" name="Titel 1">
             <a:extLst>
               <a:ext uri="{FF2B5EF4-FFF2-40B4-BE49-F238E27FC236}">
-                <a16:creationId xmlns:a16="http://schemas.microsoft.com/office/drawing/2014/main" id="{D3EA5948-582F-4BE1-90F9-606B16724F18}"/>
+                <a16:creationId xmlns:a16="http://schemas.microsoft.com/office/drawing/2014/main" id="{9190A1E8-E141-4686-BB05-5EBE9B4D567C}"/>
               </a:ext>
             </a:extLst>
           </p:cNvPr>
@@ -7983,7 +7986,7 @@
           <a:p>
             <a:r>
               <a:rPr lang="da-DK" sz="3200"/>
-              <a:t>Condition Coverage</a:t>
+              <a:t>Branch Coverage</a:t>
             </a:r>
             <a:endParaRPr lang="en-US" sz="3200"/>
           </a:p>
@@ -7994,7 +7997,7 @@
           <p:cNvPr id="3" name="Pladsholder til indhold 2">
             <a:extLst>
               <a:ext uri="{FF2B5EF4-FFF2-40B4-BE49-F238E27FC236}">
-                <a16:creationId xmlns:a16="http://schemas.microsoft.com/office/drawing/2014/main" id="{7DED3718-DC6A-46AA-8494-DD2B16AF8EB3}"/>
+                <a16:creationId xmlns:a16="http://schemas.microsoft.com/office/drawing/2014/main" id="{C0159AE0-C78F-422B-A7B3-800D8D8957FD}"/>
               </a:ext>
             </a:extLst>
           </p:cNvPr>
@@ -8018,14 +8021,24 @@
           <a:lstStyle/>
           <a:p>
             <a:r>
-              <a:rPr lang="da-DK" sz="1600">
+              <a:rPr lang="da-DK" sz="1600" dirty="0">
                 <a:solidFill>
                   <a:srgbClr val="000000"/>
                 </a:solidFill>
               </a:rPr>
-              <a:t>Test alle boolske betingelser.</a:t>
-            </a:r>
-            <a:endParaRPr lang="en-US" sz="1600">
+              <a:t>Test alle grene af koden</a:t>
+            </a:r>
+          </a:p>
+          <a:p>
+            <a:r>
+              <a:rPr lang="da-DK" sz="1600" dirty="0">
+                <a:solidFill>
+                  <a:srgbClr val="000000"/>
+                </a:solidFill>
+              </a:rPr>
+              <a:t>Switch Cases &amp; If Statements</a:t>
+            </a:r>
+            <a:endParaRPr lang="en-US" sz="1600" dirty="0">
               <a:solidFill>
                 <a:srgbClr val="000000"/>
               </a:solidFill>
@@ -8038,7 +8051,7 @@
           <p:cNvPr id="5" name="Billede 4">
             <a:extLst>
               <a:ext uri="{FF2B5EF4-FFF2-40B4-BE49-F238E27FC236}">
-                <a16:creationId xmlns:a16="http://schemas.microsoft.com/office/drawing/2014/main" id="{720F5E67-F3D6-4557-9EB0-232491934AF6}"/>
+                <a16:creationId xmlns:a16="http://schemas.microsoft.com/office/drawing/2014/main" id="{EF17CD94-08E6-49C3-B2B7-85A06B799A43}"/>
               </a:ext>
             </a:extLst>
           </p:cNvPr>
@@ -8055,8 +8068,8 @@
         </p:blipFill>
         <p:spPr>
           <a:xfrm>
-            <a:off x="6091916" y="1851556"/>
-            <a:ext cx="5451627" cy="2834846"/>
+            <a:off x="6580878" y="645106"/>
+            <a:ext cx="4473703" cy="5247747"/>
           </a:xfrm>
           <a:prstGeom prst="rect">
             <a:avLst/>
@@ -8066,7 +8079,7 @@
     </p:spTree>
     <p:extLst>
       <p:ext uri="{BB962C8B-B14F-4D97-AF65-F5344CB8AC3E}">
-        <p14:creationId xmlns:p14="http://schemas.microsoft.com/office/powerpoint/2010/main" val="2100828477"/>
+        <p14:creationId xmlns:p14="http://schemas.microsoft.com/office/powerpoint/2010/main" val="419296898"/>
       </p:ext>
     </p:extLst>
   </p:cSld>
@@ -8119,6 +8132,172 @@
           <a:chExt cx="0" cy="0"/>
         </a:xfrm>
       </p:grpSpPr>
+      <p:sp>
+        <p:nvSpPr>
+          <p:cNvPr id="2" name="Titel 1">
+            <a:extLst>
+              <a:ext uri="{FF2B5EF4-FFF2-40B4-BE49-F238E27FC236}">
+                <a16:creationId xmlns:a16="http://schemas.microsoft.com/office/drawing/2014/main" id="{D3EA5948-582F-4BE1-90F9-606B16724F18}"/>
+              </a:ext>
+            </a:extLst>
+          </p:cNvPr>
+          <p:cNvSpPr>
+            <a:spLocks noGrp="1"/>
+          </p:cNvSpPr>
+          <p:nvPr>
+            <p:ph type="title"/>
+          </p:nvPr>
+        </p:nvSpPr>
+        <p:spPr>
+          <a:xfrm>
+            <a:off x="1687669" y="624110"/>
+            <a:ext cx="4137059" cy="1280890"/>
+          </a:xfrm>
+        </p:spPr>
+        <p:txBody>
+          <a:bodyPr>
+            <a:normAutofit/>
+          </a:bodyPr>
+          <a:lstStyle/>
+          <a:p>
+            <a:r>
+              <a:rPr lang="da-DK" sz="3200"/>
+              <a:t>Condition Coverage</a:t>
+            </a:r>
+            <a:endParaRPr lang="en-US" sz="3200"/>
+          </a:p>
+        </p:txBody>
+      </p:sp>
+      <p:sp>
+        <p:nvSpPr>
+          <p:cNvPr id="3" name="Pladsholder til indhold 2">
+            <a:extLst>
+              <a:ext uri="{FF2B5EF4-FFF2-40B4-BE49-F238E27FC236}">
+                <a16:creationId xmlns:a16="http://schemas.microsoft.com/office/drawing/2014/main" id="{7DED3718-DC6A-46AA-8494-DD2B16AF8EB3}"/>
+              </a:ext>
+            </a:extLst>
+          </p:cNvPr>
+          <p:cNvSpPr>
+            <a:spLocks noGrp="1"/>
+          </p:cNvSpPr>
+          <p:nvPr>
+            <p:ph idx="1"/>
+          </p:nvPr>
+        </p:nvSpPr>
+        <p:spPr>
+          <a:xfrm>
+            <a:off x="1683956" y="2133600"/>
+            <a:ext cx="4140772" cy="3777622"/>
+          </a:xfrm>
+        </p:spPr>
+        <p:txBody>
+          <a:bodyPr>
+            <a:normAutofit/>
+          </a:bodyPr>
+          <a:lstStyle/>
+          <a:p>
+            <a:r>
+              <a:rPr lang="da-DK" sz="1600">
+                <a:solidFill>
+                  <a:srgbClr val="000000"/>
+                </a:solidFill>
+              </a:rPr>
+              <a:t>Test alle boolske betingelser.</a:t>
+            </a:r>
+            <a:endParaRPr lang="en-US" sz="1600">
+              <a:solidFill>
+                <a:srgbClr val="000000"/>
+              </a:solidFill>
+            </a:endParaRPr>
+          </a:p>
+        </p:txBody>
+      </p:sp>
+      <p:pic>
+        <p:nvPicPr>
+          <p:cNvPr id="5" name="Billede 4">
+            <a:extLst>
+              <a:ext uri="{FF2B5EF4-FFF2-40B4-BE49-F238E27FC236}">
+                <a16:creationId xmlns:a16="http://schemas.microsoft.com/office/drawing/2014/main" id="{720F5E67-F3D6-4557-9EB0-232491934AF6}"/>
+              </a:ext>
+            </a:extLst>
+          </p:cNvPr>
+          <p:cNvPicPr>
+            <a:picLocks noChangeAspect="1"/>
+          </p:cNvPicPr>
+          <p:nvPr/>
+        </p:nvPicPr>
+        <p:blipFill>
+          <a:blip r:embed="rId2"/>
+          <a:stretch>
+            <a:fillRect/>
+          </a:stretch>
+        </p:blipFill>
+        <p:spPr>
+          <a:xfrm>
+            <a:off x="6091916" y="1851556"/>
+            <a:ext cx="5451627" cy="2834846"/>
+          </a:xfrm>
+          <a:prstGeom prst="rect">
+            <a:avLst/>
+          </a:prstGeom>
+        </p:spPr>
+      </p:pic>
+    </p:spTree>
+    <p:extLst>
+      <p:ext uri="{BB962C8B-B14F-4D97-AF65-F5344CB8AC3E}">
+        <p14:creationId xmlns:p14="http://schemas.microsoft.com/office/powerpoint/2010/main" val="2100828477"/>
+      </p:ext>
+    </p:extLst>
+  </p:cSld>
+  <p:clrMapOvr>
+    <a:masterClrMapping/>
+  </p:clrMapOvr>
+</p:sld>
+</file>
+
+<file path=ppt/slides/slide12.xml><?xml version="1.0" encoding="utf-8"?>
+<p:sld xmlns:a="http://schemas.openxmlformats.org/drawingml/2006/main" xmlns:r="http://schemas.openxmlformats.org/officeDocument/2006/relationships" xmlns:p="http://schemas.openxmlformats.org/presentationml/2006/main">
+  <p:cSld>
+    <p:bg>
+      <p:bgPr>
+        <a:gradFill rotWithShape="1">
+          <a:gsLst>
+            <a:gs pos="0">
+              <a:schemeClr val="bg2">
+                <a:tint val="90000"/>
+                <a:satMod val="92000"/>
+                <a:lumMod val="120000"/>
+              </a:schemeClr>
+            </a:gs>
+            <a:gs pos="100000">
+              <a:schemeClr val="bg2">
+                <a:shade val="98000"/>
+                <a:satMod val="120000"/>
+                <a:lumMod val="98000"/>
+              </a:schemeClr>
+            </a:gs>
+          </a:gsLst>
+          <a:path path="circle">
+            <a:fillToRect l="50000" t="50000" r="100000" b="100000"/>
+          </a:path>
+        </a:gradFill>
+        <a:effectLst/>
+      </p:bgPr>
+    </p:bg>
+    <p:spTree>
+      <p:nvGrpSpPr>
+        <p:cNvPr id="1" name=""/>
+        <p:cNvGrpSpPr/>
+        <p:nvPr/>
+      </p:nvGrpSpPr>
+      <p:grpSpPr>
+        <a:xfrm>
+          <a:off x="0" y="0"/>
+          <a:ext cx="0" cy="0"/>
+          <a:chOff x="0" y="0"/>
+          <a:chExt cx="0" cy="0"/>
+        </a:xfrm>
+      </p:grpSpPr>
       <p:sp useBgFill="1">
         <p:nvSpPr>
           <p:cNvPr id="19" name="Rectangle 18">
@@ -8197,8 +8376,8 @@
         </p:nvSpPr>
         <p:spPr>
           <a:xfrm>
-            <a:off x="649224" y="645106"/>
-            <a:ext cx="5122652" cy="1259894"/>
+            <a:off x="649223" y="645106"/>
+            <a:ext cx="9312923" cy="1259894"/>
           </a:xfrm>
         </p:spPr>
         <p:txBody>
@@ -8209,17 +8388,20 @@
           <a:p>
             <a:r>
               <a:rPr lang="en-US" dirty="0" err="1"/>
-              <a:t>Ækvivalensklasser</a:t>
+              <a:t>Hvor</a:t>
             </a:r>
             <a:r>
               <a:rPr lang="en-US" dirty="0"/>
-              <a:t> &amp; </a:t>
+              <a:t> mange tests </a:t>
             </a:r>
             <a:r>
               <a:rPr lang="en-US" dirty="0" err="1"/>
-              <a:t>grænseværdier</a:t>
-            </a:r>
-            <a:endParaRPr lang="en-US" dirty="0"/>
+              <a:t>skal</a:t>
+            </a:r>
+            <a:r>
+              <a:rPr lang="en-US" dirty="0"/>
+              <a:t> man lave?</a:t>
+            </a:r>
           </a:p>
         </p:txBody>
       </p:sp>
@@ -8306,8 +8488,83 @@
           <a:lstStyle/>
           <a:p>
             <a:r>
+              <a:rPr lang="da-DK" dirty="0" err="1"/>
+              <a:t>Omdand</a:t>
+            </a:r>
+            <a:r>
+              <a:rPr lang="da-DK" dirty="0"/>
+              <a:t> byte til Int</a:t>
+            </a:r>
+          </a:p>
+          <a:p>
+            <a:endParaRPr lang="da-DK" dirty="0"/>
+          </a:p>
+          <a:p>
+            <a:r>
+              <a:rPr lang="da-DK" dirty="0"/>
+              <a:t>Man skal ikke teste alle mulige </a:t>
+            </a:r>
+            <a:r>
+              <a:rPr lang="da-DK" dirty="0" err="1"/>
+              <a:t>int</a:t>
+            </a:r>
+            <a:r>
+              <a:rPr lang="da-DK" dirty="0"/>
+              <a:t> værdier</a:t>
+            </a:r>
+          </a:p>
+          <a:p>
+            <a:pPr lvl="1"/>
+            <a:r>
+              <a:rPr lang="da-DK" dirty="0"/>
+              <a:t>Eller byte værdier</a:t>
+            </a:r>
+          </a:p>
+          <a:p>
+            <a:endParaRPr lang="da-DK" dirty="0"/>
+          </a:p>
+          <a:p>
+            <a:endParaRPr lang="da-DK" dirty="0"/>
+          </a:p>
+          <a:p>
+            <a:r>
+              <a:rPr lang="da-DK" dirty="0"/>
+              <a:t>T</a:t>
+            </a:r>
+            <a:r>
               <a:rPr lang="en-US" dirty="0" err="1"/>
-              <a:t>Ækvivalensklasser</a:t>
+              <a:t>est</a:t>
+            </a:r>
+            <a:r>
+              <a:rPr lang="en-US" dirty="0"/>
+              <a:t> Case Designing Techniques:</a:t>
+            </a:r>
+          </a:p>
+          <a:p>
+            <a:pPr lvl="1"/>
+            <a:r>
+              <a:rPr lang="da-DK" dirty="0"/>
+              <a:t>Identificer </a:t>
+            </a:r>
+            <a:r>
+              <a:rPr lang="da-DK" dirty="0" err="1"/>
+              <a:t>inpuværdier</a:t>
+            </a:r>
+            <a:r>
+              <a:rPr lang="da-DK" dirty="0"/>
+              <a:t> med risiko</a:t>
+            </a:r>
+            <a:endParaRPr lang="en-US" dirty="0"/>
+          </a:p>
+          <a:p>
+            <a:pPr lvl="1"/>
+            <a:r>
+              <a:rPr lang="da-DK" dirty="0"/>
+              <a:t>R</a:t>
+            </a:r>
+            <a:r>
+              <a:rPr lang="en-US" dirty="0" err="1"/>
+              <a:t>educere</a:t>
             </a:r>
             <a:r>
               <a:rPr lang="en-US" dirty="0"/>
@@ -8315,7 +8572,7 @@
             </a:r>
             <a:r>
               <a:rPr lang="en-US" dirty="0" err="1"/>
-              <a:t>opdeler</a:t>
+              <a:t>mængden</a:t>
             </a:r>
             <a:r>
               <a:rPr lang="en-US" dirty="0"/>
@@ -8323,44 +8580,15 @@
             </a:r>
             <a:r>
               <a:rPr lang="en-US" dirty="0" err="1"/>
-              <a:t>inputværdier</a:t>
-            </a:r>
-            <a:endParaRPr lang="en-US" dirty="0"/>
+              <a:t>af</a:t>
+            </a:r>
+            <a:r>
+              <a:rPr lang="en-US" dirty="0"/>
+              <a:t> tests</a:t>
+            </a:r>
           </a:p>
           <a:p>
             <a:pPr lvl="1"/>
-            <a:r>
-              <a:rPr lang="da-DK" dirty="0"/>
-              <a:t>Identificer </a:t>
-            </a:r>
-            <a:r>
-              <a:rPr lang="da-DK" dirty="0" err="1"/>
-              <a:t>inpuværdier</a:t>
-            </a:r>
-            <a:r>
-              <a:rPr lang="da-DK" dirty="0"/>
-              <a:t> med risiko</a:t>
-            </a:r>
-          </a:p>
-          <a:p>
-            <a:pPr lvl="1"/>
-            <a:endParaRPr lang="da-DK" dirty="0"/>
-          </a:p>
-          <a:p>
-            <a:r>
-              <a:rPr lang="da-DK" dirty="0"/>
-              <a:t>Reducere mængden af tests</a:t>
-            </a:r>
-          </a:p>
-          <a:p>
-            <a:pPr lvl="1"/>
-            <a:r>
-              <a:rPr lang="da-DK" dirty="0"/>
-              <a:t>258 =&gt; 5 </a:t>
-            </a:r>
-            <a:endParaRPr lang="en-US" dirty="0"/>
-          </a:p>
-          <a:p>
             <a:endParaRPr lang="en-US" dirty="0"/>
           </a:p>
         </p:txBody>
@@ -8387,38 +8615,8 @@
         </p:blipFill>
         <p:spPr>
           <a:xfrm>
-            <a:off x="6260685" y="645106"/>
-            <a:ext cx="5114089" cy="2698831"/>
-          </a:xfrm>
-          <a:prstGeom prst="rect">
-            <a:avLst/>
-          </a:prstGeom>
-        </p:spPr>
-      </p:pic>
-      <p:pic>
-        <p:nvPicPr>
-          <p:cNvPr id="6" name="Billede 5">
-            <a:extLst>
-              <a:ext uri="{FF2B5EF4-FFF2-40B4-BE49-F238E27FC236}">
-                <a16:creationId xmlns:a16="http://schemas.microsoft.com/office/drawing/2014/main" id="{6799FD0A-4A71-4C2E-B303-0D1A2F9D5894}"/>
-              </a:ext>
-            </a:extLst>
-          </p:cNvPr>
-          <p:cNvPicPr>
-            <a:picLocks noChangeAspect="1"/>
-          </p:cNvPicPr>
-          <p:nvPr/>
-        </p:nvPicPr>
-        <p:blipFill>
-          <a:blip r:embed="rId3"/>
-          <a:stretch>
-            <a:fillRect/>
-          </a:stretch>
-        </p:blipFill>
-        <p:spPr>
-          <a:xfrm>
-            <a:off x="6086040" y="3787544"/>
-            <a:ext cx="5451627" cy="1826294"/>
+            <a:off x="5868257" y="2133600"/>
+            <a:ext cx="6227363" cy="3286333"/>
           </a:xfrm>
           <a:prstGeom prst="rect">
             <a:avLst/>
@@ -8655,7 +8853,990 @@
 </p:sld>
 </file>
 
-<file path=ppt/slides/slide12.xml><?xml version="1.0" encoding="utf-8"?>
+<file path=ppt/slides/slide13.xml><?xml version="1.0" encoding="utf-8"?>
+<p:sld xmlns:a="http://schemas.openxmlformats.org/drawingml/2006/main" xmlns:r="http://schemas.openxmlformats.org/officeDocument/2006/relationships" xmlns:p="http://schemas.openxmlformats.org/presentationml/2006/main">
+  <p:cSld>
+    <p:bg>
+      <p:bgPr>
+        <a:gradFill rotWithShape="1">
+          <a:gsLst>
+            <a:gs pos="0">
+              <a:schemeClr val="bg2">
+                <a:tint val="90000"/>
+                <a:satMod val="92000"/>
+                <a:lumMod val="120000"/>
+              </a:schemeClr>
+            </a:gs>
+            <a:gs pos="100000">
+              <a:schemeClr val="bg2">
+                <a:shade val="98000"/>
+                <a:satMod val="120000"/>
+                <a:lumMod val="98000"/>
+              </a:schemeClr>
+            </a:gs>
+          </a:gsLst>
+          <a:path path="circle">
+            <a:fillToRect l="50000" t="50000" r="100000" b="100000"/>
+          </a:path>
+        </a:gradFill>
+        <a:effectLst/>
+      </p:bgPr>
+    </p:bg>
+    <p:spTree>
+      <p:nvGrpSpPr>
+        <p:cNvPr id="1" name=""/>
+        <p:cNvGrpSpPr/>
+        <p:nvPr/>
+      </p:nvGrpSpPr>
+      <p:grpSpPr>
+        <a:xfrm>
+          <a:off x="0" y="0"/>
+          <a:ext cx="0" cy="0"/>
+          <a:chOff x="0" y="0"/>
+          <a:chExt cx="0" cy="0"/>
+        </a:xfrm>
+      </p:grpSpPr>
+      <p:sp useBgFill="1">
+        <p:nvSpPr>
+          <p:cNvPr id="9" name="Rectangle 8">
+            <a:extLst>
+              <a:ext uri="{FF2B5EF4-FFF2-40B4-BE49-F238E27FC236}">
+                <a16:creationId xmlns:a16="http://schemas.microsoft.com/office/drawing/2014/main" id="{3F4C104D-5F30-4811-9376-566B26E4719A}"/>
+              </a:ext>
+              <a:ext uri="{C183D7F6-B498-43B3-948B-1728B52AA6E4}">
+                <adec:decorative xmlns:adec="http://schemas.microsoft.com/office/drawing/2017/decorative" val="1"/>
+              </a:ext>
+            </a:extLst>
+          </p:cNvPr>
+          <p:cNvSpPr>
+            <a:spLocks noGrp="1" noRot="1" noChangeAspect="1" noMove="1" noResize="1" noEditPoints="1" noAdjustHandles="1" noChangeArrowheads="1" noChangeShapeType="1" noTextEdit="1"/>
+          </p:cNvSpPr>
+          <p:nvPr>
+            <p:extLst>
+              <p:ext uri="{386F3935-93C4-4BCD-93E2-E3B085C9AB24}">
+                <p16:designElem xmlns:p16="http://schemas.microsoft.com/office/powerpoint/2015/main" val="1"/>
+              </p:ext>
+            </p:extLst>
+          </p:nvPr>
+        </p:nvSpPr>
+        <p:spPr>
+          <a:xfrm>
+            <a:off x="0" y="-786"/>
+            <a:ext cx="12192000" cy="6854038"/>
+          </a:xfrm>
+          <a:prstGeom prst="rect">
+            <a:avLst/>
+          </a:prstGeom>
+          <a:ln>
+            <a:noFill/>
+          </a:ln>
+        </p:spPr>
+        <p:style>
+          <a:lnRef idx="2">
+            <a:schemeClr val="accent1">
+              <a:shade val="50000"/>
+            </a:schemeClr>
+          </a:lnRef>
+          <a:fillRef idx="1">
+            <a:schemeClr val="accent1"/>
+          </a:fillRef>
+          <a:effectRef idx="0">
+            <a:schemeClr val="accent1"/>
+          </a:effectRef>
+          <a:fontRef idx="minor">
+            <a:schemeClr val="lt1"/>
+          </a:fontRef>
+        </p:style>
+        <p:txBody>
+          <a:bodyPr rtlCol="0" anchor="ctr"/>
+          <a:lstStyle/>
+          <a:p>
+            <a:pPr algn="ctr"/>
+            <a:endParaRPr lang="en-US"/>
+          </a:p>
+        </p:txBody>
+      </p:sp>
+      <p:sp>
+        <p:nvSpPr>
+          <p:cNvPr id="2" name="Titel 1">
+            <a:extLst>
+              <a:ext uri="{FF2B5EF4-FFF2-40B4-BE49-F238E27FC236}">
+                <a16:creationId xmlns:a16="http://schemas.microsoft.com/office/drawing/2014/main" id="{74F21445-C96D-40CE-A17F-97967171F487}"/>
+              </a:ext>
+            </a:extLst>
+          </p:cNvPr>
+          <p:cNvSpPr>
+            <a:spLocks noGrp="1"/>
+          </p:cNvSpPr>
+          <p:nvPr>
+            <p:ph type="title"/>
+          </p:nvPr>
+        </p:nvSpPr>
+        <p:spPr>
+          <a:xfrm>
+            <a:off x="649224" y="645106"/>
+            <a:ext cx="4416071" cy="1259894"/>
+          </a:xfrm>
+        </p:spPr>
+        <p:txBody>
+          <a:bodyPr>
+            <a:normAutofit/>
+          </a:bodyPr>
+          <a:lstStyle/>
+          <a:p>
+            <a:r>
+              <a:rPr lang="en-US" dirty="0" err="1"/>
+              <a:t>Ækvivalensklasser</a:t>
+            </a:r>
+            <a:endParaRPr lang="en-US" dirty="0"/>
+          </a:p>
+        </p:txBody>
+      </p:sp>
+      <p:sp>
+        <p:nvSpPr>
+          <p:cNvPr id="11" name="Rectangle 10">
+            <a:extLst>
+              <a:ext uri="{FF2B5EF4-FFF2-40B4-BE49-F238E27FC236}">
+                <a16:creationId xmlns:a16="http://schemas.microsoft.com/office/drawing/2014/main" id="{0815E34B-5D02-4E01-A936-E8E1C0AB6F12}"/>
+              </a:ext>
+              <a:ext uri="{C183D7F6-B498-43B3-948B-1728B52AA6E4}">
+                <adec:decorative xmlns:adec="http://schemas.microsoft.com/office/drawing/2017/decorative" val="1"/>
+              </a:ext>
+            </a:extLst>
+          </p:cNvPr>
+          <p:cNvSpPr>
+            <a:spLocks noGrp="1" noRot="1" noChangeAspect="1" noMove="1" noResize="1" noEditPoints="1" noAdjustHandles="1" noChangeArrowheads="1" noChangeShapeType="1" noTextEdit="1"/>
+          </p:cNvSpPr>
+          <p:nvPr>
+            <p:extLst>
+              <p:ext uri="{386F3935-93C4-4BCD-93E2-E3B085C9AB24}">
+                <p16:designElem xmlns:p16="http://schemas.microsoft.com/office/powerpoint/2015/main" val="1"/>
+              </p:ext>
+            </p:extLst>
+          </p:nvPr>
+        </p:nvSpPr>
+        <p:spPr>
+          <a:xfrm>
+            <a:off x="0" y="0"/>
+            <a:ext cx="182880" cy="6858000"/>
+          </a:xfrm>
+          <a:prstGeom prst="rect">
+            <a:avLst/>
+          </a:prstGeom>
+          <a:solidFill>
+            <a:schemeClr val="tx2"/>
+          </a:solidFill>
+          <a:ln>
+            <a:noFill/>
+          </a:ln>
+          <a:effectLst/>
+        </p:spPr>
+        <p:style>
+          <a:lnRef idx="1">
+            <a:schemeClr val="accent1"/>
+          </a:lnRef>
+          <a:fillRef idx="3">
+            <a:schemeClr val="accent1"/>
+          </a:fillRef>
+          <a:effectRef idx="2">
+            <a:schemeClr val="accent1"/>
+          </a:effectRef>
+          <a:fontRef idx="minor">
+            <a:schemeClr val="lt1"/>
+          </a:fontRef>
+        </p:style>
+      </p:sp>
+      <p:sp>
+        <p:nvSpPr>
+          <p:cNvPr id="3" name="Pladsholder til indhold 2">
+            <a:extLst>
+              <a:ext uri="{FF2B5EF4-FFF2-40B4-BE49-F238E27FC236}">
+                <a16:creationId xmlns:a16="http://schemas.microsoft.com/office/drawing/2014/main" id="{434969C5-12A3-48B3-A408-DF110C8E0BC9}"/>
+              </a:ext>
+            </a:extLst>
+          </p:cNvPr>
+          <p:cNvSpPr>
+            <a:spLocks noGrp="1"/>
+          </p:cNvSpPr>
+          <p:nvPr>
+            <p:ph idx="1"/>
+          </p:nvPr>
+        </p:nvSpPr>
+        <p:spPr>
+          <a:xfrm>
+            <a:off x="649225" y="2133600"/>
+            <a:ext cx="4242942" cy="3759253"/>
+          </a:xfrm>
+        </p:spPr>
+        <p:txBody>
+          <a:bodyPr>
+            <a:normAutofit/>
+          </a:bodyPr>
+          <a:lstStyle/>
+          <a:p>
+            <a:r>
+              <a:rPr lang="da-DK" dirty="0"/>
+              <a:t>Opdel mulige input i klasser </a:t>
+            </a:r>
+          </a:p>
+          <a:p>
+            <a:pPr lvl="1"/>
+            <a:r>
+              <a:rPr lang="da-DK" dirty="0"/>
+              <a:t>hvor den forventede adfærd er den samme </a:t>
+            </a:r>
+          </a:p>
+          <a:p>
+            <a:endParaRPr lang="en-US" dirty="0"/>
+          </a:p>
+        </p:txBody>
+      </p:sp>
+      <p:pic>
+        <p:nvPicPr>
+          <p:cNvPr id="4" name="Billede 3">
+            <a:extLst>
+              <a:ext uri="{FF2B5EF4-FFF2-40B4-BE49-F238E27FC236}">
+                <a16:creationId xmlns:a16="http://schemas.microsoft.com/office/drawing/2014/main" id="{8E33ED9E-AB0F-4817-8539-10D0AB591BD0}"/>
+              </a:ext>
+            </a:extLst>
+          </p:cNvPr>
+          <p:cNvPicPr>
+            <a:picLocks noChangeAspect="1"/>
+          </p:cNvPicPr>
+          <p:nvPr/>
+        </p:nvPicPr>
+        <p:blipFill>
+          <a:blip r:embed="rId2"/>
+          <a:stretch>
+            <a:fillRect/>
+          </a:stretch>
+        </p:blipFill>
+        <p:spPr>
+          <a:xfrm>
+            <a:off x="5065295" y="1629998"/>
+            <a:ext cx="6953577" cy="3598475"/>
+          </a:xfrm>
+          <a:prstGeom prst="rect">
+            <a:avLst/>
+          </a:prstGeom>
+        </p:spPr>
+      </p:pic>
+      <p:sp>
+        <p:nvSpPr>
+          <p:cNvPr id="13" name="Freeform 11">
+            <a:extLst>
+              <a:ext uri="{FF2B5EF4-FFF2-40B4-BE49-F238E27FC236}">
+                <a16:creationId xmlns:a16="http://schemas.microsoft.com/office/drawing/2014/main" id="{7DE3414B-B032-4710-A468-D3285E38C5FF}"/>
+              </a:ext>
+              <a:ext uri="{C183D7F6-B498-43B3-948B-1728B52AA6E4}">
+                <adec:decorative xmlns:adec="http://schemas.microsoft.com/office/drawing/2017/decorative" val="1"/>
+              </a:ext>
+            </a:extLst>
+          </p:cNvPr>
+          <p:cNvSpPr>
+            <a:spLocks noGrp="1" noRot="1" noChangeAspect="1" noMove="1" noResize="1" noEditPoints="1" noAdjustHandles="1" noChangeArrowheads="1" noChangeShapeType="1" noTextEdit="1"/>
+          </p:cNvSpPr>
+          <p:nvPr>
+            <p:extLst>
+              <p:ext uri="{386F3935-93C4-4BCD-93E2-E3B085C9AB24}">
+                <p16:designElem xmlns:p16="http://schemas.microsoft.com/office/powerpoint/2015/main" val="1"/>
+              </p:ext>
+            </p:extLst>
+          </p:nvPr>
+        </p:nvSpPr>
+        <p:spPr>
+          <a:xfrm>
+            <a:off x="-1" y="6061223"/>
+            <a:ext cx="1038036" cy="506277"/>
+          </a:xfrm>
+          <a:custGeom>
+            <a:avLst/>
+            <a:gdLst>
+              <a:gd name="connsiteX0" fmla="*/ 0 w 1038036"/>
+              <a:gd name="connsiteY0" fmla="*/ 0 h 506277"/>
+              <a:gd name="connsiteX1" fmla="*/ 182880 w 1038036"/>
+              <a:gd name="connsiteY1" fmla="*/ 0 h 506277"/>
+              <a:gd name="connsiteX2" fmla="*/ 291705 w 1038036"/>
+              <a:gd name="connsiteY2" fmla="*/ 0 h 506277"/>
+              <a:gd name="connsiteX3" fmla="*/ 291705 w 1038036"/>
+              <a:gd name="connsiteY3" fmla="*/ 151 h 506277"/>
+              <a:gd name="connsiteX4" fmla="*/ 692049 w 1038036"/>
+              <a:gd name="connsiteY4" fmla="*/ 705 h 506277"/>
+              <a:gd name="connsiteX5" fmla="*/ 782744 w 1038036"/>
+              <a:gd name="connsiteY5" fmla="*/ 705 h 506277"/>
+              <a:gd name="connsiteX6" fmla="*/ 797001 w 1038036"/>
+              <a:gd name="connsiteY6" fmla="*/ 5473 h 506277"/>
+              <a:gd name="connsiteX7" fmla="*/ 801982 w 1038036"/>
+              <a:gd name="connsiteY7" fmla="*/ 10242 h 506277"/>
+              <a:gd name="connsiteX8" fmla="*/ 1030951 w 1038036"/>
+              <a:gd name="connsiteY8" fmla="*/ 239185 h 506277"/>
+              <a:gd name="connsiteX9" fmla="*/ 1030951 w 1038036"/>
+              <a:gd name="connsiteY9" fmla="*/ 267797 h 506277"/>
+              <a:gd name="connsiteX10" fmla="*/ 801982 w 1038036"/>
+              <a:gd name="connsiteY10" fmla="*/ 496740 h 506277"/>
+              <a:gd name="connsiteX11" fmla="*/ 797001 w 1038036"/>
+              <a:gd name="connsiteY11" fmla="*/ 501508 h 506277"/>
+              <a:gd name="connsiteX12" fmla="*/ 782744 w 1038036"/>
+              <a:gd name="connsiteY12" fmla="*/ 506277 h 506277"/>
+              <a:gd name="connsiteX13" fmla="*/ 692049 w 1038036"/>
+              <a:gd name="connsiteY13" fmla="*/ 506277 h 506277"/>
+              <a:gd name="connsiteX14" fmla="*/ 291705 w 1038036"/>
+              <a:gd name="connsiteY14" fmla="*/ 505140 h 506277"/>
+              <a:gd name="connsiteX15" fmla="*/ 291705 w 1038036"/>
+              <a:gd name="connsiteY15" fmla="*/ 506277 h 506277"/>
+              <a:gd name="connsiteX16" fmla="*/ 0 w 1038036"/>
+              <a:gd name="connsiteY16" fmla="*/ 506277 h 506277"/>
+            </a:gdLst>
+            <a:ahLst/>
+            <a:cxnLst>
+              <a:cxn ang="0">
+                <a:pos x="connsiteX0" y="connsiteY0"/>
+              </a:cxn>
+              <a:cxn ang="0">
+                <a:pos x="connsiteX1" y="connsiteY1"/>
+              </a:cxn>
+              <a:cxn ang="0">
+                <a:pos x="connsiteX2" y="connsiteY2"/>
+              </a:cxn>
+              <a:cxn ang="0">
+                <a:pos x="connsiteX3" y="connsiteY3"/>
+              </a:cxn>
+              <a:cxn ang="0">
+                <a:pos x="connsiteX4" y="connsiteY4"/>
+              </a:cxn>
+              <a:cxn ang="0">
+                <a:pos x="connsiteX5" y="connsiteY5"/>
+              </a:cxn>
+              <a:cxn ang="0">
+                <a:pos x="connsiteX6" y="connsiteY6"/>
+              </a:cxn>
+              <a:cxn ang="0">
+                <a:pos x="connsiteX7" y="connsiteY7"/>
+              </a:cxn>
+              <a:cxn ang="0">
+                <a:pos x="connsiteX8" y="connsiteY8"/>
+              </a:cxn>
+              <a:cxn ang="0">
+                <a:pos x="connsiteX9" y="connsiteY9"/>
+              </a:cxn>
+              <a:cxn ang="0">
+                <a:pos x="connsiteX10" y="connsiteY10"/>
+              </a:cxn>
+              <a:cxn ang="0">
+                <a:pos x="connsiteX11" y="connsiteY11"/>
+              </a:cxn>
+              <a:cxn ang="0">
+                <a:pos x="connsiteX12" y="connsiteY12"/>
+              </a:cxn>
+              <a:cxn ang="0">
+                <a:pos x="connsiteX13" y="connsiteY13"/>
+              </a:cxn>
+              <a:cxn ang="0">
+                <a:pos x="connsiteX14" y="connsiteY14"/>
+              </a:cxn>
+              <a:cxn ang="0">
+                <a:pos x="connsiteX15" y="connsiteY15"/>
+              </a:cxn>
+              <a:cxn ang="0">
+                <a:pos x="connsiteX16" y="connsiteY16"/>
+              </a:cxn>
+            </a:cxnLst>
+            <a:rect l="l" t="t" r="r" b="b"/>
+            <a:pathLst>
+              <a:path w="1038036" h="506277">
+                <a:moveTo>
+                  <a:pt x="0" y="0"/>
+                </a:moveTo>
+                <a:lnTo>
+                  <a:pt x="182880" y="0"/>
+                </a:lnTo>
+                <a:lnTo>
+                  <a:pt x="291705" y="0"/>
+                </a:lnTo>
+                <a:lnTo>
+                  <a:pt x="291705" y="151"/>
+                </a:lnTo>
+                <a:lnTo>
+                  <a:pt x="692049" y="705"/>
+                </a:lnTo>
+                <a:lnTo>
+                  <a:pt x="782744" y="705"/>
+                </a:lnTo>
+                <a:cubicBezTo>
+                  <a:pt x="787553" y="705"/>
+                  <a:pt x="792363" y="5473"/>
+                  <a:pt x="797001" y="5473"/>
+                </a:cubicBezTo>
+                <a:cubicBezTo>
+                  <a:pt x="797001" y="10242"/>
+                  <a:pt x="801982" y="10242"/>
+                  <a:pt x="801982" y="10242"/>
+                </a:cubicBezTo>
+                <a:lnTo>
+                  <a:pt x="1030951" y="239185"/>
+                </a:lnTo>
+                <a:cubicBezTo>
+                  <a:pt x="1040398" y="248722"/>
+                  <a:pt x="1040398" y="258259"/>
+                  <a:pt x="1030951" y="267797"/>
+                </a:cubicBezTo>
+                <a:lnTo>
+                  <a:pt x="801982" y="496740"/>
+                </a:lnTo>
+                <a:cubicBezTo>
+                  <a:pt x="800436" y="498363"/>
+                  <a:pt x="798547" y="499885"/>
+                  <a:pt x="797001" y="501508"/>
+                </a:cubicBezTo>
+                <a:cubicBezTo>
+                  <a:pt x="792363" y="506277"/>
+                  <a:pt x="787553" y="506277"/>
+                  <a:pt x="782744" y="506277"/>
+                </a:cubicBezTo>
+                <a:lnTo>
+                  <a:pt x="692049" y="506277"/>
+                </a:lnTo>
+                <a:lnTo>
+                  <a:pt x="291705" y="505140"/>
+                </a:lnTo>
+                <a:lnTo>
+                  <a:pt x="291705" y="506277"/>
+                </a:lnTo>
+                <a:lnTo>
+                  <a:pt x="0" y="506277"/>
+                </a:lnTo>
+                <a:close/>
+              </a:path>
+            </a:pathLst>
+          </a:custGeom>
+          <a:ln>
+            <a:noFill/>
+          </a:ln>
+        </p:spPr>
+        <p:style>
+          <a:lnRef idx="2">
+            <a:schemeClr val="accent1">
+              <a:shade val="50000"/>
+            </a:schemeClr>
+          </a:lnRef>
+          <a:fillRef idx="1">
+            <a:schemeClr val="accent1"/>
+          </a:fillRef>
+          <a:effectRef idx="0">
+            <a:schemeClr val="accent1"/>
+          </a:effectRef>
+          <a:fontRef idx="minor">
+            <a:schemeClr val="lt1"/>
+          </a:fontRef>
+        </p:style>
+        <p:txBody>
+          <a:bodyPr rtlCol="0" anchor="ctr"/>
+          <a:lstStyle/>
+          <a:p>
+            <a:pPr algn="ctr"/>
+            <a:endParaRPr lang="en-US"/>
+          </a:p>
+        </p:txBody>
+      </p:sp>
+    </p:spTree>
+    <p:extLst>
+      <p:ext uri="{BB962C8B-B14F-4D97-AF65-F5344CB8AC3E}">
+        <p14:creationId xmlns:p14="http://schemas.microsoft.com/office/powerpoint/2010/main" val="3434573338"/>
+      </p:ext>
+    </p:extLst>
+  </p:cSld>
+  <p:clrMapOvr>
+    <a:masterClrMapping/>
+  </p:clrMapOvr>
+</p:sld>
+</file>
+
+<file path=ppt/slides/slide14.xml><?xml version="1.0" encoding="utf-8"?>
+<p:sld xmlns:a="http://schemas.openxmlformats.org/drawingml/2006/main" xmlns:r="http://schemas.openxmlformats.org/officeDocument/2006/relationships" xmlns:p="http://schemas.openxmlformats.org/presentationml/2006/main">
+  <p:cSld>
+    <p:bg>
+      <p:bgPr>
+        <a:gradFill rotWithShape="1">
+          <a:gsLst>
+            <a:gs pos="0">
+              <a:schemeClr val="bg2">
+                <a:tint val="90000"/>
+                <a:satMod val="92000"/>
+                <a:lumMod val="120000"/>
+              </a:schemeClr>
+            </a:gs>
+            <a:gs pos="100000">
+              <a:schemeClr val="bg2">
+                <a:shade val="98000"/>
+                <a:satMod val="120000"/>
+                <a:lumMod val="98000"/>
+              </a:schemeClr>
+            </a:gs>
+          </a:gsLst>
+          <a:path path="circle">
+            <a:fillToRect l="50000" t="50000" r="100000" b="100000"/>
+          </a:path>
+        </a:gradFill>
+        <a:effectLst/>
+      </p:bgPr>
+    </p:bg>
+    <p:spTree>
+      <p:nvGrpSpPr>
+        <p:cNvPr id="1" name=""/>
+        <p:cNvGrpSpPr/>
+        <p:nvPr/>
+      </p:nvGrpSpPr>
+      <p:grpSpPr>
+        <a:xfrm>
+          <a:off x="0" y="0"/>
+          <a:ext cx="0" cy="0"/>
+          <a:chOff x="0" y="0"/>
+          <a:chExt cx="0" cy="0"/>
+        </a:xfrm>
+      </p:grpSpPr>
+      <p:sp useBgFill="1">
+        <p:nvSpPr>
+          <p:cNvPr id="18" name="Rectangle 17">
+            <a:extLst>
+              <a:ext uri="{FF2B5EF4-FFF2-40B4-BE49-F238E27FC236}">
+                <a16:creationId xmlns:a16="http://schemas.microsoft.com/office/drawing/2014/main" id="{3F4C104D-5F30-4811-9376-566B26E4719A}"/>
+              </a:ext>
+              <a:ext uri="{C183D7F6-B498-43B3-948B-1728B52AA6E4}">
+                <adec:decorative xmlns:adec="http://schemas.microsoft.com/office/drawing/2017/decorative" val="1"/>
+              </a:ext>
+            </a:extLst>
+          </p:cNvPr>
+          <p:cNvSpPr>
+            <a:spLocks noGrp="1" noRot="1" noChangeAspect="1" noMove="1" noResize="1" noEditPoints="1" noAdjustHandles="1" noChangeArrowheads="1" noChangeShapeType="1" noTextEdit="1"/>
+          </p:cNvSpPr>
+          <p:nvPr>
+            <p:extLst>
+              <p:ext uri="{386F3935-93C4-4BCD-93E2-E3B085C9AB24}">
+                <p16:designElem xmlns:p16="http://schemas.microsoft.com/office/powerpoint/2015/main" val="1"/>
+              </p:ext>
+            </p:extLst>
+          </p:nvPr>
+        </p:nvSpPr>
+        <p:spPr>
+          <a:xfrm>
+            <a:off x="0" y="-786"/>
+            <a:ext cx="12192000" cy="6854038"/>
+          </a:xfrm>
+          <a:prstGeom prst="rect">
+            <a:avLst/>
+          </a:prstGeom>
+          <a:ln>
+            <a:noFill/>
+          </a:ln>
+        </p:spPr>
+        <p:style>
+          <a:lnRef idx="2">
+            <a:schemeClr val="accent1">
+              <a:shade val="50000"/>
+            </a:schemeClr>
+          </a:lnRef>
+          <a:fillRef idx="1">
+            <a:schemeClr val="accent1"/>
+          </a:fillRef>
+          <a:effectRef idx="0">
+            <a:schemeClr val="accent1"/>
+          </a:effectRef>
+          <a:fontRef idx="minor">
+            <a:schemeClr val="lt1"/>
+          </a:fontRef>
+        </p:style>
+        <p:txBody>
+          <a:bodyPr rtlCol="0" anchor="ctr"/>
+          <a:lstStyle/>
+          <a:p>
+            <a:pPr algn="ctr"/>
+            <a:endParaRPr lang="en-US"/>
+          </a:p>
+        </p:txBody>
+      </p:sp>
+      <p:sp>
+        <p:nvSpPr>
+          <p:cNvPr id="2" name="Titel 1">
+            <a:extLst>
+              <a:ext uri="{FF2B5EF4-FFF2-40B4-BE49-F238E27FC236}">
+                <a16:creationId xmlns:a16="http://schemas.microsoft.com/office/drawing/2014/main" id="{74F21445-C96D-40CE-A17F-97967171F487}"/>
+              </a:ext>
+            </a:extLst>
+          </p:cNvPr>
+          <p:cNvSpPr>
+            <a:spLocks noGrp="1"/>
+          </p:cNvSpPr>
+          <p:nvPr>
+            <p:ph type="title"/>
+          </p:nvPr>
+        </p:nvSpPr>
+        <p:spPr>
+          <a:xfrm>
+            <a:off x="649224" y="645106"/>
+            <a:ext cx="3650279" cy="1259894"/>
+          </a:xfrm>
+        </p:spPr>
+        <p:txBody>
+          <a:bodyPr>
+            <a:normAutofit/>
+          </a:bodyPr>
+          <a:lstStyle/>
+          <a:p>
+            <a:r>
+              <a:rPr lang="en-US" sz="3100" dirty="0" err="1"/>
+              <a:t>Grænseværdier</a:t>
+            </a:r>
+            <a:endParaRPr lang="en-US" sz="3100" dirty="0"/>
+          </a:p>
+        </p:txBody>
+      </p:sp>
+      <p:sp>
+        <p:nvSpPr>
+          <p:cNvPr id="20" name="Rectangle 19">
+            <a:extLst>
+              <a:ext uri="{FF2B5EF4-FFF2-40B4-BE49-F238E27FC236}">
+                <a16:creationId xmlns:a16="http://schemas.microsoft.com/office/drawing/2014/main" id="{0815E34B-5D02-4E01-A936-E8E1C0AB6F12}"/>
+              </a:ext>
+              <a:ext uri="{C183D7F6-B498-43B3-948B-1728B52AA6E4}">
+                <adec:decorative xmlns:adec="http://schemas.microsoft.com/office/drawing/2017/decorative" val="1"/>
+              </a:ext>
+            </a:extLst>
+          </p:cNvPr>
+          <p:cNvSpPr>
+            <a:spLocks noGrp="1" noRot="1" noChangeAspect="1" noMove="1" noResize="1" noEditPoints="1" noAdjustHandles="1" noChangeArrowheads="1" noChangeShapeType="1" noTextEdit="1"/>
+          </p:cNvSpPr>
+          <p:nvPr>
+            <p:extLst>
+              <p:ext uri="{386F3935-93C4-4BCD-93E2-E3B085C9AB24}">
+                <p16:designElem xmlns:p16="http://schemas.microsoft.com/office/powerpoint/2015/main" val="1"/>
+              </p:ext>
+            </p:extLst>
+          </p:nvPr>
+        </p:nvSpPr>
+        <p:spPr>
+          <a:xfrm>
+            <a:off x="0" y="0"/>
+            <a:ext cx="182880" cy="6858000"/>
+          </a:xfrm>
+          <a:prstGeom prst="rect">
+            <a:avLst/>
+          </a:prstGeom>
+          <a:solidFill>
+            <a:schemeClr val="tx2"/>
+          </a:solidFill>
+          <a:ln>
+            <a:noFill/>
+          </a:ln>
+          <a:effectLst/>
+        </p:spPr>
+        <p:style>
+          <a:lnRef idx="1">
+            <a:schemeClr val="accent1"/>
+          </a:lnRef>
+          <a:fillRef idx="3">
+            <a:schemeClr val="accent1"/>
+          </a:fillRef>
+          <a:effectRef idx="2">
+            <a:schemeClr val="accent1"/>
+          </a:effectRef>
+          <a:fontRef idx="minor">
+            <a:schemeClr val="lt1"/>
+          </a:fontRef>
+        </p:style>
+      </p:sp>
+      <p:sp>
+        <p:nvSpPr>
+          <p:cNvPr id="3" name="Pladsholder til indhold 2">
+            <a:extLst>
+              <a:ext uri="{FF2B5EF4-FFF2-40B4-BE49-F238E27FC236}">
+                <a16:creationId xmlns:a16="http://schemas.microsoft.com/office/drawing/2014/main" id="{434969C5-12A3-48B3-A408-DF110C8E0BC9}"/>
+              </a:ext>
+            </a:extLst>
+          </p:cNvPr>
+          <p:cNvSpPr>
+            <a:spLocks noGrp="1"/>
+          </p:cNvSpPr>
+          <p:nvPr>
+            <p:ph idx="1"/>
+          </p:nvPr>
+        </p:nvSpPr>
+        <p:spPr>
+          <a:xfrm>
+            <a:off x="649225" y="2133600"/>
+            <a:ext cx="3650278" cy="3759253"/>
+          </a:xfrm>
+        </p:spPr>
+        <p:txBody>
+          <a:bodyPr>
+            <a:normAutofit/>
+          </a:bodyPr>
+          <a:lstStyle/>
+          <a:p>
+            <a:endParaRPr lang="en-US" dirty="0"/>
+          </a:p>
+        </p:txBody>
+      </p:sp>
+      <p:pic>
+        <p:nvPicPr>
+          <p:cNvPr id="5" name="Billede 4">
+            <a:extLst>
+              <a:ext uri="{FF2B5EF4-FFF2-40B4-BE49-F238E27FC236}">
+                <a16:creationId xmlns:a16="http://schemas.microsoft.com/office/drawing/2014/main" id="{E0A0AEB7-2663-4B31-99FF-2F667D9F7113}"/>
+              </a:ext>
+            </a:extLst>
+          </p:cNvPr>
+          <p:cNvPicPr>
+            <a:picLocks noChangeAspect="1"/>
+          </p:cNvPicPr>
+          <p:nvPr/>
+        </p:nvPicPr>
+        <p:blipFill>
+          <a:blip r:embed="rId2"/>
+          <a:stretch>
+            <a:fillRect/>
+          </a:stretch>
+        </p:blipFill>
+        <p:spPr>
+          <a:xfrm>
+            <a:off x="4619543" y="1467229"/>
+            <a:ext cx="6953577" cy="3598475"/>
+          </a:xfrm>
+          <a:prstGeom prst="rect">
+            <a:avLst/>
+          </a:prstGeom>
+        </p:spPr>
+      </p:pic>
+      <p:sp>
+        <p:nvSpPr>
+          <p:cNvPr id="22" name="Freeform 11">
+            <a:extLst>
+              <a:ext uri="{FF2B5EF4-FFF2-40B4-BE49-F238E27FC236}">
+                <a16:creationId xmlns:a16="http://schemas.microsoft.com/office/drawing/2014/main" id="{7DE3414B-B032-4710-A468-D3285E38C5FF}"/>
+              </a:ext>
+              <a:ext uri="{C183D7F6-B498-43B3-948B-1728B52AA6E4}">
+                <adec:decorative xmlns:adec="http://schemas.microsoft.com/office/drawing/2017/decorative" val="1"/>
+              </a:ext>
+            </a:extLst>
+          </p:cNvPr>
+          <p:cNvSpPr>
+            <a:spLocks noGrp="1" noRot="1" noChangeAspect="1" noMove="1" noResize="1" noEditPoints="1" noAdjustHandles="1" noChangeArrowheads="1" noChangeShapeType="1" noTextEdit="1"/>
+          </p:cNvSpPr>
+          <p:nvPr>
+            <p:extLst>
+              <p:ext uri="{386F3935-93C4-4BCD-93E2-E3B085C9AB24}">
+                <p16:designElem xmlns:p16="http://schemas.microsoft.com/office/powerpoint/2015/main" val="1"/>
+              </p:ext>
+            </p:extLst>
+          </p:nvPr>
+        </p:nvSpPr>
+        <p:spPr>
+          <a:xfrm>
+            <a:off x="-1" y="6061223"/>
+            <a:ext cx="1038036" cy="506277"/>
+          </a:xfrm>
+          <a:custGeom>
+            <a:avLst/>
+            <a:gdLst>
+              <a:gd name="connsiteX0" fmla="*/ 0 w 1038036"/>
+              <a:gd name="connsiteY0" fmla="*/ 0 h 506277"/>
+              <a:gd name="connsiteX1" fmla="*/ 182880 w 1038036"/>
+              <a:gd name="connsiteY1" fmla="*/ 0 h 506277"/>
+              <a:gd name="connsiteX2" fmla="*/ 291705 w 1038036"/>
+              <a:gd name="connsiteY2" fmla="*/ 0 h 506277"/>
+              <a:gd name="connsiteX3" fmla="*/ 291705 w 1038036"/>
+              <a:gd name="connsiteY3" fmla="*/ 151 h 506277"/>
+              <a:gd name="connsiteX4" fmla="*/ 692049 w 1038036"/>
+              <a:gd name="connsiteY4" fmla="*/ 705 h 506277"/>
+              <a:gd name="connsiteX5" fmla="*/ 782744 w 1038036"/>
+              <a:gd name="connsiteY5" fmla="*/ 705 h 506277"/>
+              <a:gd name="connsiteX6" fmla="*/ 797001 w 1038036"/>
+              <a:gd name="connsiteY6" fmla="*/ 5473 h 506277"/>
+              <a:gd name="connsiteX7" fmla="*/ 801982 w 1038036"/>
+              <a:gd name="connsiteY7" fmla="*/ 10242 h 506277"/>
+              <a:gd name="connsiteX8" fmla="*/ 1030951 w 1038036"/>
+              <a:gd name="connsiteY8" fmla="*/ 239185 h 506277"/>
+              <a:gd name="connsiteX9" fmla="*/ 1030951 w 1038036"/>
+              <a:gd name="connsiteY9" fmla="*/ 267797 h 506277"/>
+              <a:gd name="connsiteX10" fmla="*/ 801982 w 1038036"/>
+              <a:gd name="connsiteY10" fmla="*/ 496740 h 506277"/>
+              <a:gd name="connsiteX11" fmla="*/ 797001 w 1038036"/>
+              <a:gd name="connsiteY11" fmla="*/ 501508 h 506277"/>
+              <a:gd name="connsiteX12" fmla="*/ 782744 w 1038036"/>
+              <a:gd name="connsiteY12" fmla="*/ 506277 h 506277"/>
+              <a:gd name="connsiteX13" fmla="*/ 692049 w 1038036"/>
+              <a:gd name="connsiteY13" fmla="*/ 506277 h 506277"/>
+              <a:gd name="connsiteX14" fmla="*/ 291705 w 1038036"/>
+              <a:gd name="connsiteY14" fmla="*/ 505140 h 506277"/>
+              <a:gd name="connsiteX15" fmla="*/ 291705 w 1038036"/>
+              <a:gd name="connsiteY15" fmla="*/ 506277 h 506277"/>
+              <a:gd name="connsiteX16" fmla="*/ 0 w 1038036"/>
+              <a:gd name="connsiteY16" fmla="*/ 506277 h 506277"/>
+            </a:gdLst>
+            <a:ahLst/>
+            <a:cxnLst>
+              <a:cxn ang="0">
+                <a:pos x="connsiteX0" y="connsiteY0"/>
+              </a:cxn>
+              <a:cxn ang="0">
+                <a:pos x="connsiteX1" y="connsiteY1"/>
+              </a:cxn>
+              <a:cxn ang="0">
+                <a:pos x="connsiteX2" y="connsiteY2"/>
+              </a:cxn>
+              <a:cxn ang="0">
+                <a:pos x="connsiteX3" y="connsiteY3"/>
+              </a:cxn>
+              <a:cxn ang="0">
+                <a:pos x="connsiteX4" y="connsiteY4"/>
+              </a:cxn>
+              <a:cxn ang="0">
+                <a:pos x="connsiteX5" y="connsiteY5"/>
+              </a:cxn>
+              <a:cxn ang="0">
+                <a:pos x="connsiteX6" y="connsiteY6"/>
+              </a:cxn>
+              <a:cxn ang="0">
+                <a:pos x="connsiteX7" y="connsiteY7"/>
+              </a:cxn>
+              <a:cxn ang="0">
+                <a:pos x="connsiteX8" y="connsiteY8"/>
+              </a:cxn>
+              <a:cxn ang="0">
+                <a:pos x="connsiteX9" y="connsiteY9"/>
+              </a:cxn>
+              <a:cxn ang="0">
+                <a:pos x="connsiteX10" y="connsiteY10"/>
+              </a:cxn>
+              <a:cxn ang="0">
+                <a:pos x="connsiteX11" y="connsiteY11"/>
+              </a:cxn>
+              <a:cxn ang="0">
+                <a:pos x="connsiteX12" y="connsiteY12"/>
+              </a:cxn>
+              <a:cxn ang="0">
+                <a:pos x="connsiteX13" y="connsiteY13"/>
+              </a:cxn>
+              <a:cxn ang="0">
+                <a:pos x="connsiteX14" y="connsiteY14"/>
+              </a:cxn>
+              <a:cxn ang="0">
+                <a:pos x="connsiteX15" y="connsiteY15"/>
+              </a:cxn>
+              <a:cxn ang="0">
+                <a:pos x="connsiteX16" y="connsiteY16"/>
+              </a:cxn>
+            </a:cxnLst>
+            <a:rect l="l" t="t" r="r" b="b"/>
+            <a:pathLst>
+              <a:path w="1038036" h="506277">
+                <a:moveTo>
+                  <a:pt x="0" y="0"/>
+                </a:moveTo>
+                <a:lnTo>
+                  <a:pt x="182880" y="0"/>
+                </a:lnTo>
+                <a:lnTo>
+                  <a:pt x="291705" y="0"/>
+                </a:lnTo>
+                <a:lnTo>
+                  <a:pt x="291705" y="151"/>
+                </a:lnTo>
+                <a:lnTo>
+                  <a:pt x="692049" y="705"/>
+                </a:lnTo>
+                <a:lnTo>
+                  <a:pt x="782744" y="705"/>
+                </a:lnTo>
+                <a:cubicBezTo>
+                  <a:pt x="787553" y="705"/>
+                  <a:pt x="792363" y="5473"/>
+                  <a:pt x="797001" y="5473"/>
+                </a:cubicBezTo>
+                <a:cubicBezTo>
+                  <a:pt x="797001" y="10242"/>
+                  <a:pt x="801982" y="10242"/>
+                  <a:pt x="801982" y="10242"/>
+                </a:cubicBezTo>
+                <a:lnTo>
+                  <a:pt x="1030951" y="239185"/>
+                </a:lnTo>
+                <a:cubicBezTo>
+                  <a:pt x="1040398" y="248722"/>
+                  <a:pt x="1040398" y="258259"/>
+                  <a:pt x="1030951" y="267797"/>
+                </a:cubicBezTo>
+                <a:lnTo>
+                  <a:pt x="801982" y="496740"/>
+                </a:lnTo>
+                <a:cubicBezTo>
+                  <a:pt x="800436" y="498363"/>
+                  <a:pt x="798547" y="499885"/>
+                  <a:pt x="797001" y="501508"/>
+                </a:cubicBezTo>
+                <a:cubicBezTo>
+                  <a:pt x="792363" y="506277"/>
+                  <a:pt x="787553" y="506277"/>
+                  <a:pt x="782744" y="506277"/>
+                </a:cubicBezTo>
+                <a:lnTo>
+                  <a:pt x="692049" y="506277"/>
+                </a:lnTo>
+                <a:lnTo>
+                  <a:pt x="291705" y="505140"/>
+                </a:lnTo>
+                <a:lnTo>
+                  <a:pt x="291705" y="506277"/>
+                </a:lnTo>
+                <a:lnTo>
+                  <a:pt x="0" y="506277"/>
+                </a:lnTo>
+                <a:close/>
+              </a:path>
+            </a:pathLst>
+          </a:custGeom>
+          <a:ln>
+            <a:noFill/>
+          </a:ln>
+        </p:spPr>
+        <p:style>
+          <a:lnRef idx="2">
+            <a:schemeClr val="accent1">
+              <a:shade val="50000"/>
+            </a:schemeClr>
+          </a:lnRef>
+          <a:fillRef idx="1">
+            <a:schemeClr val="accent1"/>
+          </a:fillRef>
+          <a:effectRef idx="0">
+            <a:schemeClr val="accent1"/>
+          </a:effectRef>
+          <a:fontRef idx="minor">
+            <a:schemeClr val="lt1"/>
+          </a:fontRef>
+        </p:style>
+        <p:txBody>
+          <a:bodyPr rtlCol="0" anchor="ctr"/>
+          <a:lstStyle/>
+          <a:p>
+            <a:pPr algn="ctr"/>
+            <a:endParaRPr lang="en-US"/>
+          </a:p>
+        </p:txBody>
+      </p:sp>
+    </p:spTree>
+    <p:extLst>
+      <p:ext uri="{BB962C8B-B14F-4D97-AF65-F5344CB8AC3E}">
+        <p14:creationId xmlns:p14="http://schemas.microsoft.com/office/powerpoint/2010/main" val="1676994801"/>
+      </p:ext>
+    </p:extLst>
+  </p:cSld>
+  <p:clrMapOvr>
+    <a:masterClrMapping/>
+  </p:clrMapOvr>
+</p:sld>
+</file>
+
+<file path=ppt/slides/slide15.xml><?xml version="1.0" encoding="utf-8"?>
 <p:sld xmlns:a="http://schemas.openxmlformats.org/drawingml/2006/main" xmlns:r="http://schemas.openxmlformats.org/officeDocument/2006/relationships" xmlns:p="http://schemas.openxmlformats.org/presentationml/2006/main">
   <p:cSld>
     <p:bg>
@@ -10635,31 +11816,6 @@
           </a:prstGeom>
         </p:spPr>
       </p:pic>
-      <p:sp>
-        <p:nvSpPr>
-          <p:cNvPr id="6" name="Titel 5">
-            <a:extLst>
-              <a:ext uri="{FF2B5EF4-FFF2-40B4-BE49-F238E27FC236}">
-                <a16:creationId xmlns:a16="http://schemas.microsoft.com/office/drawing/2014/main" id="{A6931266-F8BB-4403-9616-743B57B1802C}"/>
-              </a:ext>
-            </a:extLst>
-          </p:cNvPr>
-          <p:cNvSpPr>
-            <a:spLocks noGrp="1"/>
-          </p:cNvSpPr>
-          <p:nvPr>
-            <p:ph type="title"/>
-          </p:nvPr>
-        </p:nvSpPr>
-        <p:spPr/>
-        <p:txBody>
-          <a:bodyPr/>
-          <a:lstStyle/>
-          <a:p>
-            <a:endParaRPr lang="en-US" dirty="0"/>
-          </a:p>
-        </p:txBody>
-      </p:sp>
     </p:spTree>
     <p:extLst>
       <p:ext uri="{BB962C8B-B14F-4D97-AF65-F5344CB8AC3E}">
@@ -10695,6 +11851,149 @@
           <p:cNvPr id="2" name="Titel 1">
             <a:extLst>
               <a:ext uri="{FF2B5EF4-FFF2-40B4-BE49-F238E27FC236}">
+                <a16:creationId xmlns:a16="http://schemas.microsoft.com/office/drawing/2014/main" id="{EB4418E5-3C48-4DA9-BD52-C402A97313C8}"/>
+              </a:ext>
+            </a:extLst>
+          </p:cNvPr>
+          <p:cNvSpPr>
+            <a:spLocks noGrp="1"/>
+          </p:cNvSpPr>
+          <p:nvPr>
+            <p:ph type="title"/>
+          </p:nvPr>
+        </p:nvSpPr>
+        <p:spPr/>
+        <p:txBody>
+          <a:bodyPr/>
+          <a:lstStyle/>
+          <a:p>
+            <a:r>
+              <a:rPr lang="da-DK" dirty="0"/>
+              <a:t>Funktionelle / Ikke Funktionelle Tests</a:t>
+            </a:r>
+            <a:endParaRPr lang="en-US" dirty="0"/>
+          </a:p>
+        </p:txBody>
+      </p:sp>
+      <p:sp>
+        <p:nvSpPr>
+          <p:cNvPr id="3" name="Pladsholder til indhold 2">
+            <a:extLst>
+              <a:ext uri="{FF2B5EF4-FFF2-40B4-BE49-F238E27FC236}">
+                <a16:creationId xmlns:a16="http://schemas.microsoft.com/office/drawing/2014/main" id="{1F21B27B-E74A-4C95-BE10-46621C6F6A14}"/>
+              </a:ext>
+            </a:extLst>
+          </p:cNvPr>
+          <p:cNvSpPr>
+            <a:spLocks noGrp="1"/>
+          </p:cNvSpPr>
+          <p:nvPr>
+            <p:ph idx="1"/>
+          </p:nvPr>
+        </p:nvSpPr>
+        <p:spPr/>
+        <p:txBody>
+          <a:bodyPr/>
+          <a:lstStyle/>
+          <a:p>
+            <a:r>
+              <a:rPr lang="da-DK" dirty="0"/>
+              <a:t>Funktionelle</a:t>
+            </a:r>
+          </a:p>
+          <a:p>
+            <a:pPr lvl="1"/>
+            <a:r>
+              <a:rPr lang="da-DK" dirty="0"/>
+              <a:t>Det som kan måles:</a:t>
+            </a:r>
+          </a:p>
+          <a:p>
+            <a:pPr lvl="1"/>
+            <a:r>
+              <a:rPr lang="da-DK" dirty="0"/>
+              <a:t>Kravspecifikationer </a:t>
+            </a:r>
+          </a:p>
+          <a:p>
+            <a:pPr lvl="2"/>
+            <a:r>
+              <a:rPr lang="da-DK" dirty="0"/>
+              <a:t>Kompatibilitet -&gt; kan det installeres på en mobil?</a:t>
+            </a:r>
+          </a:p>
+          <a:p>
+            <a:pPr lvl="1"/>
+            <a:r>
+              <a:rPr lang="da-DK" dirty="0"/>
+              <a:t>Installeres programmet </a:t>
+            </a:r>
+            <a:r>
+              <a:rPr lang="da-DK" dirty="0" err="1"/>
+              <a:t>ordenligt</a:t>
+            </a:r>
+            <a:r>
+              <a:rPr lang="da-DK" dirty="0"/>
+              <a:t>?</a:t>
+            </a:r>
+          </a:p>
+          <a:p>
+            <a:r>
+              <a:rPr lang="da-DK" dirty="0"/>
+              <a:t>Ikke Funktionelle</a:t>
+            </a:r>
+          </a:p>
+          <a:p>
+            <a:pPr lvl="1"/>
+            <a:r>
+              <a:rPr lang="da-DK" dirty="0"/>
+              <a:t>Det der ikke kan måles:</a:t>
+            </a:r>
+          </a:p>
+          <a:p>
+            <a:pPr lvl="1"/>
+            <a:r>
+              <a:rPr lang="da-DK" dirty="0"/>
+              <a:t>”God” performance, Er det ”sjovt”</a:t>
+            </a:r>
+          </a:p>
+        </p:txBody>
+      </p:sp>
+    </p:spTree>
+    <p:extLst>
+      <p:ext uri="{BB962C8B-B14F-4D97-AF65-F5344CB8AC3E}">
+        <p14:creationId xmlns:p14="http://schemas.microsoft.com/office/powerpoint/2010/main" val="2405800524"/>
+      </p:ext>
+    </p:extLst>
+  </p:cSld>
+  <p:clrMapOvr>
+    <a:masterClrMapping/>
+  </p:clrMapOvr>
+</p:sld>
+</file>
+
+<file path=ppt/slides/slide7.xml><?xml version="1.0" encoding="utf-8"?>
+<p:sld xmlns:a="http://schemas.openxmlformats.org/drawingml/2006/main" xmlns:r="http://schemas.openxmlformats.org/officeDocument/2006/relationships" xmlns:p="http://schemas.openxmlformats.org/presentationml/2006/main">
+  <p:cSld>
+    <p:spTree>
+      <p:nvGrpSpPr>
+        <p:cNvPr id="1" name=""/>
+        <p:cNvGrpSpPr/>
+        <p:nvPr/>
+      </p:nvGrpSpPr>
+      <p:grpSpPr>
+        <a:xfrm>
+          <a:off x="0" y="0"/>
+          <a:ext cx="0" cy="0"/>
+          <a:chOff x="0" y="0"/>
+          <a:chExt cx="0" cy="0"/>
+        </a:xfrm>
+      </p:grpSpPr>
+      <p:sp>
+        <p:nvSpPr>
+          <p:cNvPr id="2" name="Titel 1">
+            <a:extLst>
+              <a:ext uri="{FF2B5EF4-FFF2-40B4-BE49-F238E27FC236}">
                 <a16:creationId xmlns:a16="http://schemas.microsoft.com/office/drawing/2014/main" id="{198F55C7-6905-4F44-AA86-D4F1CDCBA9E8}"/>
               </a:ext>
             </a:extLst>
@@ -10901,499 +12200,6 @@
     <p:extLst>
       <p:ext uri="{BB962C8B-B14F-4D97-AF65-F5344CB8AC3E}">
         <p14:creationId xmlns:p14="http://schemas.microsoft.com/office/powerpoint/2010/main" val="135150983"/>
-      </p:ext>
-    </p:extLst>
-  </p:cSld>
-  <p:clrMapOvr>
-    <a:masterClrMapping/>
-  </p:clrMapOvr>
-</p:sld>
-</file>
-
-<file path=ppt/slides/slide7.xml><?xml version="1.0" encoding="utf-8"?>
-<p:sld xmlns:a="http://schemas.openxmlformats.org/drawingml/2006/main" xmlns:r="http://schemas.openxmlformats.org/officeDocument/2006/relationships" xmlns:p="http://schemas.openxmlformats.org/presentationml/2006/main">
-  <p:cSld>
-    <p:bg>
-      <p:bgPr>
-        <a:gradFill rotWithShape="1">
-          <a:gsLst>
-            <a:gs pos="0">
-              <a:schemeClr val="bg2">
-                <a:tint val="90000"/>
-                <a:satMod val="92000"/>
-                <a:lumMod val="120000"/>
-              </a:schemeClr>
-            </a:gs>
-            <a:gs pos="100000">
-              <a:schemeClr val="bg2">
-                <a:shade val="98000"/>
-                <a:satMod val="120000"/>
-                <a:lumMod val="98000"/>
-              </a:schemeClr>
-            </a:gs>
-          </a:gsLst>
-          <a:path path="circle">
-            <a:fillToRect l="50000" t="50000" r="100000" b="100000"/>
-          </a:path>
-        </a:gradFill>
-        <a:effectLst/>
-      </p:bgPr>
-    </p:bg>
-    <p:spTree>
-      <p:nvGrpSpPr>
-        <p:cNvPr id="1" name=""/>
-        <p:cNvGrpSpPr/>
-        <p:nvPr/>
-      </p:nvGrpSpPr>
-      <p:grpSpPr>
-        <a:xfrm>
-          <a:off x="0" y="0"/>
-          <a:ext cx="0" cy="0"/>
-          <a:chOff x="0" y="0"/>
-          <a:chExt cx="0" cy="0"/>
-        </a:xfrm>
-      </p:grpSpPr>
-      <p:sp useBgFill="1">
-        <p:nvSpPr>
-          <p:cNvPr id="12" name="Rectangle 11">
-            <a:extLst>
-              <a:ext uri="{FF2B5EF4-FFF2-40B4-BE49-F238E27FC236}">
-                <a16:creationId xmlns:a16="http://schemas.microsoft.com/office/drawing/2014/main" id="{1EDD21E1-BAF0-4314-AB31-82ECB8AC9EA9}"/>
-              </a:ext>
-              <a:ext uri="{C183D7F6-B498-43B3-948B-1728B52AA6E4}">
-                <adec:decorative xmlns:adec="http://schemas.microsoft.com/office/drawing/2017/decorative" val="1"/>
-              </a:ext>
-            </a:extLst>
-          </p:cNvPr>
-          <p:cNvSpPr>
-            <a:spLocks noGrp="1" noRot="1" noChangeAspect="1" noMove="1" noResize="1" noEditPoints="1" noAdjustHandles="1" noChangeArrowheads="1" noChangeShapeType="1" noTextEdit="1"/>
-          </p:cNvSpPr>
-          <p:nvPr>
-            <p:extLst>
-              <p:ext uri="{386F3935-93C4-4BCD-93E2-E3B085C9AB24}">
-                <p16:designElem xmlns:p16="http://schemas.microsoft.com/office/powerpoint/2015/main" val="1"/>
-              </p:ext>
-            </p:extLst>
-          </p:nvPr>
-        </p:nvSpPr>
-        <p:spPr>
-          <a:xfrm>
-            <a:off x="0" y="-786"/>
-            <a:ext cx="12192000" cy="6854038"/>
-          </a:xfrm>
-          <a:prstGeom prst="rect">
-            <a:avLst/>
-          </a:prstGeom>
-          <a:ln>
-            <a:noFill/>
-          </a:ln>
-        </p:spPr>
-        <p:style>
-          <a:lnRef idx="2">
-            <a:schemeClr val="accent1">
-              <a:shade val="50000"/>
-            </a:schemeClr>
-          </a:lnRef>
-          <a:fillRef idx="1">
-            <a:schemeClr val="accent1"/>
-          </a:fillRef>
-          <a:effectRef idx="0">
-            <a:schemeClr val="accent1"/>
-          </a:effectRef>
-          <a:fontRef idx="minor">
-            <a:schemeClr val="lt1"/>
-          </a:fontRef>
-        </p:style>
-        <p:txBody>
-          <a:bodyPr rtlCol="0" anchor="ctr"/>
-          <a:lstStyle/>
-          <a:p>
-            <a:pPr algn="ctr"/>
-            <a:endParaRPr lang="en-US"/>
-          </a:p>
-        </p:txBody>
-      </p:sp>
-      <p:sp>
-        <p:nvSpPr>
-          <p:cNvPr id="2" name="Titel 1">
-            <a:extLst>
-              <a:ext uri="{FF2B5EF4-FFF2-40B4-BE49-F238E27FC236}">
-                <a16:creationId xmlns:a16="http://schemas.microsoft.com/office/drawing/2014/main" id="{A38BB8FF-CC06-4797-AEDE-AB024E5B618A}"/>
-              </a:ext>
-            </a:extLst>
-          </p:cNvPr>
-          <p:cNvSpPr>
-            <a:spLocks noGrp="1"/>
-          </p:cNvSpPr>
-          <p:nvPr>
-            <p:ph type="title"/>
-          </p:nvPr>
-        </p:nvSpPr>
-        <p:spPr>
-          <a:xfrm>
-            <a:off x="649224" y="645106"/>
-            <a:ext cx="5122652" cy="1259894"/>
-          </a:xfrm>
-        </p:spPr>
-        <p:txBody>
-          <a:bodyPr>
-            <a:normAutofit/>
-          </a:bodyPr>
-          <a:lstStyle/>
-          <a:p>
-            <a:r>
-              <a:rPr lang="da-DK" dirty="0"/>
-              <a:t>Method </a:t>
-            </a:r>
-            <a:r>
-              <a:rPr lang="da-DK" dirty="0" err="1"/>
-              <a:t>Coverage</a:t>
-            </a:r>
-            <a:endParaRPr lang="en-US" dirty="0"/>
-          </a:p>
-        </p:txBody>
-      </p:sp>
-      <p:sp>
-        <p:nvSpPr>
-          <p:cNvPr id="14" name="Rectangle 13">
-            <a:extLst>
-              <a:ext uri="{FF2B5EF4-FFF2-40B4-BE49-F238E27FC236}">
-                <a16:creationId xmlns:a16="http://schemas.microsoft.com/office/drawing/2014/main" id="{FDC8619C-F25D-468E-95FA-2A2151D7DDD2}"/>
-              </a:ext>
-              <a:ext uri="{C183D7F6-B498-43B3-948B-1728B52AA6E4}">
-                <adec:decorative xmlns:adec="http://schemas.microsoft.com/office/drawing/2017/decorative" val="1"/>
-              </a:ext>
-            </a:extLst>
-          </p:cNvPr>
-          <p:cNvSpPr>
-            <a:spLocks noGrp="1" noRot="1" noChangeAspect="1" noMove="1" noResize="1" noEditPoints="1" noAdjustHandles="1" noChangeArrowheads="1" noChangeShapeType="1" noTextEdit="1"/>
-          </p:cNvSpPr>
-          <p:nvPr>
-            <p:extLst>
-              <p:ext uri="{386F3935-93C4-4BCD-93E2-E3B085C9AB24}">
-                <p16:designElem xmlns:p16="http://schemas.microsoft.com/office/powerpoint/2015/main" val="1"/>
-              </p:ext>
-            </p:extLst>
-          </p:nvPr>
-        </p:nvSpPr>
-        <p:spPr>
-          <a:xfrm>
-            <a:off x="0" y="0"/>
-            <a:ext cx="182880" cy="6858000"/>
-          </a:xfrm>
-          <a:prstGeom prst="rect">
-            <a:avLst/>
-          </a:prstGeom>
-          <a:solidFill>
-            <a:schemeClr val="tx2"/>
-          </a:solidFill>
-          <a:ln>
-            <a:noFill/>
-          </a:ln>
-          <a:effectLst/>
-        </p:spPr>
-        <p:style>
-          <a:lnRef idx="1">
-            <a:schemeClr val="accent1"/>
-          </a:lnRef>
-          <a:fillRef idx="3">
-            <a:schemeClr val="accent1"/>
-          </a:fillRef>
-          <a:effectRef idx="2">
-            <a:schemeClr val="accent1"/>
-          </a:effectRef>
-          <a:fontRef idx="minor">
-            <a:schemeClr val="lt1"/>
-          </a:fontRef>
-        </p:style>
-      </p:sp>
-      <p:sp>
-        <p:nvSpPr>
-          <p:cNvPr id="9" name="Content Placeholder 8">
-            <a:extLst>
-              <a:ext uri="{FF2B5EF4-FFF2-40B4-BE49-F238E27FC236}">
-                <a16:creationId xmlns:a16="http://schemas.microsoft.com/office/drawing/2014/main" id="{C215831E-ECBC-433C-AD48-ED584A7443D1}"/>
-              </a:ext>
-            </a:extLst>
-          </p:cNvPr>
-          <p:cNvSpPr>
-            <a:spLocks noGrp="1"/>
-          </p:cNvSpPr>
-          <p:nvPr>
-            <p:ph idx="1"/>
-          </p:nvPr>
-        </p:nvSpPr>
-        <p:spPr>
-          <a:xfrm>
-            <a:off x="649225" y="2133600"/>
-            <a:ext cx="5122652" cy="3759253"/>
-          </a:xfrm>
-        </p:spPr>
-        <p:txBody>
-          <a:bodyPr>
-            <a:normAutofit/>
-          </a:bodyPr>
-          <a:lstStyle/>
-          <a:p>
-            <a:r>
-              <a:rPr lang="da-DK" dirty="0"/>
-              <a:t>Test alle metoder</a:t>
-            </a:r>
-            <a:endParaRPr lang="en-US" dirty="0"/>
-          </a:p>
-        </p:txBody>
-      </p:sp>
-      <p:pic>
-        <p:nvPicPr>
-          <p:cNvPr id="7" name="Pladsholder til indhold 3">
-            <a:extLst>
-              <a:ext uri="{FF2B5EF4-FFF2-40B4-BE49-F238E27FC236}">
-                <a16:creationId xmlns:a16="http://schemas.microsoft.com/office/drawing/2014/main" id="{60E2B20F-62F9-4919-B811-F3D500C60F55}"/>
-              </a:ext>
-            </a:extLst>
-          </p:cNvPr>
-          <p:cNvPicPr>
-            <a:picLocks noChangeAspect="1"/>
-          </p:cNvPicPr>
-          <p:nvPr/>
-        </p:nvPicPr>
-        <p:blipFill>
-          <a:blip r:embed="rId2"/>
-          <a:stretch>
-            <a:fillRect/>
-          </a:stretch>
-        </p:blipFill>
-        <p:spPr>
-          <a:xfrm>
-            <a:off x="6091916" y="1069668"/>
-            <a:ext cx="5451627" cy="4398623"/>
-          </a:xfrm>
-          <a:prstGeom prst="rect">
-            <a:avLst/>
-          </a:prstGeom>
-        </p:spPr>
-      </p:pic>
-      <p:sp>
-        <p:nvSpPr>
-          <p:cNvPr id="16" name="Freeform 12">
-            <a:extLst>
-              <a:ext uri="{FF2B5EF4-FFF2-40B4-BE49-F238E27FC236}">
-                <a16:creationId xmlns:a16="http://schemas.microsoft.com/office/drawing/2014/main" id="{7D9439D6-DEAD-4CEB-A61B-BE3D64D1B598}"/>
-              </a:ext>
-              <a:ext uri="{C183D7F6-B498-43B3-948B-1728B52AA6E4}">
-                <adec:decorative xmlns:adec="http://schemas.microsoft.com/office/drawing/2017/decorative" val="1"/>
-              </a:ext>
-            </a:extLst>
-          </p:cNvPr>
-          <p:cNvSpPr>
-            <a:spLocks noGrp="1" noRot="1" noChangeAspect="1" noMove="1" noResize="1" noEditPoints="1" noAdjustHandles="1" noChangeArrowheads="1" noChangeShapeType="1" noTextEdit="1"/>
-          </p:cNvSpPr>
-          <p:nvPr>
-            <p:extLst>
-              <p:ext uri="{386F3935-93C4-4BCD-93E2-E3B085C9AB24}">
-                <p16:designElem xmlns:p16="http://schemas.microsoft.com/office/powerpoint/2015/main" val="1"/>
-              </p:ext>
-            </p:extLst>
-          </p:nvPr>
-        </p:nvSpPr>
-        <p:spPr>
-          <a:xfrm>
-            <a:off x="-1" y="6061223"/>
-            <a:ext cx="1038036" cy="506277"/>
-          </a:xfrm>
-          <a:custGeom>
-            <a:avLst/>
-            <a:gdLst>
-              <a:gd name="connsiteX0" fmla="*/ 0 w 1038036"/>
-              <a:gd name="connsiteY0" fmla="*/ 0 h 506277"/>
-              <a:gd name="connsiteX1" fmla="*/ 182880 w 1038036"/>
-              <a:gd name="connsiteY1" fmla="*/ 0 h 506277"/>
-              <a:gd name="connsiteX2" fmla="*/ 291705 w 1038036"/>
-              <a:gd name="connsiteY2" fmla="*/ 0 h 506277"/>
-              <a:gd name="connsiteX3" fmla="*/ 291705 w 1038036"/>
-              <a:gd name="connsiteY3" fmla="*/ 151 h 506277"/>
-              <a:gd name="connsiteX4" fmla="*/ 692049 w 1038036"/>
-              <a:gd name="connsiteY4" fmla="*/ 705 h 506277"/>
-              <a:gd name="connsiteX5" fmla="*/ 782744 w 1038036"/>
-              <a:gd name="connsiteY5" fmla="*/ 705 h 506277"/>
-              <a:gd name="connsiteX6" fmla="*/ 797001 w 1038036"/>
-              <a:gd name="connsiteY6" fmla="*/ 5473 h 506277"/>
-              <a:gd name="connsiteX7" fmla="*/ 801982 w 1038036"/>
-              <a:gd name="connsiteY7" fmla="*/ 10242 h 506277"/>
-              <a:gd name="connsiteX8" fmla="*/ 1030951 w 1038036"/>
-              <a:gd name="connsiteY8" fmla="*/ 239185 h 506277"/>
-              <a:gd name="connsiteX9" fmla="*/ 1030951 w 1038036"/>
-              <a:gd name="connsiteY9" fmla="*/ 267797 h 506277"/>
-              <a:gd name="connsiteX10" fmla="*/ 801982 w 1038036"/>
-              <a:gd name="connsiteY10" fmla="*/ 496740 h 506277"/>
-              <a:gd name="connsiteX11" fmla="*/ 797001 w 1038036"/>
-              <a:gd name="connsiteY11" fmla="*/ 501508 h 506277"/>
-              <a:gd name="connsiteX12" fmla="*/ 782744 w 1038036"/>
-              <a:gd name="connsiteY12" fmla="*/ 506277 h 506277"/>
-              <a:gd name="connsiteX13" fmla="*/ 692049 w 1038036"/>
-              <a:gd name="connsiteY13" fmla="*/ 506277 h 506277"/>
-              <a:gd name="connsiteX14" fmla="*/ 291705 w 1038036"/>
-              <a:gd name="connsiteY14" fmla="*/ 505140 h 506277"/>
-              <a:gd name="connsiteX15" fmla="*/ 291705 w 1038036"/>
-              <a:gd name="connsiteY15" fmla="*/ 506277 h 506277"/>
-              <a:gd name="connsiteX16" fmla="*/ 0 w 1038036"/>
-              <a:gd name="connsiteY16" fmla="*/ 506277 h 506277"/>
-            </a:gdLst>
-            <a:ahLst/>
-            <a:cxnLst>
-              <a:cxn ang="0">
-                <a:pos x="connsiteX0" y="connsiteY0"/>
-              </a:cxn>
-              <a:cxn ang="0">
-                <a:pos x="connsiteX1" y="connsiteY1"/>
-              </a:cxn>
-              <a:cxn ang="0">
-                <a:pos x="connsiteX2" y="connsiteY2"/>
-              </a:cxn>
-              <a:cxn ang="0">
-                <a:pos x="connsiteX3" y="connsiteY3"/>
-              </a:cxn>
-              <a:cxn ang="0">
-                <a:pos x="connsiteX4" y="connsiteY4"/>
-              </a:cxn>
-              <a:cxn ang="0">
-                <a:pos x="connsiteX5" y="connsiteY5"/>
-              </a:cxn>
-              <a:cxn ang="0">
-                <a:pos x="connsiteX6" y="connsiteY6"/>
-              </a:cxn>
-              <a:cxn ang="0">
-                <a:pos x="connsiteX7" y="connsiteY7"/>
-              </a:cxn>
-              <a:cxn ang="0">
-                <a:pos x="connsiteX8" y="connsiteY8"/>
-              </a:cxn>
-              <a:cxn ang="0">
-                <a:pos x="connsiteX9" y="connsiteY9"/>
-              </a:cxn>
-              <a:cxn ang="0">
-                <a:pos x="connsiteX10" y="connsiteY10"/>
-              </a:cxn>
-              <a:cxn ang="0">
-                <a:pos x="connsiteX11" y="connsiteY11"/>
-              </a:cxn>
-              <a:cxn ang="0">
-                <a:pos x="connsiteX12" y="connsiteY12"/>
-              </a:cxn>
-              <a:cxn ang="0">
-                <a:pos x="connsiteX13" y="connsiteY13"/>
-              </a:cxn>
-              <a:cxn ang="0">
-                <a:pos x="connsiteX14" y="connsiteY14"/>
-              </a:cxn>
-              <a:cxn ang="0">
-                <a:pos x="connsiteX15" y="connsiteY15"/>
-              </a:cxn>
-              <a:cxn ang="0">
-                <a:pos x="connsiteX16" y="connsiteY16"/>
-              </a:cxn>
-            </a:cxnLst>
-            <a:rect l="l" t="t" r="r" b="b"/>
-            <a:pathLst>
-              <a:path w="1038036" h="506277">
-                <a:moveTo>
-                  <a:pt x="0" y="0"/>
-                </a:moveTo>
-                <a:lnTo>
-                  <a:pt x="182880" y="0"/>
-                </a:lnTo>
-                <a:lnTo>
-                  <a:pt x="291705" y="0"/>
-                </a:lnTo>
-                <a:lnTo>
-                  <a:pt x="291705" y="151"/>
-                </a:lnTo>
-                <a:lnTo>
-                  <a:pt x="692049" y="705"/>
-                </a:lnTo>
-                <a:lnTo>
-                  <a:pt x="782744" y="705"/>
-                </a:lnTo>
-                <a:cubicBezTo>
-                  <a:pt x="787553" y="705"/>
-                  <a:pt x="792363" y="5473"/>
-                  <a:pt x="797001" y="5473"/>
-                </a:cubicBezTo>
-                <a:cubicBezTo>
-                  <a:pt x="797001" y="10242"/>
-                  <a:pt x="801982" y="10242"/>
-                  <a:pt x="801982" y="10242"/>
-                </a:cubicBezTo>
-                <a:lnTo>
-                  <a:pt x="1030951" y="239185"/>
-                </a:lnTo>
-                <a:cubicBezTo>
-                  <a:pt x="1040398" y="248722"/>
-                  <a:pt x="1040398" y="258259"/>
-                  <a:pt x="1030951" y="267797"/>
-                </a:cubicBezTo>
-                <a:lnTo>
-                  <a:pt x="801982" y="496740"/>
-                </a:lnTo>
-                <a:cubicBezTo>
-                  <a:pt x="800436" y="498363"/>
-                  <a:pt x="798547" y="499885"/>
-                  <a:pt x="797001" y="501508"/>
-                </a:cubicBezTo>
-                <a:cubicBezTo>
-                  <a:pt x="792363" y="506277"/>
-                  <a:pt x="787553" y="506277"/>
-                  <a:pt x="782744" y="506277"/>
-                </a:cubicBezTo>
-                <a:lnTo>
-                  <a:pt x="692049" y="506277"/>
-                </a:lnTo>
-                <a:lnTo>
-                  <a:pt x="291705" y="505140"/>
-                </a:lnTo>
-                <a:lnTo>
-                  <a:pt x="291705" y="506277"/>
-                </a:lnTo>
-                <a:lnTo>
-                  <a:pt x="0" y="506277"/>
-                </a:lnTo>
-                <a:close/>
-              </a:path>
-            </a:pathLst>
-          </a:custGeom>
-          <a:ln>
-            <a:noFill/>
-          </a:ln>
-        </p:spPr>
-        <p:style>
-          <a:lnRef idx="2">
-            <a:schemeClr val="accent1">
-              <a:shade val="50000"/>
-            </a:schemeClr>
-          </a:lnRef>
-          <a:fillRef idx="1">
-            <a:schemeClr val="accent1"/>
-          </a:fillRef>
-          <a:effectRef idx="0">
-            <a:schemeClr val="accent1"/>
-          </a:effectRef>
-          <a:fontRef idx="minor">
-            <a:schemeClr val="lt1"/>
-          </a:fontRef>
-        </p:style>
-        <p:txBody>
-          <a:bodyPr rtlCol="0" anchor="ctr"/>
-          <a:lstStyle/>
-          <a:p>
-            <a:pPr algn="ctr"/>
-            <a:endParaRPr lang="en-US"/>
-          </a:p>
-        </p:txBody>
-      </p:sp>
-    </p:spTree>
-    <p:extLst>
-      <p:ext uri="{BB962C8B-B14F-4D97-AF65-F5344CB8AC3E}">
-        <p14:creationId xmlns:p14="http://schemas.microsoft.com/office/powerpoint/2010/main" val="1191659229"/>
       </p:ext>
     </p:extLst>
   </p:cSld>
@@ -11448,7 +12254,7 @@
       </p:grpSpPr>
       <p:sp useBgFill="1">
         <p:nvSpPr>
-          <p:cNvPr id="27" name="Rectangle 26">
+          <p:cNvPr id="12" name="Rectangle 11">
             <a:extLst>
               <a:ext uri="{FF2B5EF4-FFF2-40B4-BE49-F238E27FC236}">
                 <a16:creationId xmlns:a16="http://schemas.microsoft.com/office/drawing/2014/main" id="{1EDD21E1-BAF0-4314-AB31-82ECB8AC9EA9}"/>
@@ -11511,7 +12317,7 @@
           <p:cNvPr id="2" name="Titel 1">
             <a:extLst>
               <a:ext uri="{FF2B5EF4-FFF2-40B4-BE49-F238E27FC236}">
-                <a16:creationId xmlns:a16="http://schemas.microsoft.com/office/drawing/2014/main" id="{FC06F302-36D0-4DE6-91CE-F0583D43AA54}"/>
+                <a16:creationId xmlns:a16="http://schemas.microsoft.com/office/drawing/2014/main" id="{A38BB8FF-CC06-4797-AEDE-AB024E5B618A}"/>
               </a:ext>
             </a:extLst>
           </p:cNvPr>
@@ -11536,7 +12342,7 @@
           <a:p>
             <a:r>
               <a:rPr lang="da-DK" dirty="0"/>
-              <a:t>Statement </a:t>
+              <a:t>Method </a:t>
             </a:r>
             <a:r>
               <a:rPr lang="da-DK" dirty="0" err="1"/>
@@ -11548,7 +12354,7 @@
       </p:sp>
       <p:sp>
         <p:nvSpPr>
-          <p:cNvPr id="29" name="Rectangle 28">
+          <p:cNvPr id="14" name="Rectangle 13">
             <a:extLst>
               <a:ext uri="{FF2B5EF4-FFF2-40B4-BE49-F238E27FC236}">
                 <a16:creationId xmlns:a16="http://schemas.microsoft.com/office/drawing/2014/main" id="{FDC8619C-F25D-468E-95FA-2A2151D7DDD2}"/>
@@ -11602,10 +12408,10 @@
       </p:sp>
       <p:sp>
         <p:nvSpPr>
-          <p:cNvPr id="3" name="Pladsholder til indhold 2">
+          <p:cNvPr id="9" name="Content Placeholder 8">
             <a:extLst>
               <a:ext uri="{FF2B5EF4-FFF2-40B4-BE49-F238E27FC236}">
-                <a16:creationId xmlns:a16="http://schemas.microsoft.com/office/drawing/2014/main" id="{1D03D2AF-62C7-465A-A473-D3FD7D98511A}"/>
+                <a16:creationId xmlns:a16="http://schemas.microsoft.com/office/drawing/2014/main" id="{C215831E-ECBC-433C-AD48-ED584A7443D1}"/>
               </a:ext>
             </a:extLst>
           </p:cNvPr>
@@ -11630,7 +12436,7 @@
           <a:p>
             <a:r>
               <a:rPr lang="da-DK" dirty="0"/>
-              <a:t>Test alle Statements</a:t>
+              <a:t>Test alle metoder</a:t>
             </a:r>
             <a:endParaRPr lang="en-US" dirty="0"/>
           </a:p>
@@ -11638,10 +12444,10 @@
       </p:sp>
       <p:pic>
         <p:nvPicPr>
-          <p:cNvPr id="5" name="Billede 4">
+          <p:cNvPr id="7" name="Pladsholder til indhold 3">
             <a:extLst>
               <a:ext uri="{FF2B5EF4-FFF2-40B4-BE49-F238E27FC236}">
-                <a16:creationId xmlns:a16="http://schemas.microsoft.com/office/drawing/2014/main" id="{E0F5FFFA-963C-4D27-8A2A-AE91BDE661E5}"/>
+                <a16:creationId xmlns:a16="http://schemas.microsoft.com/office/drawing/2014/main" id="{60E2B20F-62F9-4919-B811-F3D500C60F55}"/>
               </a:ext>
             </a:extLst>
           </p:cNvPr>
@@ -11658,8 +12464,8 @@
         </p:blipFill>
         <p:spPr>
           <a:xfrm>
-            <a:off x="6091916" y="1971868"/>
-            <a:ext cx="5451627" cy="2594222"/>
+            <a:off x="6091916" y="1069668"/>
+            <a:ext cx="5451627" cy="4398623"/>
           </a:xfrm>
           <a:prstGeom prst="rect">
             <a:avLst/>
@@ -11668,7 +12474,7 @@
       </p:pic>
       <p:sp>
         <p:nvSpPr>
-          <p:cNvPr id="31" name="Freeform 12">
+          <p:cNvPr id="16" name="Freeform 12">
             <a:extLst>
               <a:ext uri="{FF2B5EF4-FFF2-40B4-BE49-F238E27FC236}">
                 <a16:creationId xmlns:a16="http://schemas.microsoft.com/office/drawing/2014/main" id="{7D9439D6-DEAD-4CEB-A61B-BE3D64D1B598}"/>
@@ -11886,7 +12692,7 @@
     </p:spTree>
     <p:extLst>
       <p:ext uri="{BB962C8B-B14F-4D97-AF65-F5344CB8AC3E}">
-        <p14:creationId xmlns:p14="http://schemas.microsoft.com/office/powerpoint/2010/main" val="3019674786"/>
+        <p14:creationId xmlns:p14="http://schemas.microsoft.com/office/powerpoint/2010/main" val="1191659229"/>
       </p:ext>
     </p:extLst>
   </p:cSld>
@@ -11939,12 +12745,72 @@
           <a:chExt cx="0" cy="0"/>
         </a:xfrm>
       </p:grpSpPr>
+      <p:sp useBgFill="1">
+        <p:nvSpPr>
+          <p:cNvPr id="27" name="Rectangle 26">
+            <a:extLst>
+              <a:ext uri="{FF2B5EF4-FFF2-40B4-BE49-F238E27FC236}">
+                <a16:creationId xmlns:a16="http://schemas.microsoft.com/office/drawing/2014/main" id="{1EDD21E1-BAF0-4314-AB31-82ECB8AC9EA9}"/>
+              </a:ext>
+              <a:ext uri="{C183D7F6-B498-43B3-948B-1728B52AA6E4}">
+                <adec:decorative xmlns:adec="http://schemas.microsoft.com/office/drawing/2017/decorative" val="1"/>
+              </a:ext>
+            </a:extLst>
+          </p:cNvPr>
+          <p:cNvSpPr>
+            <a:spLocks noGrp="1" noRot="1" noChangeAspect="1" noMove="1" noResize="1" noEditPoints="1" noAdjustHandles="1" noChangeArrowheads="1" noChangeShapeType="1" noTextEdit="1"/>
+          </p:cNvSpPr>
+          <p:nvPr>
+            <p:extLst>
+              <p:ext uri="{386F3935-93C4-4BCD-93E2-E3B085C9AB24}">
+                <p16:designElem xmlns:p16="http://schemas.microsoft.com/office/powerpoint/2015/main" val="1"/>
+              </p:ext>
+            </p:extLst>
+          </p:nvPr>
+        </p:nvSpPr>
+        <p:spPr>
+          <a:xfrm>
+            <a:off x="0" y="-786"/>
+            <a:ext cx="12192000" cy="6854038"/>
+          </a:xfrm>
+          <a:prstGeom prst="rect">
+            <a:avLst/>
+          </a:prstGeom>
+          <a:ln>
+            <a:noFill/>
+          </a:ln>
+        </p:spPr>
+        <p:style>
+          <a:lnRef idx="2">
+            <a:schemeClr val="accent1">
+              <a:shade val="50000"/>
+            </a:schemeClr>
+          </a:lnRef>
+          <a:fillRef idx="1">
+            <a:schemeClr val="accent1"/>
+          </a:fillRef>
+          <a:effectRef idx="0">
+            <a:schemeClr val="accent1"/>
+          </a:effectRef>
+          <a:fontRef idx="minor">
+            <a:schemeClr val="lt1"/>
+          </a:fontRef>
+        </p:style>
+        <p:txBody>
+          <a:bodyPr rtlCol="0" anchor="ctr"/>
+          <a:lstStyle/>
+          <a:p>
+            <a:pPr algn="ctr"/>
+            <a:endParaRPr lang="en-US"/>
+          </a:p>
+        </p:txBody>
+      </p:sp>
       <p:sp>
         <p:nvSpPr>
           <p:cNvPr id="2" name="Titel 1">
             <a:extLst>
               <a:ext uri="{FF2B5EF4-FFF2-40B4-BE49-F238E27FC236}">
-                <a16:creationId xmlns:a16="http://schemas.microsoft.com/office/drawing/2014/main" id="{9190A1E8-E141-4686-BB05-5EBE9B4D567C}"/>
+                <a16:creationId xmlns:a16="http://schemas.microsoft.com/office/drawing/2014/main" id="{FC06F302-36D0-4DE6-91CE-F0583D43AA54}"/>
               </a:ext>
             </a:extLst>
           </p:cNvPr>
@@ -11957,8 +12823,8 @@
         </p:nvSpPr>
         <p:spPr>
           <a:xfrm>
-            <a:off x="1687669" y="624110"/>
-            <a:ext cx="4137059" cy="1280890"/>
+            <a:off x="649224" y="645106"/>
+            <a:ext cx="5122652" cy="1259894"/>
           </a:xfrm>
         </p:spPr>
         <p:txBody>
@@ -11968,19 +12834,77 @@
           <a:lstStyle/>
           <a:p>
             <a:r>
-              <a:rPr lang="da-DK" sz="3200"/>
-              <a:t>Branch Coverage</a:t>
-            </a:r>
-            <a:endParaRPr lang="en-US" sz="3200"/>
-          </a:p>
-        </p:txBody>
+              <a:rPr lang="da-DK" dirty="0"/>
+              <a:t>Statement </a:t>
+            </a:r>
+            <a:r>
+              <a:rPr lang="da-DK" dirty="0" err="1"/>
+              <a:t>Coverage</a:t>
+            </a:r>
+            <a:endParaRPr lang="en-US" dirty="0"/>
+          </a:p>
+        </p:txBody>
+      </p:sp>
+      <p:sp>
+        <p:nvSpPr>
+          <p:cNvPr id="29" name="Rectangle 28">
+            <a:extLst>
+              <a:ext uri="{FF2B5EF4-FFF2-40B4-BE49-F238E27FC236}">
+                <a16:creationId xmlns:a16="http://schemas.microsoft.com/office/drawing/2014/main" id="{FDC8619C-F25D-468E-95FA-2A2151D7DDD2}"/>
+              </a:ext>
+              <a:ext uri="{C183D7F6-B498-43B3-948B-1728B52AA6E4}">
+                <adec:decorative xmlns:adec="http://schemas.microsoft.com/office/drawing/2017/decorative" val="1"/>
+              </a:ext>
+            </a:extLst>
+          </p:cNvPr>
+          <p:cNvSpPr>
+            <a:spLocks noGrp="1" noRot="1" noChangeAspect="1" noMove="1" noResize="1" noEditPoints="1" noAdjustHandles="1" noChangeArrowheads="1" noChangeShapeType="1" noTextEdit="1"/>
+          </p:cNvSpPr>
+          <p:nvPr>
+            <p:extLst>
+              <p:ext uri="{386F3935-93C4-4BCD-93E2-E3B085C9AB24}">
+                <p16:designElem xmlns:p16="http://schemas.microsoft.com/office/powerpoint/2015/main" val="1"/>
+              </p:ext>
+            </p:extLst>
+          </p:nvPr>
+        </p:nvSpPr>
+        <p:spPr>
+          <a:xfrm>
+            <a:off x="0" y="0"/>
+            <a:ext cx="182880" cy="6858000"/>
+          </a:xfrm>
+          <a:prstGeom prst="rect">
+            <a:avLst/>
+          </a:prstGeom>
+          <a:solidFill>
+            <a:schemeClr val="tx2"/>
+          </a:solidFill>
+          <a:ln>
+            <a:noFill/>
+          </a:ln>
+          <a:effectLst/>
+        </p:spPr>
+        <p:style>
+          <a:lnRef idx="1">
+            <a:schemeClr val="accent1"/>
+          </a:lnRef>
+          <a:fillRef idx="3">
+            <a:schemeClr val="accent1"/>
+          </a:fillRef>
+          <a:effectRef idx="2">
+            <a:schemeClr val="accent1"/>
+          </a:effectRef>
+          <a:fontRef idx="minor">
+            <a:schemeClr val="lt1"/>
+          </a:fontRef>
+        </p:style>
       </p:sp>
       <p:sp>
         <p:nvSpPr>
           <p:cNvPr id="3" name="Pladsholder til indhold 2">
             <a:extLst>
               <a:ext uri="{FF2B5EF4-FFF2-40B4-BE49-F238E27FC236}">
-                <a16:creationId xmlns:a16="http://schemas.microsoft.com/office/drawing/2014/main" id="{C0159AE0-C78F-422B-A7B3-800D8D8957FD}"/>
+                <a16:creationId xmlns:a16="http://schemas.microsoft.com/office/drawing/2014/main" id="{1D03D2AF-62C7-465A-A473-D3FD7D98511A}"/>
               </a:ext>
             </a:extLst>
           </p:cNvPr>
@@ -11993,8 +12917,8 @@
         </p:nvSpPr>
         <p:spPr>
           <a:xfrm>
-            <a:off x="1683956" y="2133600"/>
-            <a:ext cx="4140772" cy="3777622"/>
+            <a:off x="649225" y="2133600"/>
+            <a:ext cx="5122652" cy="3759253"/>
           </a:xfrm>
         </p:spPr>
         <p:txBody>
@@ -12004,28 +12928,10 @@
           <a:lstStyle/>
           <a:p>
             <a:r>
-              <a:rPr lang="da-DK" sz="1600" dirty="0">
-                <a:solidFill>
-                  <a:srgbClr val="000000"/>
-                </a:solidFill>
-              </a:rPr>
-              <a:t>Test alle grene af koden</a:t>
-            </a:r>
-          </a:p>
-          <a:p>
-            <a:r>
-              <a:rPr lang="da-DK" sz="1600" dirty="0">
-                <a:solidFill>
-                  <a:srgbClr val="000000"/>
-                </a:solidFill>
-              </a:rPr>
-              <a:t>Switch Cases &amp; If Statements</a:t>
-            </a:r>
-            <a:endParaRPr lang="en-US" sz="1600" dirty="0">
-              <a:solidFill>
-                <a:srgbClr val="000000"/>
-              </a:solidFill>
-            </a:endParaRPr>
+              <a:rPr lang="da-DK" dirty="0"/>
+              <a:t>Test alle Statements</a:t>
+            </a:r>
+            <a:endParaRPr lang="en-US" dirty="0"/>
           </a:p>
         </p:txBody>
       </p:sp>
@@ -12034,7 +12940,7 @@
           <p:cNvPr id="5" name="Billede 4">
             <a:extLst>
               <a:ext uri="{FF2B5EF4-FFF2-40B4-BE49-F238E27FC236}">
-                <a16:creationId xmlns:a16="http://schemas.microsoft.com/office/drawing/2014/main" id="{EF17CD94-08E6-49C3-B2B7-85A06B799A43}"/>
+                <a16:creationId xmlns:a16="http://schemas.microsoft.com/office/drawing/2014/main" id="{E0F5FFFA-963C-4D27-8A2A-AE91BDE661E5}"/>
               </a:ext>
             </a:extLst>
           </p:cNvPr>
@@ -12051,18 +12957,235 @@
         </p:blipFill>
         <p:spPr>
           <a:xfrm>
-            <a:off x="6580878" y="645106"/>
-            <a:ext cx="4473703" cy="5247747"/>
+            <a:off x="6091916" y="1971868"/>
+            <a:ext cx="5451627" cy="2594222"/>
           </a:xfrm>
           <a:prstGeom prst="rect">
             <a:avLst/>
           </a:prstGeom>
         </p:spPr>
       </p:pic>
+      <p:sp>
+        <p:nvSpPr>
+          <p:cNvPr id="31" name="Freeform 12">
+            <a:extLst>
+              <a:ext uri="{FF2B5EF4-FFF2-40B4-BE49-F238E27FC236}">
+                <a16:creationId xmlns:a16="http://schemas.microsoft.com/office/drawing/2014/main" id="{7D9439D6-DEAD-4CEB-A61B-BE3D64D1B598}"/>
+              </a:ext>
+              <a:ext uri="{C183D7F6-B498-43B3-948B-1728B52AA6E4}">
+                <adec:decorative xmlns:adec="http://schemas.microsoft.com/office/drawing/2017/decorative" val="1"/>
+              </a:ext>
+            </a:extLst>
+          </p:cNvPr>
+          <p:cNvSpPr>
+            <a:spLocks noGrp="1" noRot="1" noChangeAspect="1" noMove="1" noResize="1" noEditPoints="1" noAdjustHandles="1" noChangeArrowheads="1" noChangeShapeType="1" noTextEdit="1"/>
+          </p:cNvSpPr>
+          <p:nvPr>
+            <p:extLst>
+              <p:ext uri="{386F3935-93C4-4BCD-93E2-E3B085C9AB24}">
+                <p16:designElem xmlns:p16="http://schemas.microsoft.com/office/powerpoint/2015/main" val="1"/>
+              </p:ext>
+            </p:extLst>
+          </p:nvPr>
+        </p:nvSpPr>
+        <p:spPr>
+          <a:xfrm>
+            <a:off x="-1" y="6061223"/>
+            <a:ext cx="1038036" cy="506277"/>
+          </a:xfrm>
+          <a:custGeom>
+            <a:avLst/>
+            <a:gdLst>
+              <a:gd name="connsiteX0" fmla="*/ 0 w 1038036"/>
+              <a:gd name="connsiteY0" fmla="*/ 0 h 506277"/>
+              <a:gd name="connsiteX1" fmla="*/ 182880 w 1038036"/>
+              <a:gd name="connsiteY1" fmla="*/ 0 h 506277"/>
+              <a:gd name="connsiteX2" fmla="*/ 291705 w 1038036"/>
+              <a:gd name="connsiteY2" fmla="*/ 0 h 506277"/>
+              <a:gd name="connsiteX3" fmla="*/ 291705 w 1038036"/>
+              <a:gd name="connsiteY3" fmla="*/ 151 h 506277"/>
+              <a:gd name="connsiteX4" fmla="*/ 692049 w 1038036"/>
+              <a:gd name="connsiteY4" fmla="*/ 705 h 506277"/>
+              <a:gd name="connsiteX5" fmla="*/ 782744 w 1038036"/>
+              <a:gd name="connsiteY5" fmla="*/ 705 h 506277"/>
+              <a:gd name="connsiteX6" fmla="*/ 797001 w 1038036"/>
+              <a:gd name="connsiteY6" fmla="*/ 5473 h 506277"/>
+              <a:gd name="connsiteX7" fmla="*/ 801982 w 1038036"/>
+              <a:gd name="connsiteY7" fmla="*/ 10242 h 506277"/>
+              <a:gd name="connsiteX8" fmla="*/ 1030951 w 1038036"/>
+              <a:gd name="connsiteY8" fmla="*/ 239185 h 506277"/>
+              <a:gd name="connsiteX9" fmla="*/ 1030951 w 1038036"/>
+              <a:gd name="connsiteY9" fmla="*/ 267797 h 506277"/>
+              <a:gd name="connsiteX10" fmla="*/ 801982 w 1038036"/>
+              <a:gd name="connsiteY10" fmla="*/ 496740 h 506277"/>
+              <a:gd name="connsiteX11" fmla="*/ 797001 w 1038036"/>
+              <a:gd name="connsiteY11" fmla="*/ 501508 h 506277"/>
+              <a:gd name="connsiteX12" fmla="*/ 782744 w 1038036"/>
+              <a:gd name="connsiteY12" fmla="*/ 506277 h 506277"/>
+              <a:gd name="connsiteX13" fmla="*/ 692049 w 1038036"/>
+              <a:gd name="connsiteY13" fmla="*/ 506277 h 506277"/>
+              <a:gd name="connsiteX14" fmla="*/ 291705 w 1038036"/>
+              <a:gd name="connsiteY14" fmla="*/ 505140 h 506277"/>
+              <a:gd name="connsiteX15" fmla="*/ 291705 w 1038036"/>
+              <a:gd name="connsiteY15" fmla="*/ 506277 h 506277"/>
+              <a:gd name="connsiteX16" fmla="*/ 0 w 1038036"/>
+              <a:gd name="connsiteY16" fmla="*/ 506277 h 506277"/>
+            </a:gdLst>
+            <a:ahLst/>
+            <a:cxnLst>
+              <a:cxn ang="0">
+                <a:pos x="connsiteX0" y="connsiteY0"/>
+              </a:cxn>
+              <a:cxn ang="0">
+                <a:pos x="connsiteX1" y="connsiteY1"/>
+              </a:cxn>
+              <a:cxn ang="0">
+                <a:pos x="connsiteX2" y="connsiteY2"/>
+              </a:cxn>
+              <a:cxn ang="0">
+                <a:pos x="connsiteX3" y="connsiteY3"/>
+              </a:cxn>
+              <a:cxn ang="0">
+                <a:pos x="connsiteX4" y="connsiteY4"/>
+              </a:cxn>
+              <a:cxn ang="0">
+                <a:pos x="connsiteX5" y="connsiteY5"/>
+              </a:cxn>
+              <a:cxn ang="0">
+                <a:pos x="connsiteX6" y="connsiteY6"/>
+              </a:cxn>
+              <a:cxn ang="0">
+                <a:pos x="connsiteX7" y="connsiteY7"/>
+              </a:cxn>
+              <a:cxn ang="0">
+                <a:pos x="connsiteX8" y="connsiteY8"/>
+              </a:cxn>
+              <a:cxn ang="0">
+                <a:pos x="connsiteX9" y="connsiteY9"/>
+              </a:cxn>
+              <a:cxn ang="0">
+                <a:pos x="connsiteX10" y="connsiteY10"/>
+              </a:cxn>
+              <a:cxn ang="0">
+                <a:pos x="connsiteX11" y="connsiteY11"/>
+              </a:cxn>
+              <a:cxn ang="0">
+                <a:pos x="connsiteX12" y="connsiteY12"/>
+              </a:cxn>
+              <a:cxn ang="0">
+                <a:pos x="connsiteX13" y="connsiteY13"/>
+              </a:cxn>
+              <a:cxn ang="0">
+                <a:pos x="connsiteX14" y="connsiteY14"/>
+              </a:cxn>
+              <a:cxn ang="0">
+                <a:pos x="connsiteX15" y="connsiteY15"/>
+              </a:cxn>
+              <a:cxn ang="0">
+                <a:pos x="connsiteX16" y="connsiteY16"/>
+              </a:cxn>
+            </a:cxnLst>
+            <a:rect l="l" t="t" r="r" b="b"/>
+            <a:pathLst>
+              <a:path w="1038036" h="506277">
+                <a:moveTo>
+                  <a:pt x="0" y="0"/>
+                </a:moveTo>
+                <a:lnTo>
+                  <a:pt x="182880" y="0"/>
+                </a:lnTo>
+                <a:lnTo>
+                  <a:pt x="291705" y="0"/>
+                </a:lnTo>
+                <a:lnTo>
+                  <a:pt x="291705" y="151"/>
+                </a:lnTo>
+                <a:lnTo>
+                  <a:pt x="692049" y="705"/>
+                </a:lnTo>
+                <a:lnTo>
+                  <a:pt x="782744" y="705"/>
+                </a:lnTo>
+                <a:cubicBezTo>
+                  <a:pt x="787553" y="705"/>
+                  <a:pt x="792363" y="5473"/>
+                  <a:pt x="797001" y="5473"/>
+                </a:cubicBezTo>
+                <a:cubicBezTo>
+                  <a:pt x="797001" y="10242"/>
+                  <a:pt x="801982" y="10242"/>
+                  <a:pt x="801982" y="10242"/>
+                </a:cubicBezTo>
+                <a:lnTo>
+                  <a:pt x="1030951" y="239185"/>
+                </a:lnTo>
+                <a:cubicBezTo>
+                  <a:pt x="1040398" y="248722"/>
+                  <a:pt x="1040398" y="258259"/>
+                  <a:pt x="1030951" y="267797"/>
+                </a:cubicBezTo>
+                <a:lnTo>
+                  <a:pt x="801982" y="496740"/>
+                </a:lnTo>
+                <a:cubicBezTo>
+                  <a:pt x="800436" y="498363"/>
+                  <a:pt x="798547" y="499885"/>
+                  <a:pt x="797001" y="501508"/>
+                </a:cubicBezTo>
+                <a:cubicBezTo>
+                  <a:pt x="792363" y="506277"/>
+                  <a:pt x="787553" y="506277"/>
+                  <a:pt x="782744" y="506277"/>
+                </a:cubicBezTo>
+                <a:lnTo>
+                  <a:pt x="692049" y="506277"/>
+                </a:lnTo>
+                <a:lnTo>
+                  <a:pt x="291705" y="505140"/>
+                </a:lnTo>
+                <a:lnTo>
+                  <a:pt x="291705" y="506277"/>
+                </a:lnTo>
+                <a:lnTo>
+                  <a:pt x="0" y="506277"/>
+                </a:lnTo>
+                <a:close/>
+              </a:path>
+            </a:pathLst>
+          </a:custGeom>
+          <a:ln>
+            <a:noFill/>
+          </a:ln>
+        </p:spPr>
+        <p:style>
+          <a:lnRef idx="2">
+            <a:schemeClr val="accent1">
+              <a:shade val="50000"/>
+            </a:schemeClr>
+          </a:lnRef>
+          <a:fillRef idx="1">
+            <a:schemeClr val="accent1"/>
+          </a:fillRef>
+          <a:effectRef idx="0">
+            <a:schemeClr val="accent1"/>
+          </a:effectRef>
+          <a:fontRef idx="minor">
+            <a:schemeClr val="lt1"/>
+          </a:fontRef>
+        </p:style>
+        <p:txBody>
+          <a:bodyPr rtlCol="0" anchor="ctr"/>
+          <a:lstStyle/>
+          <a:p>
+            <a:pPr algn="ctr"/>
+            <a:endParaRPr lang="en-US"/>
+          </a:p>
+        </p:txBody>
+      </p:sp>
     </p:spTree>
     <p:extLst>
       <p:ext uri="{BB962C8B-B14F-4D97-AF65-F5344CB8AC3E}">
-        <p14:creationId xmlns:p14="http://schemas.microsoft.com/office/powerpoint/2010/main" val="419296898"/>
+        <p14:creationId xmlns:p14="http://schemas.microsoft.com/office/powerpoint/2010/main" val="3019674786"/>
       </p:ext>
     </p:extLst>
   </p:cSld>
